--- a/proyecto/informe/entrega3/Presentation of bees.pptx
+++ b/proyecto/informe/entrega3/Presentation of bees.pptx
@@ -14,11 +14,9 @@
     <p:sldId id="264" r:id="rId8"/>
     <p:sldId id="261" r:id="rId9"/>
     <p:sldId id="265" r:id="rId10"/>
-    <p:sldId id="266" r:id="rId11"/>
-    <p:sldId id="267" r:id="rId12"/>
-    <p:sldId id="268" r:id="rId13"/>
-    <p:sldId id="269" r:id="rId14"/>
-    <p:sldId id="262" r:id="rId15"/>
+    <p:sldId id="268" r:id="rId11"/>
+    <p:sldId id="269" r:id="rId12"/>
+    <p:sldId id="262" r:id="rId13"/>
   </p:sldIdLst>
   <p:sldSz cx="9144000" cy="6858000" type="screen4x3"/>
   <p:notesSz cx="7772400" cy="10058400"/>
@@ -117,6 +115,11 @@
       </a:defRPr>
     </a:lvl9pPr>
   </p:defaultTextStyle>
+  <p:extLst>
+    <p:ext uri="{EFAFB233-063F-42B5-8137-9DF3F51BA10A}">
+      <p15:sldGuideLst xmlns:p15="http://schemas.microsoft.com/office/powerpoint/2012/main"/>
+    </p:ext>
+  </p:extLst>
 </p:presentation>
 </file>
 
@@ -4680,2267 +4683,6 @@
       </p:grpSpPr>
       <p:sp>
         <p:nvSpPr>
-          <p:cNvPr id="103" name="CustomShape 1"/>
-          <p:cNvSpPr/>
-          <p:nvPr/>
-        </p:nvSpPr>
-        <p:spPr>
-          <a:xfrm>
-            <a:off x="357840" y="433080"/>
-            <a:ext cx="7885080" cy="613800"/>
-          </a:xfrm>
-          <a:prstGeom prst="rect">
-            <a:avLst/>
-          </a:prstGeom>
-          <a:noFill/>
-          <a:ln>
-            <a:noFill/>
-          </a:ln>
-        </p:spPr>
-        <p:style>
-          <a:lnRef idx="0">
-            <a:scrgbClr r="0" g="0" b="0"/>
-          </a:lnRef>
-          <a:fillRef idx="0">
-            <a:scrgbClr r="0" g="0" b="0"/>
-          </a:fillRef>
-          <a:effectRef idx="0">
-            <a:scrgbClr r="0" g="0" b="0"/>
-          </a:effectRef>
-          <a:fontRef idx="minor"/>
-        </p:style>
-        <p:txBody>
-          <a:bodyPr lIns="90000" tIns="45000" rIns="90000" bIns="45000" anchor="ctr"/>
-          <a:lstStyle/>
-          <a:p>
-            <a:pPr>
-              <a:lnSpc>
-                <a:spcPct val="90000"/>
-              </a:lnSpc>
-            </a:pPr>
-            <a:r>
-              <a:rPr lang="en-US" sz="2800" b="1" i="1" strike="noStrike" spc="-1">
-                <a:solidFill>
-                  <a:srgbClr val="333F4F"/>
-                </a:solidFill>
-                <a:uFill>
-                  <a:solidFill>
-                    <a:srgbClr val="FFFFFF"/>
-                  </a:solidFill>
-                </a:uFill>
-                <a:latin typeface="Arial"/>
-                <a:ea typeface="DejaVu Sans"/>
-              </a:rPr>
-              <a:t>Design Criteria of the Data Structure</a:t>
-            </a:r>
-            <a:endParaRPr lang="en-US" sz="1800" b="0" strike="noStrike" spc="-1">
-              <a:solidFill>
-                <a:srgbClr val="000000"/>
-              </a:solidFill>
-              <a:uFill>
-                <a:solidFill>
-                  <a:srgbClr val="FFFFFF"/>
-                </a:solidFill>
-              </a:uFill>
-              <a:latin typeface="Arial"/>
-            </a:endParaRPr>
-          </a:p>
-        </p:txBody>
-      </p:sp>
-      <p:sp>
-        <p:nvSpPr>
-          <p:cNvPr id="104" name="CustomShape 2"/>
-          <p:cNvSpPr/>
-          <p:nvPr/>
-        </p:nvSpPr>
-        <p:spPr>
-          <a:xfrm>
-            <a:off x="629460" y="2003504"/>
-            <a:ext cx="7885080" cy="2392920"/>
-          </a:xfrm>
-          <a:prstGeom prst="rect">
-            <a:avLst/>
-          </a:prstGeom>
-          <a:noFill/>
-          <a:ln>
-            <a:noFill/>
-          </a:ln>
-        </p:spPr>
-        <p:style>
-          <a:lnRef idx="0">
-            <a:scrgbClr r="0" g="0" b="0"/>
-          </a:lnRef>
-          <a:fillRef idx="0">
-            <a:scrgbClr r="0" g="0" b="0"/>
-          </a:fillRef>
-          <a:effectRef idx="0">
-            <a:scrgbClr r="0" g="0" b="0"/>
-          </a:effectRef>
-          <a:fontRef idx="minor"/>
-        </p:style>
-        <p:txBody>
-          <a:bodyPr lIns="90000" tIns="45000" rIns="90000" bIns="45000"/>
-          <a:lstStyle/>
-          <a:p>
-            <a:pPr marL="360" algn="just">
-              <a:lnSpc>
-                <a:spcPct val="100000"/>
-              </a:lnSpc>
-              <a:buClr>
-                <a:srgbClr val="000000"/>
-              </a:buClr>
-              <a:buSzPct val="45000"/>
-            </a:pPr>
-            <a:endParaRPr lang="en-US" sz="1800" b="0" strike="noStrike" spc="-1" dirty="0">
-              <a:solidFill>
-                <a:srgbClr val="000000"/>
-              </a:solidFill>
-              <a:uFill>
-                <a:solidFill>
-                  <a:srgbClr val="FFFFFF"/>
-                </a:solidFill>
-              </a:uFill>
-              <a:latin typeface="Arial"/>
-            </a:endParaRPr>
-          </a:p>
-        </p:txBody>
-      </p:sp>
-    </p:spTree>
-    <p:extLst>
-      <p:ext uri="{BB962C8B-B14F-4D97-AF65-F5344CB8AC3E}">
-        <p14:creationId xmlns:p14="http://schemas.microsoft.com/office/powerpoint/2010/main" val="3812549031"/>
-      </p:ext>
-    </p:extLst>
-  </p:cSld>
-  <p:clrMapOvr>
-    <a:masterClrMapping/>
-  </p:clrMapOvr>
-  <p:timing>
-    <p:tnLst>
-      <p:par>
-        <p:cTn id="1" dur="indefinite" restart="never" nodeType="tmRoot">
-          <p:childTnLst>
-            <p:seq>
-              <p:cTn id="2" nodeType="mainSeq"/>
-              <p:prevCondLst>
-                <p:cond evt="onPrev" delay="0">
-                  <p:tgtEl>
-                    <p:sldTgt/>
-                  </p:tgtEl>
-                </p:cond>
-              </p:prevCondLst>
-              <p:nextCondLst>
-                <p:cond evt="onNext" delay="0">
-                  <p:tgtEl>
-                    <p:sldTgt/>
-                  </p:tgtEl>
-                </p:cond>
-              </p:nextCondLst>
-            </p:seq>
-          </p:childTnLst>
-        </p:cTn>
-      </p:par>
-    </p:tnLst>
-  </p:timing>
-</p:sld>
-</file>
-
-<file path=ppt/slides/slide11.xml><?xml version="1.0" encoding="utf-8"?>
-<p:sld xmlns:a="http://schemas.openxmlformats.org/drawingml/2006/main" xmlns:r="http://schemas.openxmlformats.org/officeDocument/2006/relationships" xmlns:p="http://schemas.openxmlformats.org/presentationml/2006/main">
-  <p:cSld>
-    <p:spTree>
-      <p:nvGrpSpPr>
-        <p:cNvPr id="1" name=""/>
-        <p:cNvGrpSpPr/>
-        <p:nvPr/>
-      </p:nvGrpSpPr>
-      <p:grpSpPr>
-        <a:xfrm>
-          <a:off x="0" y="0"/>
-          <a:ext cx="0" cy="0"/>
-          <a:chOff x="0" y="0"/>
-          <a:chExt cx="0" cy="0"/>
-        </a:xfrm>
-      </p:grpSpPr>
-      <p:sp>
-        <p:nvSpPr>
-          <p:cNvPr id="111" name="CustomShape 1"/>
-          <p:cNvSpPr/>
-          <p:nvPr/>
-        </p:nvSpPr>
-        <p:spPr>
-          <a:xfrm>
-            <a:off x="243360" y="302400"/>
-            <a:ext cx="7885080" cy="613800"/>
-          </a:xfrm>
-          <a:prstGeom prst="rect">
-            <a:avLst/>
-          </a:prstGeom>
-          <a:noFill/>
-          <a:ln>
-            <a:noFill/>
-          </a:ln>
-        </p:spPr>
-        <p:style>
-          <a:lnRef idx="0">
-            <a:scrgbClr r="0" g="0" b="0"/>
-          </a:lnRef>
-          <a:fillRef idx="0">
-            <a:scrgbClr r="0" g="0" b="0"/>
-          </a:fillRef>
-          <a:effectRef idx="0">
-            <a:scrgbClr r="0" g="0" b="0"/>
-          </a:effectRef>
-          <a:fontRef idx="minor"/>
-        </p:style>
-        <p:txBody>
-          <a:bodyPr lIns="90000" tIns="45000" rIns="90000" bIns="45000" anchor="ctr"/>
-          <a:lstStyle/>
-          <a:p>
-            <a:pPr>
-              <a:lnSpc>
-                <a:spcPct val="90000"/>
-              </a:lnSpc>
-            </a:pPr>
-            <a:r>
-              <a:rPr lang="en-US" sz="2800" b="1" i="1" strike="noStrike" spc="-1">
-                <a:solidFill>
-                  <a:srgbClr val="333F4F"/>
-                </a:solidFill>
-                <a:uFill>
-                  <a:solidFill>
-                    <a:srgbClr val="FFFFFF"/>
-                  </a:solidFill>
-                </a:uFill>
-                <a:latin typeface="Arial"/>
-                <a:ea typeface="DejaVu Sans"/>
-              </a:rPr>
-              <a:t>Time and Memory Consumption</a:t>
-            </a:r>
-            <a:endParaRPr lang="en-US" sz="1800" b="0" strike="noStrike" spc="-1">
-              <a:solidFill>
-                <a:srgbClr val="000000"/>
-              </a:solidFill>
-              <a:uFill>
-                <a:solidFill>
-                  <a:srgbClr val="FFFFFF"/>
-                </a:solidFill>
-              </a:uFill>
-              <a:latin typeface="Arial"/>
-            </a:endParaRPr>
-          </a:p>
-        </p:txBody>
-      </p:sp>
-      <p:sp>
-        <p:nvSpPr>
-          <p:cNvPr id="4" name="Rectangle 1">
-            <a:extLst>
-              <a:ext uri="{FF2B5EF4-FFF2-40B4-BE49-F238E27FC236}">
-                <a16:creationId xmlns:a16="http://schemas.microsoft.com/office/drawing/2014/main" id="{9FDAB741-5603-4601-B2AD-608CEDC4BD62}"/>
-              </a:ext>
-            </a:extLst>
-          </p:cNvPr>
-          <p:cNvSpPr>
-            <a:spLocks noChangeArrowheads="1"/>
-          </p:cNvSpPr>
-          <p:nvPr/>
-        </p:nvSpPr>
-        <p:spPr bwMode="auto">
-          <a:xfrm>
-            <a:off x="5619288" y="1843380"/>
-            <a:ext cx="9144000" cy="457200"/>
-          </a:xfrm>
-          <a:prstGeom prst="rect">
-            <a:avLst/>
-          </a:prstGeom>
-          <a:noFill/>
-          <a:ln>
-            <a:noFill/>
-          </a:ln>
-          <a:effectLst/>
-          <a:extLst>
-            <a:ext uri="{909E8E84-426E-40DD-AFC4-6F175D3DCCD1}">
-              <a14:hiddenFill xmlns:a14="http://schemas.microsoft.com/office/drawing/2010/main">
-                <a:solidFill>
-                  <a:schemeClr val="accent1"/>
-                </a:solidFill>
-              </a14:hiddenFill>
-            </a:ext>
-            <a:ext uri="{91240B29-F687-4F45-9708-019B960494DF}">
-              <a14:hiddenLine xmlns:a14="http://schemas.microsoft.com/office/drawing/2010/main" w="9525">
-                <a:solidFill>
-                  <a:schemeClr val="tx1"/>
-                </a:solidFill>
-                <a:miter lim="800000"/>
-                <a:headEnd/>
-                <a:tailEnd/>
-              </a14:hiddenLine>
-            </a:ext>
-            <a:ext uri="{AF507438-7753-43E0-B8FC-AC1667EBCBE1}">
-              <a14:hiddenEffects xmlns:a14="http://schemas.microsoft.com/office/drawing/2010/main">
-                <a:effectLst>
-                  <a:outerShdw dist="35921" dir="2700000" algn="ctr" rotWithShape="0">
-                    <a:schemeClr val="bg2"/>
-                  </a:outerShdw>
-                </a:effectLst>
-              </a14:hiddenEffects>
-            </a:ext>
-          </a:extLst>
-        </p:spPr>
-        <p:txBody>
-          <a:bodyPr vert="horz" wrap="none" lIns="91440" tIns="45720" rIns="91440" bIns="45720" numCol="1" anchor="ctr" anchorCtr="0" compatLnSpc="1">
-            <a:prstTxWarp prst="textNoShape">
-              <a:avLst/>
-            </a:prstTxWarp>
-            <a:spAutoFit/>
-          </a:bodyPr>
-          <a:lstStyle/>
-          <a:p>
-            <a:pPr marL="0" marR="0" lvl="0" indent="0" algn="l" defTabSz="914400" rtl="0" eaLnBrk="0" fontAlgn="base" latinLnBrk="0" hangingPunct="0">
-              <a:lnSpc>
-                <a:spcPct val="100000"/>
-              </a:lnSpc>
-              <a:spcBef>
-                <a:spcPct val="0"/>
-              </a:spcBef>
-              <a:spcAft>
-                <a:spcPct val="0"/>
-              </a:spcAft>
-              <a:buClrTx/>
-              <a:buSzTx/>
-              <a:buFontTx/>
-              <a:buNone/>
-              <a:tabLst/>
-            </a:pPr>
-            <a:br>
-              <a:rPr kumimoji="0" lang="es-CO" altLang="es-CO" sz="1800" b="0" i="0" u="none" strike="noStrike" cap="none" normalizeH="0" baseline="0">
-                <a:ln>
-                  <a:noFill/>
-                </a:ln>
-                <a:solidFill>
-                  <a:schemeClr val="tx1"/>
-                </a:solidFill>
-                <a:effectLst/>
-                <a:latin typeface="Arial" panose="020B0604020202020204" pitchFamily="34" charset="0"/>
-              </a:rPr>
-            </a:br>
-            <a:endParaRPr kumimoji="0" lang="es-CO" altLang="es-CO" sz="1800" b="0" i="0" u="none" strike="noStrike" cap="none" normalizeH="0" baseline="0">
-              <a:ln>
-                <a:noFill/>
-              </a:ln>
-              <a:solidFill>
-                <a:schemeClr val="tx1"/>
-              </a:solidFill>
-              <a:effectLst/>
-              <a:latin typeface="Arial" panose="020B0604020202020204" pitchFamily="34" charset="0"/>
-            </a:endParaRPr>
-          </a:p>
-          <a:p>
-            <a:pPr marL="0" marR="0" lvl="0" indent="0" algn="l" defTabSz="914400" rtl="0" eaLnBrk="0" fontAlgn="base" latinLnBrk="0" hangingPunct="0">
-              <a:lnSpc>
-                <a:spcPct val="100000"/>
-              </a:lnSpc>
-              <a:spcBef>
-                <a:spcPct val="0"/>
-              </a:spcBef>
-              <a:spcAft>
-                <a:spcPct val="0"/>
-              </a:spcAft>
-              <a:buClrTx/>
-              <a:buSzTx/>
-              <a:buFontTx/>
-              <a:buNone/>
-              <a:tabLst/>
-            </a:pPr>
-            <a:endParaRPr kumimoji="0" lang="es-CO" altLang="es-CO" sz="1800" b="0" i="0" u="none" strike="noStrike" cap="none" normalizeH="0" baseline="0">
-              <a:ln>
-                <a:noFill/>
-              </a:ln>
-              <a:solidFill>
-                <a:schemeClr val="tx1"/>
-              </a:solidFill>
-              <a:effectLst/>
-              <a:latin typeface="Arial" panose="020B0604020202020204" pitchFamily="34" charset="0"/>
-            </a:endParaRPr>
-          </a:p>
-        </p:txBody>
-      </p:sp>
-      <p:sp>
-        <p:nvSpPr>
-          <p:cNvPr id="13" name="Rectángulo 12">
-            <a:extLst>
-              <a:ext uri="{FF2B5EF4-FFF2-40B4-BE49-F238E27FC236}">
-                <a16:creationId xmlns:a16="http://schemas.microsoft.com/office/drawing/2014/main" id="{2B5CC1B8-B212-4614-B992-999B024BAF84}"/>
-              </a:ext>
-            </a:extLst>
-          </p:cNvPr>
-          <p:cNvSpPr/>
-          <p:nvPr/>
-        </p:nvSpPr>
-        <p:spPr>
-          <a:xfrm>
-            <a:off x="465199" y="4474345"/>
-            <a:ext cx="4572000" cy="969496"/>
-          </a:xfrm>
-          <a:prstGeom prst="rect">
-            <a:avLst/>
-          </a:prstGeom>
-        </p:spPr>
-        <p:txBody>
-          <a:bodyPr>
-            <a:spAutoFit/>
-          </a:bodyPr>
-          <a:lstStyle/>
-          <a:p>
-            <a:pPr algn="ctr">
-              <a:spcAft>
-                <a:spcPts val="600"/>
-              </a:spcAft>
-            </a:pPr>
-            <a:r>
-              <a:rPr lang="es-CO" sz="1400" b="1" dirty="0">
-                <a:solidFill>
-                  <a:srgbClr val="000000"/>
-                </a:solidFill>
-                <a:latin typeface="Times New Roman" panose="02020603050405020304" pitchFamily="18" charset="0"/>
-              </a:rPr>
-              <a:t>Figure: </a:t>
-            </a:r>
-            <a:r>
-              <a:rPr lang="es-CO" sz="1400" dirty="0">
-                <a:solidFill>
-                  <a:srgbClr val="000000"/>
-                </a:solidFill>
-                <a:latin typeface="Times New Roman" panose="02020603050405020304" pitchFamily="18" charset="0"/>
-              </a:rPr>
-              <a:t>Time </a:t>
-            </a:r>
-            <a:r>
-              <a:rPr lang="es-CO" sz="1400" dirty="0" err="1">
-                <a:solidFill>
-                  <a:srgbClr val="000000"/>
-                </a:solidFill>
-                <a:latin typeface="Times New Roman" panose="02020603050405020304" pitchFamily="18" charset="0"/>
-              </a:rPr>
-              <a:t>Consumption</a:t>
-            </a:r>
-            <a:endParaRPr lang="es-CO" sz="1400" b="0" dirty="0">
-              <a:effectLst/>
-            </a:endParaRPr>
-          </a:p>
-          <a:p>
-            <a:br>
-              <a:rPr lang="es-CO" dirty="0"/>
-            </a:br>
-            <a:endParaRPr lang="es-CO" dirty="0"/>
-          </a:p>
-        </p:txBody>
-      </p:sp>
-      <p:sp>
-        <p:nvSpPr>
-          <p:cNvPr id="14" name="Rectángulo 13">
-            <a:extLst>
-              <a:ext uri="{FF2B5EF4-FFF2-40B4-BE49-F238E27FC236}">
-                <a16:creationId xmlns:a16="http://schemas.microsoft.com/office/drawing/2014/main" id="{7A3FAD75-3C51-4E20-9BA1-B372E7C7D9D1}"/>
-              </a:ext>
-            </a:extLst>
-          </p:cNvPr>
-          <p:cNvSpPr/>
-          <p:nvPr/>
-        </p:nvSpPr>
-        <p:spPr>
-          <a:xfrm>
-            <a:off x="4736926" y="3893414"/>
-            <a:ext cx="4572000" cy="969496"/>
-          </a:xfrm>
-          <a:prstGeom prst="rect">
-            <a:avLst/>
-          </a:prstGeom>
-        </p:spPr>
-        <p:txBody>
-          <a:bodyPr>
-            <a:spAutoFit/>
-          </a:bodyPr>
-          <a:lstStyle/>
-          <a:p>
-            <a:pPr algn="ctr">
-              <a:spcAft>
-                <a:spcPts val="600"/>
-              </a:spcAft>
-            </a:pPr>
-            <a:r>
-              <a:rPr lang="es-CO" sz="1400" b="1" dirty="0">
-                <a:solidFill>
-                  <a:srgbClr val="000000"/>
-                </a:solidFill>
-                <a:latin typeface="Times New Roman" panose="02020603050405020304" pitchFamily="18" charset="0"/>
-              </a:rPr>
-              <a:t>Table 5: </a:t>
-            </a:r>
-            <a:r>
-              <a:rPr lang="es-CO" sz="1400" dirty="0">
-                <a:solidFill>
-                  <a:srgbClr val="000000"/>
-                </a:solidFill>
-                <a:latin typeface="Times New Roman" panose="02020603050405020304" pitchFamily="18" charset="0"/>
-              </a:rPr>
-              <a:t>Time </a:t>
-            </a:r>
-            <a:r>
-              <a:rPr lang="es-CO" sz="1400" dirty="0" err="1">
-                <a:solidFill>
-                  <a:srgbClr val="000000"/>
-                </a:solidFill>
-                <a:latin typeface="Times New Roman" panose="02020603050405020304" pitchFamily="18" charset="0"/>
-              </a:rPr>
-              <a:t>Consumption</a:t>
-            </a:r>
-            <a:endParaRPr lang="es-CO" sz="1400" b="0" dirty="0">
-              <a:effectLst/>
-            </a:endParaRPr>
-          </a:p>
-          <a:p>
-            <a:br>
-              <a:rPr lang="es-CO" dirty="0"/>
-            </a:br>
-            <a:endParaRPr lang="es-CO" dirty="0"/>
-          </a:p>
-        </p:txBody>
-      </p:sp>
-      <p:pic>
-        <p:nvPicPr>
-          <p:cNvPr id="5" name="Imagen 4">
-            <a:extLst>
-              <a:ext uri="{FF2B5EF4-FFF2-40B4-BE49-F238E27FC236}">
-                <a16:creationId xmlns:a16="http://schemas.microsoft.com/office/drawing/2014/main" id="{6CEF55F0-40CD-4B81-88C3-70EA3F4B5BFB}"/>
-              </a:ext>
-            </a:extLst>
-          </p:cNvPr>
-          <p:cNvPicPr>
-            <a:picLocks noChangeAspect="1"/>
-          </p:cNvPicPr>
-          <p:nvPr/>
-        </p:nvPicPr>
-        <p:blipFill>
-          <a:blip r:embed="rId2"/>
-          <a:stretch>
-            <a:fillRect/>
-          </a:stretch>
-        </p:blipFill>
-        <p:spPr>
-          <a:xfrm>
-            <a:off x="329523" y="1615414"/>
-            <a:ext cx="4345486" cy="2568466"/>
-          </a:xfrm>
-          <a:prstGeom prst="rect">
-            <a:avLst/>
-          </a:prstGeom>
-        </p:spPr>
-      </p:pic>
-      <p:graphicFrame>
-        <p:nvGraphicFramePr>
-          <p:cNvPr id="6" name="Tabla 5">
-            <a:extLst>
-              <a:ext uri="{FF2B5EF4-FFF2-40B4-BE49-F238E27FC236}">
-                <a16:creationId xmlns:a16="http://schemas.microsoft.com/office/drawing/2014/main" id="{9EB76A2C-F840-42B7-992B-6538F857EAB6}"/>
-              </a:ext>
-            </a:extLst>
-          </p:cNvPr>
-          <p:cNvGraphicFramePr>
-            <a:graphicFrameLocks noGrp="1"/>
-          </p:cNvGraphicFramePr>
-          <p:nvPr>
-            <p:extLst>
-              <p:ext uri="{D42A27DB-BD31-4B8C-83A1-F6EECF244321}">
-                <p14:modId xmlns:p14="http://schemas.microsoft.com/office/powerpoint/2010/main" val="640357269"/>
-              </p:ext>
-            </p:extLst>
-          </p:nvPr>
-        </p:nvGraphicFramePr>
-        <p:xfrm>
-          <a:off x="5451301" y="2046207"/>
-          <a:ext cx="3143250" cy="1706880"/>
-        </p:xfrm>
-        <a:graphic>
-          <a:graphicData uri="http://schemas.openxmlformats.org/drawingml/2006/table">
-            <a:tbl>
-              <a:tblPr/>
-              <a:tblGrid>
-                <a:gridCol w="1047750">
-                  <a:extLst>
-                    <a:ext uri="{9D8B030D-6E8A-4147-A177-3AD203B41FA5}">
-                      <a16:colId xmlns:a16="http://schemas.microsoft.com/office/drawing/2014/main" val="2827327340"/>
-                    </a:ext>
-                  </a:extLst>
-                </a:gridCol>
-                <a:gridCol w="1047750">
-                  <a:extLst>
-                    <a:ext uri="{9D8B030D-6E8A-4147-A177-3AD203B41FA5}">
-                      <a16:colId xmlns:a16="http://schemas.microsoft.com/office/drawing/2014/main" val="4128649466"/>
-                    </a:ext>
-                  </a:extLst>
-                </a:gridCol>
-                <a:gridCol w="1047750">
-                  <a:extLst>
-                    <a:ext uri="{9D8B030D-6E8A-4147-A177-3AD203B41FA5}">
-                      <a16:colId xmlns:a16="http://schemas.microsoft.com/office/drawing/2014/main" val="1018317003"/>
-                    </a:ext>
-                  </a:extLst>
-                </a:gridCol>
-              </a:tblGrid>
-              <a:tr h="0">
-                <a:tc>
-                  <a:txBody>
-                    <a:bodyPr/>
-                    <a:lstStyle/>
-                    <a:p>
-                      <a:pPr algn="just" rtl="0" fontAlgn="t">
-                        <a:spcBef>
-                          <a:spcPts val="0"/>
-                        </a:spcBef>
-                        <a:spcAft>
-                          <a:spcPts val="600"/>
-                        </a:spcAft>
-                      </a:pPr>
-                      <a:r>
-                        <a:rPr lang="es-CO" sz="1000" b="0" i="0" u="none" strike="noStrike">
-                          <a:solidFill>
-                            <a:srgbClr val="000000"/>
-                          </a:solidFill>
-                          <a:effectLst/>
-                          <a:latin typeface="Times New Roman" panose="02020603050405020304" pitchFamily="18" charset="0"/>
-                        </a:rPr>
-                        <a:t>DataSets</a:t>
-                      </a:r>
-                      <a:endParaRPr lang="es-CO">
-                        <a:effectLst/>
-                      </a:endParaRPr>
-                    </a:p>
-                  </a:txBody>
-                  <a:tcPr marL="68580" marR="68580">
-                    <a:lnL w="6350" cap="flat" cmpd="sng" algn="ctr">
-                      <a:solidFill>
-                        <a:srgbClr val="000000"/>
-                      </a:solidFill>
-                      <a:prstDash val="solid"/>
-                      <a:round/>
-                      <a:headEnd type="none" w="med" len="med"/>
-                      <a:tailEnd type="none" w="med" len="med"/>
-                    </a:lnL>
-                    <a:lnR w="6350" cap="flat" cmpd="sng" algn="ctr">
-                      <a:solidFill>
-                        <a:srgbClr val="000000"/>
-                      </a:solidFill>
-                      <a:prstDash val="solid"/>
-                      <a:round/>
-                      <a:headEnd type="none" w="med" len="med"/>
-                      <a:tailEnd type="none" w="med" len="med"/>
-                    </a:lnR>
-                    <a:lnT w="6350" cap="flat" cmpd="sng" algn="ctr">
-                      <a:solidFill>
-                        <a:srgbClr val="000000"/>
-                      </a:solidFill>
-                      <a:prstDash val="solid"/>
-                      <a:round/>
-                      <a:headEnd type="none" w="med" len="med"/>
-                      <a:tailEnd type="none" w="med" len="med"/>
-                    </a:lnT>
-                    <a:lnB w="6350" cap="flat" cmpd="sng" algn="ctr">
-                      <a:solidFill>
-                        <a:srgbClr val="000000"/>
-                      </a:solidFill>
-                      <a:prstDash val="solid"/>
-                      <a:round/>
-                      <a:headEnd type="none" w="med" len="med"/>
-                      <a:tailEnd type="none" w="med" len="med"/>
-                    </a:lnB>
-                  </a:tcPr>
-                </a:tc>
-                <a:tc>
-                  <a:txBody>
-                    <a:bodyPr/>
-                    <a:lstStyle/>
-                    <a:p>
-                      <a:pPr algn="just" rtl="0" fontAlgn="t">
-                        <a:spcBef>
-                          <a:spcPts val="0"/>
-                        </a:spcBef>
-                        <a:spcAft>
-                          <a:spcPts val="600"/>
-                        </a:spcAft>
-                      </a:pPr>
-                      <a:r>
-                        <a:rPr lang="es-CO" sz="1000" b="0" i="0" u="none" strike="noStrike">
-                          <a:solidFill>
-                            <a:srgbClr val="000000"/>
-                          </a:solidFill>
-                          <a:effectLst/>
-                          <a:latin typeface="Times New Roman" panose="02020603050405020304" pitchFamily="18" charset="0"/>
-                        </a:rPr>
-                        <a:t>ArrayList</a:t>
-                      </a:r>
-                      <a:endParaRPr lang="es-CO">
-                        <a:effectLst/>
-                      </a:endParaRPr>
-                    </a:p>
-                  </a:txBody>
-                  <a:tcPr marL="68580" marR="68580">
-                    <a:lnL w="6350" cap="flat" cmpd="sng" algn="ctr">
-                      <a:solidFill>
-                        <a:srgbClr val="000000"/>
-                      </a:solidFill>
-                      <a:prstDash val="solid"/>
-                      <a:round/>
-                      <a:headEnd type="none" w="med" len="med"/>
-                      <a:tailEnd type="none" w="med" len="med"/>
-                    </a:lnL>
-                    <a:lnR w="6350" cap="flat" cmpd="sng" algn="ctr">
-                      <a:solidFill>
-                        <a:srgbClr val="000000"/>
-                      </a:solidFill>
-                      <a:prstDash val="solid"/>
-                      <a:round/>
-                      <a:headEnd type="none" w="med" len="med"/>
-                      <a:tailEnd type="none" w="med" len="med"/>
-                    </a:lnR>
-                    <a:lnT w="6350" cap="flat" cmpd="sng" algn="ctr">
-                      <a:solidFill>
-                        <a:srgbClr val="000000"/>
-                      </a:solidFill>
-                      <a:prstDash val="solid"/>
-                      <a:round/>
-                      <a:headEnd type="none" w="med" len="med"/>
-                      <a:tailEnd type="none" w="med" len="med"/>
-                    </a:lnT>
-                    <a:lnB w="6350" cap="flat" cmpd="sng" algn="ctr">
-                      <a:solidFill>
-                        <a:srgbClr val="000000"/>
-                      </a:solidFill>
-                      <a:prstDash val="solid"/>
-                      <a:round/>
-                      <a:headEnd type="none" w="med" len="med"/>
-                      <a:tailEnd type="none" w="med" len="med"/>
-                    </a:lnB>
-                  </a:tcPr>
-                </a:tc>
-                <a:tc>
-                  <a:txBody>
-                    <a:bodyPr/>
-                    <a:lstStyle/>
-                    <a:p>
-                      <a:pPr algn="just" rtl="0" fontAlgn="t">
-                        <a:spcBef>
-                          <a:spcPts val="0"/>
-                        </a:spcBef>
-                        <a:spcAft>
-                          <a:spcPts val="600"/>
-                        </a:spcAft>
-                      </a:pPr>
-                      <a:r>
-                        <a:rPr lang="es-CO" sz="1000" b="0" i="0" u="none" strike="noStrike">
-                          <a:solidFill>
-                            <a:srgbClr val="000000"/>
-                          </a:solidFill>
-                          <a:effectLst/>
-                          <a:latin typeface="Times New Roman" panose="02020603050405020304" pitchFamily="18" charset="0"/>
-                        </a:rPr>
-                        <a:t>Hash Table</a:t>
-                      </a:r>
-                      <a:endParaRPr lang="es-CO">
-                        <a:effectLst/>
-                      </a:endParaRPr>
-                    </a:p>
-                  </a:txBody>
-                  <a:tcPr marL="68580" marR="68580">
-                    <a:lnL w="6350" cap="flat" cmpd="sng" algn="ctr">
-                      <a:solidFill>
-                        <a:srgbClr val="000000"/>
-                      </a:solidFill>
-                      <a:prstDash val="solid"/>
-                      <a:round/>
-                      <a:headEnd type="none" w="med" len="med"/>
-                      <a:tailEnd type="none" w="med" len="med"/>
-                    </a:lnL>
-                    <a:lnR w="6350" cap="flat" cmpd="sng" algn="ctr">
-                      <a:solidFill>
-                        <a:srgbClr val="000000"/>
-                      </a:solidFill>
-                      <a:prstDash val="solid"/>
-                      <a:round/>
-                      <a:headEnd type="none" w="med" len="med"/>
-                      <a:tailEnd type="none" w="med" len="med"/>
-                    </a:lnR>
-                    <a:lnT w="6350" cap="flat" cmpd="sng" algn="ctr">
-                      <a:solidFill>
-                        <a:srgbClr val="000000"/>
-                      </a:solidFill>
-                      <a:prstDash val="solid"/>
-                      <a:round/>
-                      <a:headEnd type="none" w="med" len="med"/>
-                      <a:tailEnd type="none" w="med" len="med"/>
-                    </a:lnT>
-                    <a:lnB w="6350" cap="flat" cmpd="sng" algn="ctr">
-                      <a:solidFill>
-                        <a:srgbClr val="000000"/>
-                      </a:solidFill>
-                      <a:prstDash val="solid"/>
-                      <a:round/>
-                      <a:headEnd type="none" w="med" len="med"/>
-                      <a:tailEnd type="none" w="med" len="med"/>
-                    </a:lnB>
-                  </a:tcPr>
-                </a:tc>
-                <a:extLst>
-                  <a:ext uri="{0D108BD9-81ED-4DB2-BD59-A6C34878D82A}">
-                    <a16:rowId xmlns:a16="http://schemas.microsoft.com/office/drawing/2014/main" val="1471465265"/>
-                  </a:ext>
-                </a:extLst>
-              </a:tr>
-              <a:tr h="0">
-                <a:tc>
-                  <a:txBody>
-                    <a:bodyPr/>
-                    <a:lstStyle/>
-                    <a:p>
-                      <a:pPr algn="just" rtl="0" fontAlgn="t">
-                        <a:spcBef>
-                          <a:spcPts val="0"/>
-                        </a:spcBef>
-                        <a:spcAft>
-                          <a:spcPts val="600"/>
-                        </a:spcAft>
-                      </a:pPr>
-                      <a:r>
-                        <a:rPr lang="es-CO" sz="1000" b="0" i="0" u="none" strike="noStrike">
-                          <a:solidFill>
-                            <a:srgbClr val="000000"/>
-                          </a:solidFill>
-                          <a:effectLst/>
-                          <a:latin typeface="Times New Roman" panose="02020603050405020304" pitchFamily="18" charset="0"/>
-                        </a:rPr>
-                        <a:t>10</a:t>
-                      </a:r>
-                      <a:endParaRPr lang="es-CO">
-                        <a:effectLst/>
-                      </a:endParaRPr>
-                    </a:p>
-                  </a:txBody>
-                  <a:tcPr marL="68580" marR="68580">
-                    <a:lnL w="6350" cap="flat" cmpd="sng" algn="ctr">
-                      <a:solidFill>
-                        <a:srgbClr val="000000"/>
-                      </a:solidFill>
-                      <a:prstDash val="solid"/>
-                      <a:round/>
-                      <a:headEnd type="none" w="med" len="med"/>
-                      <a:tailEnd type="none" w="med" len="med"/>
-                    </a:lnL>
-                    <a:lnR w="6350" cap="flat" cmpd="sng" algn="ctr">
-                      <a:solidFill>
-                        <a:srgbClr val="000000"/>
-                      </a:solidFill>
-                      <a:prstDash val="solid"/>
-                      <a:round/>
-                      <a:headEnd type="none" w="med" len="med"/>
-                      <a:tailEnd type="none" w="med" len="med"/>
-                    </a:lnR>
-                    <a:lnT w="6350" cap="flat" cmpd="sng" algn="ctr">
-                      <a:solidFill>
-                        <a:srgbClr val="000000"/>
-                      </a:solidFill>
-                      <a:prstDash val="solid"/>
-                      <a:round/>
-                      <a:headEnd type="none" w="med" len="med"/>
-                      <a:tailEnd type="none" w="med" len="med"/>
-                    </a:lnT>
-                    <a:lnB w="6350" cap="flat" cmpd="sng" algn="ctr">
-                      <a:solidFill>
-                        <a:srgbClr val="000000"/>
-                      </a:solidFill>
-                      <a:prstDash val="solid"/>
-                      <a:round/>
-                      <a:headEnd type="none" w="med" len="med"/>
-                      <a:tailEnd type="none" w="med" len="med"/>
-                    </a:lnB>
-                  </a:tcPr>
-                </a:tc>
-                <a:tc>
-                  <a:txBody>
-                    <a:bodyPr/>
-                    <a:lstStyle/>
-                    <a:p>
-                      <a:pPr algn="just" rtl="0" fontAlgn="t">
-                        <a:spcBef>
-                          <a:spcPts val="0"/>
-                        </a:spcBef>
-                        <a:spcAft>
-                          <a:spcPts val="600"/>
-                        </a:spcAft>
-                      </a:pPr>
-                      <a:r>
-                        <a:rPr lang="es-CO" sz="1000" b="0" i="0" u="none" strike="noStrike">
-                          <a:solidFill>
-                            <a:srgbClr val="000000"/>
-                          </a:solidFill>
-                          <a:effectLst/>
-                          <a:latin typeface="Times New Roman" panose="02020603050405020304" pitchFamily="18" charset="0"/>
-                        </a:rPr>
-                        <a:t>0 ms</a:t>
-                      </a:r>
-                      <a:endParaRPr lang="es-CO">
-                        <a:effectLst/>
-                      </a:endParaRPr>
-                    </a:p>
-                  </a:txBody>
-                  <a:tcPr marL="68580" marR="68580">
-                    <a:lnL w="6350" cap="flat" cmpd="sng" algn="ctr">
-                      <a:solidFill>
-                        <a:srgbClr val="000000"/>
-                      </a:solidFill>
-                      <a:prstDash val="solid"/>
-                      <a:round/>
-                      <a:headEnd type="none" w="med" len="med"/>
-                      <a:tailEnd type="none" w="med" len="med"/>
-                    </a:lnL>
-                    <a:lnR w="6350" cap="flat" cmpd="sng" algn="ctr">
-                      <a:solidFill>
-                        <a:srgbClr val="000000"/>
-                      </a:solidFill>
-                      <a:prstDash val="solid"/>
-                      <a:round/>
-                      <a:headEnd type="none" w="med" len="med"/>
-                      <a:tailEnd type="none" w="med" len="med"/>
-                    </a:lnR>
-                    <a:lnT w="6350" cap="flat" cmpd="sng" algn="ctr">
-                      <a:solidFill>
-                        <a:srgbClr val="000000"/>
-                      </a:solidFill>
-                      <a:prstDash val="solid"/>
-                      <a:round/>
-                      <a:headEnd type="none" w="med" len="med"/>
-                      <a:tailEnd type="none" w="med" len="med"/>
-                    </a:lnT>
-                    <a:lnB w="6350" cap="flat" cmpd="sng" algn="ctr">
-                      <a:solidFill>
-                        <a:srgbClr val="000000"/>
-                      </a:solidFill>
-                      <a:prstDash val="solid"/>
-                      <a:round/>
-                      <a:headEnd type="none" w="med" len="med"/>
-                      <a:tailEnd type="none" w="med" len="med"/>
-                    </a:lnB>
-                  </a:tcPr>
-                </a:tc>
-                <a:tc>
-                  <a:txBody>
-                    <a:bodyPr/>
-                    <a:lstStyle/>
-                    <a:p>
-                      <a:pPr algn="just" rtl="0" fontAlgn="t">
-                        <a:spcBef>
-                          <a:spcPts val="0"/>
-                        </a:spcBef>
-                        <a:spcAft>
-                          <a:spcPts val="600"/>
-                        </a:spcAft>
-                      </a:pPr>
-                      <a:r>
-                        <a:rPr lang="es-CO" sz="1000" b="0" i="0" u="none" strike="noStrike">
-                          <a:solidFill>
-                            <a:srgbClr val="000000"/>
-                          </a:solidFill>
-                          <a:effectLst/>
-                          <a:latin typeface="Times New Roman" panose="02020603050405020304" pitchFamily="18" charset="0"/>
-                        </a:rPr>
-                        <a:t>8 ms</a:t>
-                      </a:r>
-                      <a:endParaRPr lang="es-CO">
-                        <a:effectLst/>
-                      </a:endParaRPr>
-                    </a:p>
-                  </a:txBody>
-                  <a:tcPr marL="68580" marR="68580">
-                    <a:lnL w="6350" cap="flat" cmpd="sng" algn="ctr">
-                      <a:solidFill>
-                        <a:srgbClr val="000000"/>
-                      </a:solidFill>
-                      <a:prstDash val="solid"/>
-                      <a:round/>
-                      <a:headEnd type="none" w="med" len="med"/>
-                      <a:tailEnd type="none" w="med" len="med"/>
-                    </a:lnL>
-                    <a:lnR w="6350" cap="flat" cmpd="sng" algn="ctr">
-                      <a:solidFill>
-                        <a:srgbClr val="000000"/>
-                      </a:solidFill>
-                      <a:prstDash val="solid"/>
-                      <a:round/>
-                      <a:headEnd type="none" w="med" len="med"/>
-                      <a:tailEnd type="none" w="med" len="med"/>
-                    </a:lnR>
-                    <a:lnT w="6350" cap="flat" cmpd="sng" algn="ctr">
-                      <a:solidFill>
-                        <a:srgbClr val="000000"/>
-                      </a:solidFill>
-                      <a:prstDash val="solid"/>
-                      <a:round/>
-                      <a:headEnd type="none" w="med" len="med"/>
-                      <a:tailEnd type="none" w="med" len="med"/>
-                    </a:lnT>
-                    <a:lnB w="6350" cap="flat" cmpd="sng" algn="ctr">
-                      <a:solidFill>
-                        <a:srgbClr val="000000"/>
-                      </a:solidFill>
-                      <a:prstDash val="solid"/>
-                      <a:round/>
-                      <a:headEnd type="none" w="med" len="med"/>
-                      <a:tailEnd type="none" w="med" len="med"/>
-                    </a:lnB>
-                  </a:tcPr>
-                </a:tc>
-                <a:extLst>
-                  <a:ext uri="{0D108BD9-81ED-4DB2-BD59-A6C34878D82A}">
-                    <a16:rowId xmlns:a16="http://schemas.microsoft.com/office/drawing/2014/main" val="4030136660"/>
-                  </a:ext>
-                </a:extLst>
-              </a:tr>
-              <a:tr h="0">
-                <a:tc>
-                  <a:txBody>
-                    <a:bodyPr/>
-                    <a:lstStyle/>
-                    <a:p>
-                      <a:pPr algn="just" rtl="0" fontAlgn="t">
-                        <a:spcBef>
-                          <a:spcPts val="0"/>
-                        </a:spcBef>
-                        <a:spcAft>
-                          <a:spcPts val="600"/>
-                        </a:spcAft>
-                      </a:pPr>
-                      <a:r>
-                        <a:rPr lang="es-CO" sz="1000" b="0" i="0" u="none" strike="noStrike">
-                          <a:solidFill>
-                            <a:srgbClr val="000000"/>
-                          </a:solidFill>
-                          <a:effectLst/>
-                          <a:latin typeface="Times New Roman" panose="02020603050405020304" pitchFamily="18" charset="0"/>
-                        </a:rPr>
-                        <a:t>100</a:t>
-                      </a:r>
-                      <a:endParaRPr lang="es-CO">
-                        <a:effectLst/>
-                      </a:endParaRPr>
-                    </a:p>
-                  </a:txBody>
-                  <a:tcPr marL="68580" marR="68580">
-                    <a:lnL w="6350" cap="flat" cmpd="sng" algn="ctr">
-                      <a:solidFill>
-                        <a:srgbClr val="000000"/>
-                      </a:solidFill>
-                      <a:prstDash val="solid"/>
-                      <a:round/>
-                      <a:headEnd type="none" w="med" len="med"/>
-                      <a:tailEnd type="none" w="med" len="med"/>
-                    </a:lnL>
-                    <a:lnR w="6350" cap="flat" cmpd="sng" algn="ctr">
-                      <a:solidFill>
-                        <a:srgbClr val="000000"/>
-                      </a:solidFill>
-                      <a:prstDash val="solid"/>
-                      <a:round/>
-                      <a:headEnd type="none" w="med" len="med"/>
-                      <a:tailEnd type="none" w="med" len="med"/>
-                    </a:lnR>
-                    <a:lnT w="6350" cap="flat" cmpd="sng" algn="ctr">
-                      <a:solidFill>
-                        <a:srgbClr val="000000"/>
-                      </a:solidFill>
-                      <a:prstDash val="solid"/>
-                      <a:round/>
-                      <a:headEnd type="none" w="med" len="med"/>
-                      <a:tailEnd type="none" w="med" len="med"/>
-                    </a:lnT>
-                    <a:lnB w="6350" cap="flat" cmpd="sng" algn="ctr">
-                      <a:solidFill>
-                        <a:srgbClr val="000000"/>
-                      </a:solidFill>
-                      <a:prstDash val="solid"/>
-                      <a:round/>
-                      <a:headEnd type="none" w="med" len="med"/>
-                      <a:tailEnd type="none" w="med" len="med"/>
-                    </a:lnB>
-                  </a:tcPr>
-                </a:tc>
-                <a:tc>
-                  <a:txBody>
-                    <a:bodyPr/>
-                    <a:lstStyle/>
-                    <a:p>
-                      <a:pPr algn="just" rtl="0" fontAlgn="t">
-                        <a:spcBef>
-                          <a:spcPts val="0"/>
-                        </a:spcBef>
-                        <a:spcAft>
-                          <a:spcPts val="600"/>
-                        </a:spcAft>
-                      </a:pPr>
-                      <a:r>
-                        <a:rPr lang="es-CO" sz="1000" b="0" i="0" u="none" strike="noStrike">
-                          <a:solidFill>
-                            <a:srgbClr val="000000"/>
-                          </a:solidFill>
-                          <a:effectLst/>
-                          <a:latin typeface="Times New Roman" panose="02020603050405020304" pitchFamily="18" charset="0"/>
-                        </a:rPr>
-                        <a:t>2 ms</a:t>
-                      </a:r>
-                      <a:endParaRPr lang="es-CO">
-                        <a:effectLst/>
-                      </a:endParaRPr>
-                    </a:p>
-                  </a:txBody>
-                  <a:tcPr marL="68580" marR="68580">
-                    <a:lnL w="6350" cap="flat" cmpd="sng" algn="ctr">
-                      <a:solidFill>
-                        <a:srgbClr val="000000"/>
-                      </a:solidFill>
-                      <a:prstDash val="solid"/>
-                      <a:round/>
-                      <a:headEnd type="none" w="med" len="med"/>
-                      <a:tailEnd type="none" w="med" len="med"/>
-                    </a:lnL>
-                    <a:lnR w="6350" cap="flat" cmpd="sng" algn="ctr">
-                      <a:solidFill>
-                        <a:srgbClr val="000000"/>
-                      </a:solidFill>
-                      <a:prstDash val="solid"/>
-                      <a:round/>
-                      <a:headEnd type="none" w="med" len="med"/>
-                      <a:tailEnd type="none" w="med" len="med"/>
-                    </a:lnR>
-                    <a:lnT w="6350" cap="flat" cmpd="sng" algn="ctr">
-                      <a:solidFill>
-                        <a:srgbClr val="000000"/>
-                      </a:solidFill>
-                      <a:prstDash val="solid"/>
-                      <a:round/>
-                      <a:headEnd type="none" w="med" len="med"/>
-                      <a:tailEnd type="none" w="med" len="med"/>
-                    </a:lnT>
-                    <a:lnB w="6350" cap="flat" cmpd="sng" algn="ctr">
-                      <a:solidFill>
-                        <a:srgbClr val="000000"/>
-                      </a:solidFill>
-                      <a:prstDash val="solid"/>
-                      <a:round/>
-                      <a:headEnd type="none" w="med" len="med"/>
-                      <a:tailEnd type="none" w="med" len="med"/>
-                    </a:lnB>
-                  </a:tcPr>
-                </a:tc>
-                <a:tc>
-                  <a:txBody>
-                    <a:bodyPr/>
-                    <a:lstStyle/>
-                    <a:p>
-                      <a:pPr algn="just" rtl="0" fontAlgn="t">
-                        <a:spcBef>
-                          <a:spcPts val="0"/>
-                        </a:spcBef>
-                        <a:spcAft>
-                          <a:spcPts val="600"/>
-                        </a:spcAft>
-                      </a:pPr>
-                      <a:r>
-                        <a:rPr lang="es-CO" sz="1000" b="0" i="0" u="none" strike="noStrike">
-                          <a:solidFill>
-                            <a:srgbClr val="000000"/>
-                          </a:solidFill>
-                          <a:effectLst/>
-                          <a:latin typeface="Times New Roman" panose="02020603050405020304" pitchFamily="18" charset="0"/>
-                        </a:rPr>
-                        <a:t>15 ms</a:t>
-                      </a:r>
-                      <a:endParaRPr lang="es-CO">
-                        <a:effectLst/>
-                      </a:endParaRPr>
-                    </a:p>
-                  </a:txBody>
-                  <a:tcPr marL="68580" marR="68580">
-                    <a:lnL w="6350" cap="flat" cmpd="sng" algn="ctr">
-                      <a:solidFill>
-                        <a:srgbClr val="000000"/>
-                      </a:solidFill>
-                      <a:prstDash val="solid"/>
-                      <a:round/>
-                      <a:headEnd type="none" w="med" len="med"/>
-                      <a:tailEnd type="none" w="med" len="med"/>
-                    </a:lnL>
-                    <a:lnR w="6350" cap="flat" cmpd="sng" algn="ctr">
-                      <a:solidFill>
-                        <a:srgbClr val="000000"/>
-                      </a:solidFill>
-                      <a:prstDash val="solid"/>
-                      <a:round/>
-                      <a:headEnd type="none" w="med" len="med"/>
-                      <a:tailEnd type="none" w="med" len="med"/>
-                    </a:lnR>
-                    <a:lnT w="6350" cap="flat" cmpd="sng" algn="ctr">
-                      <a:solidFill>
-                        <a:srgbClr val="000000"/>
-                      </a:solidFill>
-                      <a:prstDash val="solid"/>
-                      <a:round/>
-                      <a:headEnd type="none" w="med" len="med"/>
-                      <a:tailEnd type="none" w="med" len="med"/>
-                    </a:lnT>
-                    <a:lnB w="6350" cap="flat" cmpd="sng" algn="ctr">
-                      <a:solidFill>
-                        <a:srgbClr val="000000"/>
-                      </a:solidFill>
-                      <a:prstDash val="solid"/>
-                      <a:round/>
-                      <a:headEnd type="none" w="med" len="med"/>
-                      <a:tailEnd type="none" w="med" len="med"/>
-                    </a:lnB>
-                  </a:tcPr>
-                </a:tc>
-                <a:extLst>
-                  <a:ext uri="{0D108BD9-81ED-4DB2-BD59-A6C34878D82A}">
-                    <a16:rowId xmlns:a16="http://schemas.microsoft.com/office/drawing/2014/main" val="3243942131"/>
-                  </a:ext>
-                </a:extLst>
-              </a:tr>
-              <a:tr h="0">
-                <a:tc>
-                  <a:txBody>
-                    <a:bodyPr/>
-                    <a:lstStyle/>
-                    <a:p>
-                      <a:pPr algn="just" rtl="0" fontAlgn="t">
-                        <a:spcBef>
-                          <a:spcPts val="0"/>
-                        </a:spcBef>
-                        <a:spcAft>
-                          <a:spcPts val="600"/>
-                        </a:spcAft>
-                      </a:pPr>
-                      <a:r>
-                        <a:rPr lang="es-CO" sz="1000" b="0" i="0" u="none" strike="noStrike">
-                          <a:solidFill>
-                            <a:srgbClr val="000000"/>
-                          </a:solidFill>
-                          <a:effectLst/>
-                          <a:latin typeface="Times New Roman" panose="02020603050405020304" pitchFamily="18" charset="0"/>
-                        </a:rPr>
-                        <a:t>1000</a:t>
-                      </a:r>
-                      <a:endParaRPr lang="es-CO">
-                        <a:effectLst/>
-                      </a:endParaRPr>
-                    </a:p>
-                  </a:txBody>
-                  <a:tcPr marL="68580" marR="68580">
-                    <a:lnL w="6350" cap="flat" cmpd="sng" algn="ctr">
-                      <a:solidFill>
-                        <a:srgbClr val="000000"/>
-                      </a:solidFill>
-                      <a:prstDash val="solid"/>
-                      <a:round/>
-                      <a:headEnd type="none" w="med" len="med"/>
-                      <a:tailEnd type="none" w="med" len="med"/>
-                    </a:lnL>
-                    <a:lnR w="6350" cap="flat" cmpd="sng" algn="ctr">
-                      <a:solidFill>
-                        <a:srgbClr val="000000"/>
-                      </a:solidFill>
-                      <a:prstDash val="solid"/>
-                      <a:round/>
-                      <a:headEnd type="none" w="med" len="med"/>
-                      <a:tailEnd type="none" w="med" len="med"/>
-                    </a:lnR>
-                    <a:lnT w="6350" cap="flat" cmpd="sng" algn="ctr">
-                      <a:solidFill>
-                        <a:srgbClr val="000000"/>
-                      </a:solidFill>
-                      <a:prstDash val="solid"/>
-                      <a:round/>
-                      <a:headEnd type="none" w="med" len="med"/>
-                      <a:tailEnd type="none" w="med" len="med"/>
-                    </a:lnT>
-                    <a:lnB w="6350" cap="flat" cmpd="sng" algn="ctr">
-                      <a:solidFill>
-                        <a:srgbClr val="000000"/>
-                      </a:solidFill>
-                      <a:prstDash val="solid"/>
-                      <a:round/>
-                      <a:headEnd type="none" w="med" len="med"/>
-                      <a:tailEnd type="none" w="med" len="med"/>
-                    </a:lnB>
-                  </a:tcPr>
-                </a:tc>
-                <a:tc>
-                  <a:txBody>
-                    <a:bodyPr/>
-                    <a:lstStyle/>
-                    <a:p>
-                      <a:pPr algn="just" rtl="0" fontAlgn="t">
-                        <a:spcBef>
-                          <a:spcPts val="0"/>
-                        </a:spcBef>
-                        <a:spcAft>
-                          <a:spcPts val="600"/>
-                        </a:spcAft>
-                      </a:pPr>
-                      <a:r>
-                        <a:rPr lang="es-CO" sz="1000" b="0" i="0" u="none" strike="noStrike">
-                          <a:solidFill>
-                            <a:srgbClr val="000000"/>
-                          </a:solidFill>
-                          <a:effectLst/>
-                          <a:latin typeface="Times New Roman" panose="02020603050405020304" pitchFamily="18" charset="0"/>
-                        </a:rPr>
-                        <a:t>24 ms</a:t>
-                      </a:r>
-                      <a:endParaRPr lang="es-CO">
-                        <a:effectLst/>
-                      </a:endParaRPr>
-                    </a:p>
-                  </a:txBody>
-                  <a:tcPr marL="68580" marR="68580">
-                    <a:lnL w="6350" cap="flat" cmpd="sng" algn="ctr">
-                      <a:solidFill>
-                        <a:srgbClr val="000000"/>
-                      </a:solidFill>
-                      <a:prstDash val="solid"/>
-                      <a:round/>
-                      <a:headEnd type="none" w="med" len="med"/>
-                      <a:tailEnd type="none" w="med" len="med"/>
-                    </a:lnL>
-                    <a:lnR w="6350" cap="flat" cmpd="sng" algn="ctr">
-                      <a:solidFill>
-                        <a:srgbClr val="000000"/>
-                      </a:solidFill>
-                      <a:prstDash val="solid"/>
-                      <a:round/>
-                      <a:headEnd type="none" w="med" len="med"/>
-                      <a:tailEnd type="none" w="med" len="med"/>
-                    </a:lnR>
-                    <a:lnT w="6350" cap="flat" cmpd="sng" algn="ctr">
-                      <a:solidFill>
-                        <a:srgbClr val="000000"/>
-                      </a:solidFill>
-                      <a:prstDash val="solid"/>
-                      <a:round/>
-                      <a:headEnd type="none" w="med" len="med"/>
-                      <a:tailEnd type="none" w="med" len="med"/>
-                    </a:lnT>
-                    <a:lnB w="6350" cap="flat" cmpd="sng" algn="ctr">
-                      <a:solidFill>
-                        <a:srgbClr val="000000"/>
-                      </a:solidFill>
-                      <a:prstDash val="solid"/>
-                      <a:round/>
-                      <a:headEnd type="none" w="med" len="med"/>
-                      <a:tailEnd type="none" w="med" len="med"/>
-                    </a:lnB>
-                  </a:tcPr>
-                </a:tc>
-                <a:tc>
-                  <a:txBody>
-                    <a:bodyPr/>
-                    <a:lstStyle/>
-                    <a:p>
-                      <a:pPr algn="just" rtl="0" fontAlgn="t">
-                        <a:spcBef>
-                          <a:spcPts val="0"/>
-                        </a:spcBef>
-                        <a:spcAft>
-                          <a:spcPts val="600"/>
-                        </a:spcAft>
-                      </a:pPr>
-                      <a:r>
-                        <a:rPr lang="es-CO" sz="1000" b="0" i="0" u="none" strike="noStrike">
-                          <a:solidFill>
-                            <a:srgbClr val="000000"/>
-                          </a:solidFill>
-                          <a:effectLst/>
-                          <a:latin typeface="Times New Roman" panose="02020603050405020304" pitchFamily="18" charset="0"/>
-                        </a:rPr>
-                        <a:t>22 ms</a:t>
-                      </a:r>
-                      <a:endParaRPr lang="es-CO">
-                        <a:effectLst/>
-                      </a:endParaRPr>
-                    </a:p>
-                  </a:txBody>
-                  <a:tcPr marL="68580" marR="68580">
-                    <a:lnL w="6350" cap="flat" cmpd="sng" algn="ctr">
-                      <a:solidFill>
-                        <a:srgbClr val="000000"/>
-                      </a:solidFill>
-                      <a:prstDash val="solid"/>
-                      <a:round/>
-                      <a:headEnd type="none" w="med" len="med"/>
-                      <a:tailEnd type="none" w="med" len="med"/>
-                    </a:lnL>
-                    <a:lnR w="6350" cap="flat" cmpd="sng" algn="ctr">
-                      <a:solidFill>
-                        <a:srgbClr val="000000"/>
-                      </a:solidFill>
-                      <a:prstDash val="solid"/>
-                      <a:round/>
-                      <a:headEnd type="none" w="med" len="med"/>
-                      <a:tailEnd type="none" w="med" len="med"/>
-                    </a:lnR>
-                    <a:lnT w="6350" cap="flat" cmpd="sng" algn="ctr">
-                      <a:solidFill>
-                        <a:srgbClr val="000000"/>
-                      </a:solidFill>
-                      <a:prstDash val="solid"/>
-                      <a:round/>
-                      <a:headEnd type="none" w="med" len="med"/>
-                      <a:tailEnd type="none" w="med" len="med"/>
-                    </a:lnT>
-                    <a:lnB w="6350" cap="flat" cmpd="sng" algn="ctr">
-                      <a:solidFill>
-                        <a:srgbClr val="000000"/>
-                      </a:solidFill>
-                      <a:prstDash val="solid"/>
-                      <a:round/>
-                      <a:headEnd type="none" w="med" len="med"/>
-                      <a:tailEnd type="none" w="med" len="med"/>
-                    </a:lnB>
-                  </a:tcPr>
-                </a:tc>
-                <a:extLst>
-                  <a:ext uri="{0D108BD9-81ED-4DB2-BD59-A6C34878D82A}">
-                    <a16:rowId xmlns:a16="http://schemas.microsoft.com/office/drawing/2014/main" val="3125716333"/>
-                  </a:ext>
-                </a:extLst>
-              </a:tr>
-              <a:tr h="0">
-                <a:tc>
-                  <a:txBody>
-                    <a:bodyPr/>
-                    <a:lstStyle/>
-                    <a:p>
-                      <a:pPr algn="just" rtl="0" fontAlgn="t">
-                        <a:spcBef>
-                          <a:spcPts val="0"/>
-                        </a:spcBef>
-                        <a:spcAft>
-                          <a:spcPts val="600"/>
-                        </a:spcAft>
-                      </a:pPr>
-                      <a:r>
-                        <a:rPr lang="es-CO" sz="1000" b="0" i="0" u="none" strike="noStrike">
-                          <a:solidFill>
-                            <a:srgbClr val="000000"/>
-                          </a:solidFill>
-                          <a:effectLst/>
-                          <a:latin typeface="Times New Roman" panose="02020603050405020304" pitchFamily="18" charset="0"/>
-                        </a:rPr>
-                        <a:t>10000</a:t>
-                      </a:r>
-                      <a:endParaRPr lang="es-CO">
-                        <a:effectLst/>
-                      </a:endParaRPr>
-                    </a:p>
-                  </a:txBody>
-                  <a:tcPr marL="68580" marR="68580">
-                    <a:lnL w="6350" cap="flat" cmpd="sng" algn="ctr">
-                      <a:solidFill>
-                        <a:srgbClr val="000000"/>
-                      </a:solidFill>
-                      <a:prstDash val="solid"/>
-                      <a:round/>
-                      <a:headEnd type="none" w="med" len="med"/>
-                      <a:tailEnd type="none" w="med" len="med"/>
-                    </a:lnL>
-                    <a:lnR w="6350" cap="flat" cmpd="sng" algn="ctr">
-                      <a:solidFill>
-                        <a:srgbClr val="000000"/>
-                      </a:solidFill>
-                      <a:prstDash val="solid"/>
-                      <a:round/>
-                      <a:headEnd type="none" w="med" len="med"/>
-                      <a:tailEnd type="none" w="med" len="med"/>
-                    </a:lnR>
-                    <a:lnT w="6350" cap="flat" cmpd="sng" algn="ctr">
-                      <a:solidFill>
-                        <a:srgbClr val="000000"/>
-                      </a:solidFill>
-                      <a:prstDash val="solid"/>
-                      <a:round/>
-                      <a:headEnd type="none" w="med" len="med"/>
-                      <a:tailEnd type="none" w="med" len="med"/>
-                    </a:lnT>
-                    <a:lnB w="6350" cap="flat" cmpd="sng" algn="ctr">
-                      <a:solidFill>
-                        <a:srgbClr val="000000"/>
-                      </a:solidFill>
-                      <a:prstDash val="solid"/>
-                      <a:round/>
-                      <a:headEnd type="none" w="med" len="med"/>
-                      <a:tailEnd type="none" w="med" len="med"/>
-                    </a:lnB>
-                  </a:tcPr>
-                </a:tc>
-                <a:tc>
-                  <a:txBody>
-                    <a:bodyPr/>
-                    <a:lstStyle/>
-                    <a:p>
-                      <a:pPr algn="just" rtl="0" fontAlgn="t">
-                        <a:spcBef>
-                          <a:spcPts val="0"/>
-                        </a:spcBef>
-                        <a:spcAft>
-                          <a:spcPts val="600"/>
-                        </a:spcAft>
-                      </a:pPr>
-                      <a:r>
-                        <a:rPr lang="es-CO" sz="1000" b="0" i="0" u="none" strike="noStrike">
-                          <a:solidFill>
-                            <a:srgbClr val="000000"/>
-                          </a:solidFill>
-                          <a:effectLst/>
-                          <a:latin typeface="Times New Roman" panose="02020603050405020304" pitchFamily="18" charset="0"/>
-                        </a:rPr>
-                        <a:t>356 ms</a:t>
-                      </a:r>
-                      <a:endParaRPr lang="es-CO">
-                        <a:effectLst/>
-                      </a:endParaRPr>
-                    </a:p>
-                  </a:txBody>
-                  <a:tcPr marL="68580" marR="68580">
-                    <a:lnL w="6350" cap="flat" cmpd="sng" algn="ctr">
-                      <a:solidFill>
-                        <a:srgbClr val="000000"/>
-                      </a:solidFill>
-                      <a:prstDash val="solid"/>
-                      <a:round/>
-                      <a:headEnd type="none" w="med" len="med"/>
-                      <a:tailEnd type="none" w="med" len="med"/>
-                    </a:lnL>
-                    <a:lnR w="6350" cap="flat" cmpd="sng" algn="ctr">
-                      <a:solidFill>
-                        <a:srgbClr val="000000"/>
-                      </a:solidFill>
-                      <a:prstDash val="solid"/>
-                      <a:round/>
-                      <a:headEnd type="none" w="med" len="med"/>
-                      <a:tailEnd type="none" w="med" len="med"/>
-                    </a:lnR>
-                    <a:lnT w="6350" cap="flat" cmpd="sng" algn="ctr">
-                      <a:solidFill>
-                        <a:srgbClr val="000000"/>
-                      </a:solidFill>
-                      <a:prstDash val="solid"/>
-                      <a:round/>
-                      <a:headEnd type="none" w="med" len="med"/>
-                      <a:tailEnd type="none" w="med" len="med"/>
-                    </a:lnT>
-                    <a:lnB w="6350" cap="flat" cmpd="sng" algn="ctr">
-                      <a:solidFill>
-                        <a:srgbClr val="000000"/>
-                      </a:solidFill>
-                      <a:prstDash val="solid"/>
-                      <a:round/>
-                      <a:headEnd type="none" w="med" len="med"/>
-                      <a:tailEnd type="none" w="med" len="med"/>
-                    </a:lnB>
-                  </a:tcPr>
-                </a:tc>
-                <a:tc>
-                  <a:txBody>
-                    <a:bodyPr/>
-                    <a:lstStyle/>
-                    <a:p>
-                      <a:pPr algn="just" rtl="0" fontAlgn="t">
-                        <a:spcBef>
-                          <a:spcPts val="0"/>
-                        </a:spcBef>
-                        <a:spcAft>
-                          <a:spcPts val="600"/>
-                        </a:spcAft>
-                      </a:pPr>
-                      <a:r>
-                        <a:rPr lang="es-CO" sz="1000" b="0" i="0" u="none" strike="noStrike">
-                          <a:solidFill>
-                            <a:srgbClr val="000000"/>
-                          </a:solidFill>
-                          <a:effectLst/>
-                          <a:latin typeface="Times New Roman" panose="02020603050405020304" pitchFamily="18" charset="0"/>
-                        </a:rPr>
-                        <a:t>46 ms</a:t>
-                      </a:r>
-                      <a:endParaRPr lang="es-CO">
-                        <a:effectLst/>
-                      </a:endParaRPr>
-                    </a:p>
-                  </a:txBody>
-                  <a:tcPr marL="68580" marR="68580">
-                    <a:lnL w="6350" cap="flat" cmpd="sng" algn="ctr">
-                      <a:solidFill>
-                        <a:srgbClr val="000000"/>
-                      </a:solidFill>
-                      <a:prstDash val="solid"/>
-                      <a:round/>
-                      <a:headEnd type="none" w="med" len="med"/>
-                      <a:tailEnd type="none" w="med" len="med"/>
-                    </a:lnL>
-                    <a:lnR w="6350" cap="flat" cmpd="sng" algn="ctr">
-                      <a:solidFill>
-                        <a:srgbClr val="000000"/>
-                      </a:solidFill>
-                      <a:prstDash val="solid"/>
-                      <a:round/>
-                      <a:headEnd type="none" w="med" len="med"/>
-                      <a:tailEnd type="none" w="med" len="med"/>
-                    </a:lnR>
-                    <a:lnT w="6350" cap="flat" cmpd="sng" algn="ctr">
-                      <a:solidFill>
-                        <a:srgbClr val="000000"/>
-                      </a:solidFill>
-                      <a:prstDash val="solid"/>
-                      <a:round/>
-                      <a:headEnd type="none" w="med" len="med"/>
-                      <a:tailEnd type="none" w="med" len="med"/>
-                    </a:lnT>
-                    <a:lnB w="6350" cap="flat" cmpd="sng" algn="ctr">
-                      <a:solidFill>
-                        <a:srgbClr val="000000"/>
-                      </a:solidFill>
-                      <a:prstDash val="solid"/>
-                      <a:round/>
-                      <a:headEnd type="none" w="med" len="med"/>
-                      <a:tailEnd type="none" w="med" len="med"/>
-                    </a:lnB>
-                  </a:tcPr>
-                </a:tc>
-                <a:extLst>
-                  <a:ext uri="{0D108BD9-81ED-4DB2-BD59-A6C34878D82A}">
-                    <a16:rowId xmlns:a16="http://schemas.microsoft.com/office/drawing/2014/main" val="1656778185"/>
-                  </a:ext>
-                </a:extLst>
-              </a:tr>
-              <a:tr h="0">
-                <a:tc>
-                  <a:txBody>
-                    <a:bodyPr/>
-                    <a:lstStyle/>
-                    <a:p>
-                      <a:pPr algn="just" rtl="0" fontAlgn="t">
-                        <a:spcBef>
-                          <a:spcPts val="0"/>
-                        </a:spcBef>
-                        <a:spcAft>
-                          <a:spcPts val="600"/>
-                        </a:spcAft>
-                      </a:pPr>
-                      <a:r>
-                        <a:rPr lang="es-CO" sz="1000" b="0" i="0" u="none" strike="noStrike">
-                          <a:solidFill>
-                            <a:srgbClr val="000000"/>
-                          </a:solidFill>
-                          <a:effectLst/>
-                          <a:latin typeface="Times New Roman" panose="02020603050405020304" pitchFamily="18" charset="0"/>
-                        </a:rPr>
-                        <a:t>100000</a:t>
-                      </a:r>
-                      <a:endParaRPr lang="es-CO">
-                        <a:effectLst/>
-                      </a:endParaRPr>
-                    </a:p>
-                  </a:txBody>
-                  <a:tcPr marL="68580" marR="68580">
-                    <a:lnL w="6350" cap="flat" cmpd="sng" algn="ctr">
-                      <a:solidFill>
-                        <a:srgbClr val="000000"/>
-                      </a:solidFill>
-                      <a:prstDash val="solid"/>
-                      <a:round/>
-                      <a:headEnd type="none" w="med" len="med"/>
-                      <a:tailEnd type="none" w="med" len="med"/>
-                    </a:lnL>
-                    <a:lnR w="6350" cap="flat" cmpd="sng" algn="ctr">
-                      <a:solidFill>
-                        <a:srgbClr val="000000"/>
-                      </a:solidFill>
-                      <a:prstDash val="solid"/>
-                      <a:round/>
-                      <a:headEnd type="none" w="med" len="med"/>
-                      <a:tailEnd type="none" w="med" len="med"/>
-                    </a:lnR>
-                    <a:lnT w="6350" cap="flat" cmpd="sng" algn="ctr">
-                      <a:solidFill>
-                        <a:srgbClr val="000000"/>
-                      </a:solidFill>
-                      <a:prstDash val="solid"/>
-                      <a:round/>
-                      <a:headEnd type="none" w="med" len="med"/>
-                      <a:tailEnd type="none" w="med" len="med"/>
-                    </a:lnT>
-                    <a:lnB w="6350" cap="flat" cmpd="sng" algn="ctr">
-                      <a:solidFill>
-                        <a:srgbClr val="000000"/>
-                      </a:solidFill>
-                      <a:prstDash val="solid"/>
-                      <a:round/>
-                      <a:headEnd type="none" w="med" len="med"/>
-                      <a:tailEnd type="none" w="med" len="med"/>
-                    </a:lnB>
-                  </a:tcPr>
-                </a:tc>
-                <a:tc>
-                  <a:txBody>
-                    <a:bodyPr/>
-                    <a:lstStyle/>
-                    <a:p>
-                      <a:pPr algn="just" rtl="0" fontAlgn="t">
-                        <a:spcBef>
-                          <a:spcPts val="0"/>
-                        </a:spcBef>
-                        <a:spcAft>
-                          <a:spcPts val="600"/>
-                        </a:spcAft>
-                      </a:pPr>
-                      <a:r>
-                        <a:rPr lang="es-CO" sz="1000" b="0" i="0" u="none" strike="noStrike">
-                          <a:solidFill>
-                            <a:srgbClr val="000000"/>
-                          </a:solidFill>
-                          <a:effectLst/>
-                          <a:latin typeface="Times New Roman" panose="02020603050405020304" pitchFamily="18" charset="0"/>
-                        </a:rPr>
-                        <a:t>23282 ms</a:t>
-                      </a:r>
-                      <a:endParaRPr lang="es-CO">
-                        <a:effectLst/>
-                      </a:endParaRPr>
-                    </a:p>
-                  </a:txBody>
-                  <a:tcPr marL="68580" marR="68580">
-                    <a:lnL w="6350" cap="flat" cmpd="sng" algn="ctr">
-                      <a:solidFill>
-                        <a:srgbClr val="000000"/>
-                      </a:solidFill>
-                      <a:prstDash val="solid"/>
-                      <a:round/>
-                      <a:headEnd type="none" w="med" len="med"/>
-                      <a:tailEnd type="none" w="med" len="med"/>
-                    </a:lnL>
-                    <a:lnR w="6350" cap="flat" cmpd="sng" algn="ctr">
-                      <a:solidFill>
-                        <a:srgbClr val="000000"/>
-                      </a:solidFill>
-                      <a:prstDash val="solid"/>
-                      <a:round/>
-                      <a:headEnd type="none" w="med" len="med"/>
-                      <a:tailEnd type="none" w="med" len="med"/>
-                    </a:lnR>
-                    <a:lnT w="6350" cap="flat" cmpd="sng" algn="ctr">
-                      <a:solidFill>
-                        <a:srgbClr val="000000"/>
-                      </a:solidFill>
-                      <a:prstDash val="solid"/>
-                      <a:round/>
-                      <a:headEnd type="none" w="med" len="med"/>
-                      <a:tailEnd type="none" w="med" len="med"/>
-                    </a:lnT>
-                    <a:lnB w="6350" cap="flat" cmpd="sng" algn="ctr">
-                      <a:solidFill>
-                        <a:srgbClr val="000000"/>
-                      </a:solidFill>
-                      <a:prstDash val="solid"/>
-                      <a:round/>
-                      <a:headEnd type="none" w="med" len="med"/>
-                      <a:tailEnd type="none" w="med" len="med"/>
-                    </a:lnB>
-                  </a:tcPr>
-                </a:tc>
-                <a:tc>
-                  <a:txBody>
-                    <a:bodyPr/>
-                    <a:lstStyle/>
-                    <a:p>
-                      <a:pPr algn="just" rtl="0" fontAlgn="t">
-                        <a:spcBef>
-                          <a:spcPts val="0"/>
-                        </a:spcBef>
-                        <a:spcAft>
-                          <a:spcPts val="600"/>
-                        </a:spcAft>
-                      </a:pPr>
-                      <a:r>
-                        <a:rPr lang="es-CO" sz="1000" b="0" i="0" u="none" strike="noStrike">
-                          <a:solidFill>
-                            <a:srgbClr val="000000"/>
-                          </a:solidFill>
-                          <a:effectLst/>
-                          <a:latin typeface="Times New Roman" panose="02020603050405020304" pitchFamily="18" charset="0"/>
-                        </a:rPr>
-                        <a:t>46 ms</a:t>
-                      </a:r>
-                      <a:endParaRPr lang="es-CO">
-                        <a:effectLst/>
-                      </a:endParaRPr>
-                    </a:p>
-                  </a:txBody>
-                  <a:tcPr marL="68580" marR="68580">
-                    <a:lnL w="6350" cap="flat" cmpd="sng" algn="ctr">
-                      <a:solidFill>
-                        <a:srgbClr val="000000"/>
-                      </a:solidFill>
-                      <a:prstDash val="solid"/>
-                      <a:round/>
-                      <a:headEnd type="none" w="med" len="med"/>
-                      <a:tailEnd type="none" w="med" len="med"/>
-                    </a:lnL>
-                    <a:lnR w="6350" cap="flat" cmpd="sng" algn="ctr">
-                      <a:solidFill>
-                        <a:srgbClr val="000000"/>
-                      </a:solidFill>
-                      <a:prstDash val="solid"/>
-                      <a:round/>
-                      <a:headEnd type="none" w="med" len="med"/>
-                      <a:tailEnd type="none" w="med" len="med"/>
-                    </a:lnR>
-                    <a:lnT w="6350" cap="flat" cmpd="sng" algn="ctr">
-                      <a:solidFill>
-                        <a:srgbClr val="000000"/>
-                      </a:solidFill>
-                      <a:prstDash val="solid"/>
-                      <a:round/>
-                      <a:headEnd type="none" w="med" len="med"/>
-                      <a:tailEnd type="none" w="med" len="med"/>
-                    </a:lnT>
-                    <a:lnB w="6350" cap="flat" cmpd="sng" algn="ctr">
-                      <a:solidFill>
-                        <a:srgbClr val="000000"/>
-                      </a:solidFill>
-                      <a:prstDash val="solid"/>
-                      <a:round/>
-                      <a:headEnd type="none" w="med" len="med"/>
-                      <a:tailEnd type="none" w="med" len="med"/>
-                    </a:lnB>
-                  </a:tcPr>
-                </a:tc>
-                <a:extLst>
-                  <a:ext uri="{0D108BD9-81ED-4DB2-BD59-A6C34878D82A}">
-                    <a16:rowId xmlns:a16="http://schemas.microsoft.com/office/drawing/2014/main" val="1691941461"/>
-                  </a:ext>
-                </a:extLst>
-              </a:tr>
-              <a:tr h="0">
-                <a:tc>
-                  <a:txBody>
-                    <a:bodyPr/>
-                    <a:lstStyle/>
-                    <a:p>
-                      <a:pPr algn="just" rtl="0" fontAlgn="t">
-                        <a:spcBef>
-                          <a:spcPts val="0"/>
-                        </a:spcBef>
-                        <a:spcAft>
-                          <a:spcPts val="600"/>
-                        </a:spcAft>
-                      </a:pPr>
-                      <a:r>
-                        <a:rPr lang="es-CO" sz="1000" b="0" i="0" u="none" strike="noStrike">
-                          <a:solidFill>
-                            <a:srgbClr val="000000"/>
-                          </a:solidFill>
-                          <a:effectLst/>
-                          <a:latin typeface="Times New Roman" panose="02020603050405020304" pitchFamily="18" charset="0"/>
-                        </a:rPr>
-                        <a:t>1´000000</a:t>
-                      </a:r>
-                      <a:endParaRPr lang="es-CO">
-                        <a:effectLst/>
-                      </a:endParaRPr>
-                    </a:p>
-                  </a:txBody>
-                  <a:tcPr marL="68580" marR="68580">
-                    <a:lnL w="6350" cap="flat" cmpd="sng" algn="ctr">
-                      <a:solidFill>
-                        <a:srgbClr val="000000"/>
-                      </a:solidFill>
-                      <a:prstDash val="solid"/>
-                      <a:round/>
-                      <a:headEnd type="none" w="med" len="med"/>
-                      <a:tailEnd type="none" w="med" len="med"/>
-                    </a:lnL>
-                    <a:lnR w="6350" cap="flat" cmpd="sng" algn="ctr">
-                      <a:solidFill>
-                        <a:srgbClr val="000000"/>
-                      </a:solidFill>
-                      <a:prstDash val="solid"/>
-                      <a:round/>
-                      <a:headEnd type="none" w="med" len="med"/>
-                      <a:tailEnd type="none" w="med" len="med"/>
-                    </a:lnR>
-                    <a:lnT w="6350" cap="flat" cmpd="sng" algn="ctr">
-                      <a:solidFill>
-                        <a:srgbClr val="000000"/>
-                      </a:solidFill>
-                      <a:prstDash val="solid"/>
-                      <a:round/>
-                      <a:headEnd type="none" w="med" len="med"/>
-                      <a:tailEnd type="none" w="med" len="med"/>
-                    </a:lnT>
-                    <a:lnB w="6350" cap="flat" cmpd="sng" algn="ctr">
-                      <a:solidFill>
-                        <a:srgbClr val="000000"/>
-                      </a:solidFill>
-                      <a:prstDash val="solid"/>
-                      <a:round/>
-                      <a:headEnd type="none" w="med" len="med"/>
-                      <a:tailEnd type="none" w="med" len="med"/>
-                    </a:lnB>
-                  </a:tcPr>
-                </a:tc>
-                <a:tc>
-                  <a:txBody>
-                    <a:bodyPr/>
-                    <a:lstStyle/>
-                    <a:p>
-                      <a:pPr algn="just" rtl="0" fontAlgn="t">
-                        <a:spcBef>
-                          <a:spcPts val="0"/>
-                        </a:spcBef>
-                        <a:spcAft>
-                          <a:spcPts val="600"/>
-                        </a:spcAft>
-                      </a:pPr>
-                      <a:r>
-                        <a:rPr lang="es-CO" sz="1000" b="0" i="0" u="none" strike="noStrike">
-                          <a:solidFill>
-                            <a:srgbClr val="000000"/>
-                          </a:solidFill>
-                          <a:effectLst/>
-                          <a:latin typeface="Times New Roman" panose="02020603050405020304" pitchFamily="18" charset="0"/>
-                        </a:rPr>
-                        <a:t>--</a:t>
-                      </a:r>
-                      <a:endParaRPr lang="es-CO">
-                        <a:effectLst/>
-                      </a:endParaRPr>
-                    </a:p>
-                  </a:txBody>
-                  <a:tcPr marL="68580" marR="68580">
-                    <a:lnL w="6350" cap="flat" cmpd="sng" algn="ctr">
-                      <a:solidFill>
-                        <a:srgbClr val="000000"/>
-                      </a:solidFill>
-                      <a:prstDash val="solid"/>
-                      <a:round/>
-                      <a:headEnd type="none" w="med" len="med"/>
-                      <a:tailEnd type="none" w="med" len="med"/>
-                    </a:lnL>
-                    <a:lnR w="6350" cap="flat" cmpd="sng" algn="ctr">
-                      <a:solidFill>
-                        <a:srgbClr val="000000"/>
-                      </a:solidFill>
-                      <a:prstDash val="solid"/>
-                      <a:round/>
-                      <a:headEnd type="none" w="med" len="med"/>
-                      <a:tailEnd type="none" w="med" len="med"/>
-                    </a:lnR>
-                    <a:lnT w="6350" cap="flat" cmpd="sng" algn="ctr">
-                      <a:solidFill>
-                        <a:srgbClr val="000000"/>
-                      </a:solidFill>
-                      <a:prstDash val="solid"/>
-                      <a:round/>
-                      <a:headEnd type="none" w="med" len="med"/>
-                      <a:tailEnd type="none" w="med" len="med"/>
-                    </a:lnT>
-                    <a:lnB w="6350" cap="flat" cmpd="sng" algn="ctr">
-                      <a:solidFill>
-                        <a:srgbClr val="000000"/>
-                      </a:solidFill>
-                      <a:prstDash val="solid"/>
-                      <a:round/>
-                      <a:headEnd type="none" w="med" len="med"/>
-                      <a:tailEnd type="none" w="med" len="med"/>
-                    </a:lnB>
-                  </a:tcPr>
-                </a:tc>
-                <a:tc>
-                  <a:txBody>
-                    <a:bodyPr/>
-                    <a:lstStyle/>
-                    <a:p>
-                      <a:pPr algn="just" rtl="0" fontAlgn="t">
-                        <a:spcBef>
-                          <a:spcPts val="0"/>
-                        </a:spcBef>
-                        <a:spcAft>
-                          <a:spcPts val="600"/>
-                        </a:spcAft>
-                      </a:pPr>
-                      <a:r>
-                        <a:rPr lang="es-CO" sz="1000" b="0" i="0" u="none" strike="noStrike" dirty="0">
-                          <a:solidFill>
-                            <a:srgbClr val="000000"/>
-                          </a:solidFill>
-                          <a:effectLst/>
-                          <a:latin typeface="Times New Roman" panose="02020603050405020304" pitchFamily="18" charset="0"/>
-                        </a:rPr>
-                        <a:t>2833 ms</a:t>
-                      </a:r>
-                      <a:endParaRPr lang="es-CO" dirty="0">
-                        <a:effectLst/>
-                      </a:endParaRPr>
-                    </a:p>
-                  </a:txBody>
-                  <a:tcPr marL="68580" marR="68580">
-                    <a:lnL w="6350" cap="flat" cmpd="sng" algn="ctr">
-                      <a:solidFill>
-                        <a:srgbClr val="000000"/>
-                      </a:solidFill>
-                      <a:prstDash val="solid"/>
-                      <a:round/>
-                      <a:headEnd type="none" w="med" len="med"/>
-                      <a:tailEnd type="none" w="med" len="med"/>
-                    </a:lnL>
-                    <a:lnR w="6350" cap="flat" cmpd="sng" algn="ctr">
-                      <a:solidFill>
-                        <a:srgbClr val="000000"/>
-                      </a:solidFill>
-                      <a:prstDash val="solid"/>
-                      <a:round/>
-                      <a:headEnd type="none" w="med" len="med"/>
-                      <a:tailEnd type="none" w="med" len="med"/>
-                    </a:lnR>
-                    <a:lnT w="6350" cap="flat" cmpd="sng" algn="ctr">
-                      <a:solidFill>
-                        <a:srgbClr val="000000"/>
-                      </a:solidFill>
-                      <a:prstDash val="solid"/>
-                      <a:round/>
-                      <a:headEnd type="none" w="med" len="med"/>
-                      <a:tailEnd type="none" w="med" len="med"/>
-                    </a:lnT>
-                    <a:lnB w="6350" cap="flat" cmpd="sng" algn="ctr">
-                      <a:solidFill>
-                        <a:srgbClr val="000000"/>
-                      </a:solidFill>
-                      <a:prstDash val="solid"/>
-                      <a:round/>
-                      <a:headEnd type="none" w="med" len="med"/>
-                      <a:tailEnd type="none" w="med" len="med"/>
-                    </a:lnB>
-                  </a:tcPr>
-                </a:tc>
-                <a:extLst>
-                  <a:ext uri="{0D108BD9-81ED-4DB2-BD59-A6C34878D82A}">
-                    <a16:rowId xmlns:a16="http://schemas.microsoft.com/office/drawing/2014/main" val="3035663137"/>
-                  </a:ext>
-                </a:extLst>
-              </a:tr>
-            </a:tbl>
-          </a:graphicData>
-        </a:graphic>
-      </p:graphicFrame>
-      <p:sp>
-        <p:nvSpPr>
-          <p:cNvPr id="7" name="Rectangle 1">
-            <a:extLst>
-              <a:ext uri="{FF2B5EF4-FFF2-40B4-BE49-F238E27FC236}">
-                <a16:creationId xmlns:a16="http://schemas.microsoft.com/office/drawing/2014/main" id="{67B6DDDE-0A3F-49AD-9E82-344D1AD743DF}"/>
-              </a:ext>
-            </a:extLst>
-          </p:cNvPr>
-          <p:cNvSpPr>
-            <a:spLocks noChangeArrowheads="1"/>
-          </p:cNvSpPr>
-          <p:nvPr/>
-        </p:nvSpPr>
-        <p:spPr bwMode="auto">
-          <a:xfrm>
-            <a:off x="3018481" y="2790019"/>
-            <a:ext cx="9144000" cy="457200"/>
-          </a:xfrm>
-          <a:prstGeom prst="rect">
-            <a:avLst/>
-          </a:prstGeom>
-          <a:noFill/>
-          <a:ln>
-            <a:noFill/>
-          </a:ln>
-          <a:effectLst/>
-          <a:extLst>
-            <a:ext uri="{909E8E84-426E-40DD-AFC4-6F175D3DCCD1}">
-              <a14:hiddenFill xmlns:a14="http://schemas.microsoft.com/office/drawing/2010/main">
-                <a:solidFill>
-                  <a:schemeClr val="accent1"/>
-                </a:solidFill>
-              </a14:hiddenFill>
-            </a:ext>
-            <a:ext uri="{91240B29-F687-4F45-9708-019B960494DF}">
-              <a14:hiddenLine xmlns:a14="http://schemas.microsoft.com/office/drawing/2010/main" w="9525">
-                <a:solidFill>
-                  <a:schemeClr val="tx1"/>
-                </a:solidFill>
-                <a:miter lim="800000"/>
-                <a:headEnd/>
-                <a:tailEnd/>
-              </a14:hiddenLine>
-            </a:ext>
-            <a:ext uri="{AF507438-7753-43E0-B8FC-AC1667EBCBE1}">
-              <a14:hiddenEffects xmlns:a14="http://schemas.microsoft.com/office/drawing/2010/main">
-                <a:effectLst>
-                  <a:outerShdw dist="35921" dir="2700000" algn="ctr" rotWithShape="0">
-                    <a:schemeClr val="bg2"/>
-                  </a:outerShdw>
-                </a:effectLst>
-              </a14:hiddenEffects>
-            </a:ext>
-          </a:extLst>
-        </p:spPr>
-        <p:txBody>
-          <a:bodyPr vert="horz" wrap="none" lIns="91440" tIns="45720" rIns="91440" bIns="45720" numCol="1" anchor="ctr" anchorCtr="0" compatLnSpc="1">
-            <a:prstTxWarp prst="textNoShape">
-              <a:avLst/>
-            </a:prstTxWarp>
-            <a:spAutoFit/>
-          </a:bodyPr>
-          <a:lstStyle/>
-          <a:p>
-            <a:pPr marL="0" marR="0" lvl="0" indent="0" algn="l" defTabSz="914400" rtl="0" eaLnBrk="0" fontAlgn="base" latinLnBrk="0" hangingPunct="0">
-              <a:lnSpc>
-                <a:spcPct val="100000"/>
-              </a:lnSpc>
-              <a:spcBef>
-                <a:spcPct val="0"/>
-              </a:spcBef>
-              <a:spcAft>
-                <a:spcPct val="0"/>
-              </a:spcAft>
-              <a:buClrTx/>
-              <a:buSzTx/>
-              <a:buFontTx/>
-              <a:buNone/>
-              <a:tabLst/>
-            </a:pPr>
-            <a:br>
-              <a:rPr kumimoji="0" lang="es-CO" altLang="es-CO" sz="1800" b="0" i="0" u="none" strike="noStrike" cap="none" normalizeH="0" baseline="0">
-                <a:ln>
-                  <a:noFill/>
-                </a:ln>
-                <a:solidFill>
-                  <a:schemeClr val="tx1"/>
-                </a:solidFill>
-                <a:effectLst/>
-                <a:latin typeface="Arial" panose="020B0604020202020204" pitchFamily="34" charset="0"/>
-              </a:rPr>
-            </a:br>
-            <a:endParaRPr kumimoji="0" lang="es-CO" altLang="es-CO" sz="1800" b="0" i="0" u="none" strike="noStrike" cap="none" normalizeH="0" baseline="0">
-              <a:ln>
-                <a:noFill/>
-              </a:ln>
-              <a:solidFill>
-                <a:schemeClr val="tx1"/>
-              </a:solidFill>
-              <a:effectLst/>
-              <a:latin typeface="Arial" panose="020B0604020202020204" pitchFamily="34" charset="0"/>
-            </a:endParaRPr>
-          </a:p>
-          <a:p>
-            <a:pPr marL="0" marR="0" lvl="0" indent="0" algn="l" defTabSz="914400" rtl="0" eaLnBrk="0" fontAlgn="base" latinLnBrk="0" hangingPunct="0">
-              <a:lnSpc>
-                <a:spcPct val="100000"/>
-              </a:lnSpc>
-              <a:spcBef>
-                <a:spcPct val="0"/>
-              </a:spcBef>
-              <a:spcAft>
-                <a:spcPct val="0"/>
-              </a:spcAft>
-              <a:buClrTx/>
-              <a:buSzTx/>
-              <a:buFontTx/>
-              <a:buNone/>
-              <a:tabLst/>
-            </a:pPr>
-            <a:endParaRPr kumimoji="0" lang="es-CO" altLang="es-CO" sz="1800" b="0" i="0" u="none" strike="noStrike" cap="none" normalizeH="0" baseline="0">
-              <a:ln>
-                <a:noFill/>
-              </a:ln>
-              <a:solidFill>
-                <a:schemeClr val="tx1"/>
-              </a:solidFill>
-              <a:effectLst/>
-              <a:latin typeface="Arial" panose="020B0604020202020204" pitchFamily="34" charset="0"/>
-            </a:endParaRPr>
-          </a:p>
-        </p:txBody>
-      </p:sp>
-    </p:spTree>
-    <p:extLst>
-      <p:ext uri="{BB962C8B-B14F-4D97-AF65-F5344CB8AC3E}">
-        <p14:creationId xmlns:p14="http://schemas.microsoft.com/office/powerpoint/2010/main" val="1952284214"/>
-      </p:ext>
-    </p:extLst>
-  </p:cSld>
-  <p:clrMapOvr>
-    <a:masterClrMapping/>
-  </p:clrMapOvr>
-  <p:timing>
-    <p:tnLst>
-      <p:par>
-        <p:cTn id="1" dur="indefinite" restart="never" nodeType="tmRoot">
-          <p:childTnLst>
-            <p:seq>
-              <p:cTn id="2" nodeType="mainSeq"/>
-              <p:prevCondLst>
-                <p:cond evt="onPrev" delay="0">
-                  <p:tgtEl>
-                    <p:sldTgt/>
-                  </p:tgtEl>
-                </p:cond>
-              </p:prevCondLst>
-              <p:nextCondLst>
-                <p:cond evt="onNext" delay="0">
-                  <p:tgtEl>
-                    <p:sldTgt/>
-                  </p:tgtEl>
-                </p:cond>
-              </p:nextCondLst>
-            </p:seq>
-          </p:childTnLst>
-        </p:cTn>
-      </p:par>
-    </p:tnLst>
-  </p:timing>
-</p:sld>
-</file>
-
-<file path=ppt/slides/slide12.xml><?xml version="1.0" encoding="utf-8"?>
-<p:sld xmlns:a="http://schemas.openxmlformats.org/drawingml/2006/main" xmlns:r="http://schemas.openxmlformats.org/officeDocument/2006/relationships" xmlns:p="http://schemas.openxmlformats.org/presentationml/2006/main">
-  <p:cSld>
-    <p:spTree>
-      <p:nvGrpSpPr>
-        <p:cNvPr id="1" name=""/>
-        <p:cNvGrpSpPr/>
-        <p:nvPr/>
-      </p:nvGrpSpPr>
-      <p:grpSpPr>
-        <a:xfrm>
-          <a:off x="0" y="0"/>
-          <a:ext cx="0" cy="0"/>
-          <a:chOff x="0" y="0"/>
-          <a:chExt cx="0" cy="0"/>
-        </a:xfrm>
-      </p:grpSpPr>
-      <p:sp>
-        <p:nvSpPr>
           <p:cNvPr id="111" name="CustomShape 1"/>
           <p:cNvSpPr/>
           <p:nvPr/>
@@ -9343,7 +7085,7 @@
 </p:sld>
 </file>
 
-<file path=ppt/slides/slide13.xml><?xml version="1.0" encoding="utf-8"?>
+<file path=ppt/slides/slide11.xml><?xml version="1.0" encoding="utf-8"?>
 <p:sld xmlns:a="http://schemas.openxmlformats.org/drawingml/2006/main" xmlns:r="http://schemas.openxmlformats.org/officeDocument/2006/relationships" xmlns:p="http://schemas.openxmlformats.org/presentationml/2006/main">
   <p:cSld>
     <p:spTree>
@@ -17379,7 +15121,7 @@
         </p:nvSpPr>
         <p:spPr>
           <a:xfrm>
-            <a:off x="2639557" y="3903237"/>
+            <a:off x="5964833" y="2402057"/>
             <a:ext cx="3864886" cy="830997"/>
           </a:xfrm>
           <a:prstGeom prst="rect">
@@ -17409,16 +15151,7 @@
                 </a:solidFill>
                 <a:latin typeface="Times New Roman" panose="02020603050405020304" pitchFamily="18" charset="0"/>
               </a:rPr>
-              <a:t> Example of Heap </a:t>
-            </a:r>
-            <a:r>
-              <a:rPr lang="en-US" sz="1200" dirty="0" err="1">
-                <a:solidFill>
-                  <a:srgbClr val="000000"/>
-                </a:solidFill>
-                <a:latin typeface="Times New Roman" panose="02020603050405020304" pitchFamily="18" charset="0"/>
-              </a:rPr>
-              <a:t>Sory</a:t>
+              <a:t> Example of Heap Sort</a:t>
             </a:r>
             <a:endParaRPr lang="en-US" sz="1200" b="0" dirty="0">
               <a:effectLst/>
@@ -17461,8 +15194,8 @@
         </p:blipFill>
         <p:spPr bwMode="auto">
           <a:xfrm>
-            <a:off x="2927195" y="1939319"/>
-            <a:ext cx="3431945" cy="1739057"/>
+            <a:off x="343603" y="4029319"/>
+            <a:ext cx="2580509" cy="1307612"/>
           </a:xfrm>
           <a:prstGeom prst="rect">
             <a:avLst/>
@@ -17477,6 +15210,114 @@
               </a14:hiddenFill>
             </a:ext>
           </a:extLst>
+        </p:spPr>
+      </p:pic>
+      <p:pic>
+        <p:nvPicPr>
+          <p:cNvPr id="4" name="Imagen 3" descr="Imagen que contiene reloj, objeto&#10;&#10;Descripción generada con confianza muy alta">
+            <a:extLst>
+              <a:ext uri="{FF2B5EF4-FFF2-40B4-BE49-F238E27FC236}">
+                <a16:creationId xmlns:a16="http://schemas.microsoft.com/office/drawing/2014/main" id="{47B9E199-C8D7-4EEB-94B6-0BA50530A10B}"/>
+              </a:ext>
+            </a:extLst>
+          </p:cNvPr>
+          <p:cNvPicPr>
+            <a:picLocks noChangeAspect="1"/>
+          </p:cNvPicPr>
+          <p:nvPr/>
+        </p:nvPicPr>
+        <p:blipFill>
+          <a:blip r:embed="rId3">
+            <a:extLst>
+              <a:ext uri="{28A0092B-C50C-407E-A947-70E740481C1C}">
+                <a14:useLocalDpi xmlns:a14="http://schemas.microsoft.com/office/drawing/2010/main" val="0"/>
+              </a:ext>
+            </a:extLst>
+          </a:blip>
+          <a:stretch>
+            <a:fillRect/>
+          </a:stretch>
+        </p:blipFill>
+        <p:spPr>
+          <a:xfrm>
+            <a:off x="2426155" y="1474231"/>
+            <a:ext cx="4036633" cy="1972184"/>
+          </a:xfrm>
+          <a:prstGeom prst="rect">
+            <a:avLst/>
+          </a:prstGeom>
+        </p:spPr>
+      </p:pic>
+      <p:pic>
+        <p:nvPicPr>
+          <p:cNvPr id="6" name="Imagen 5" descr="Imagen que contiene objeto, reloj&#10;&#10;Descripción generada con confianza alta">
+            <a:extLst>
+              <a:ext uri="{FF2B5EF4-FFF2-40B4-BE49-F238E27FC236}">
+                <a16:creationId xmlns:a16="http://schemas.microsoft.com/office/drawing/2014/main" id="{1803422C-E663-4487-B363-9134C4AAD0D6}"/>
+              </a:ext>
+            </a:extLst>
+          </p:cNvPr>
+          <p:cNvPicPr>
+            <a:picLocks noChangeAspect="1"/>
+          </p:cNvPicPr>
+          <p:nvPr/>
+        </p:nvPicPr>
+        <p:blipFill>
+          <a:blip r:embed="rId4">
+            <a:extLst>
+              <a:ext uri="{28A0092B-C50C-407E-A947-70E740481C1C}">
+                <a14:useLocalDpi xmlns:a14="http://schemas.microsoft.com/office/drawing/2010/main" val="0"/>
+              </a:ext>
+            </a:extLst>
+          </a:blip>
+          <a:stretch>
+            <a:fillRect/>
+          </a:stretch>
+        </p:blipFill>
+        <p:spPr>
+          <a:xfrm>
+            <a:off x="3158800" y="4289273"/>
+            <a:ext cx="2571345" cy="1307612"/>
+          </a:xfrm>
+          <a:prstGeom prst="rect">
+            <a:avLst/>
+          </a:prstGeom>
+        </p:spPr>
+      </p:pic>
+      <p:pic>
+        <p:nvPicPr>
+          <p:cNvPr id="8" name="Imagen 7" descr="Imagen que contiene objeto&#10;&#10;Descripción generada con confianza muy alta">
+            <a:extLst>
+              <a:ext uri="{FF2B5EF4-FFF2-40B4-BE49-F238E27FC236}">
+                <a16:creationId xmlns:a16="http://schemas.microsoft.com/office/drawing/2014/main" id="{14A409D8-8928-476F-993A-D18C85674E70}"/>
+              </a:ext>
+            </a:extLst>
+          </p:cNvPr>
+          <p:cNvPicPr>
+            <a:picLocks noChangeAspect="1"/>
+          </p:cNvPicPr>
+          <p:nvPr/>
+        </p:nvPicPr>
+        <p:blipFill>
+          <a:blip r:embed="rId5">
+            <a:extLst>
+              <a:ext uri="{28A0092B-C50C-407E-A947-70E740481C1C}">
+                <a14:useLocalDpi xmlns:a14="http://schemas.microsoft.com/office/drawing/2010/main" val="0"/>
+              </a:ext>
+            </a:extLst>
+          </a:blip>
+          <a:stretch>
+            <a:fillRect/>
+          </a:stretch>
+        </p:blipFill>
+        <p:spPr>
+          <a:xfrm>
+            <a:off x="5964833" y="3855231"/>
+            <a:ext cx="2904524" cy="1481700"/>
+          </a:xfrm>
+          <a:prstGeom prst="rect">
+            <a:avLst/>
+          </a:prstGeom>
         </p:spPr>
       </p:pic>
     </p:spTree>
@@ -17538,13 +15379,13 @@
       </p:grpSpPr>
       <p:sp>
         <p:nvSpPr>
-          <p:cNvPr id="92" name="CustomShape 1"/>
+          <p:cNvPr id="111" name="CustomShape 1"/>
           <p:cNvSpPr/>
           <p:nvPr/>
         </p:nvSpPr>
         <p:spPr>
           <a:xfrm>
-            <a:off x="357840" y="348480"/>
+            <a:off x="243360" y="302400"/>
             <a:ext cx="7885080" cy="613800"/>
           </a:xfrm>
           <a:prstGeom prst="rect">
@@ -17589,7 +15430,7 @@
                 <a:latin typeface="Arial"/>
                 <a:ea typeface="DejaVu Sans"/>
               </a:rPr>
-              <a:t>Data Structure Operations</a:t>
+              <a:t>Time and Memory Consumption</a:t>
             </a:r>
             <a:endParaRPr lang="en-US" sz="1800" b="0" strike="noStrike" spc="-1">
               <a:solidFill>
@@ -17605,893 +15446,12 @@
           </a:p>
         </p:txBody>
       </p:sp>
-      <p:graphicFrame>
-        <p:nvGraphicFramePr>
-          <p:cNvPr id="2" name="Tabla 1">
+      <p:sp>
+        <p:nvSpPr>
+          <p:cNvPr id="4" name="Rectangle 1">
             <a:extLst>
               <a:ext uri="{FF2B5EF4-FFF2-40B4-BE49-F238E27FC236}">
-                <a16:creationId xmlns:a16="http://schemas.microsoft.com/office/drawing/2014/main" id="{53DE7A23-F281-4A2B-9DAB-F9FB04A7A62C}"/>
-              </a:ext>
-            </a:extLst>
-          </p:cNvPr>
-          <p:cNvGraphicFramePr>
-            <a:graphicFrameLocks noGrp="1"/>
-          </p:cNvGraphicFramePr>
-          <p:nvPr/>
-        </p:nvGraphicFramePr>
-        <p:xfrm>
-          <a:off x="5271718" y="1944092"/>
-          <a:ext cx="3209925" cy="1950720"/>
-        </p:xfrm>
-        <a:graphic>
-          <a:graphicData uri="http://schemas.openxmlformats.org/drawingml/2006/table">
-            <a:tbl>
-              <a:tblPr/>
-              <a:tblGrid>
-                <a:gridCol w="990600">
-                  <a:extLst>
-                    <a:ext uri="{9D8B030D-6E8A-4147-A177-3AD203B41FA5}">
-                      <a16:colId xmlns:a16="http://schemas.microsoft.com/office/drawing/2014/main" val="876492804"/>
-                    </a:ext>
-                  </a:extLst>
-                </a:gridCol>
-                <a:gridCol w="733425">
-                  <a:extLst>
-                    <a:ext uri="{9D8B030D-6E8A-4147-A177-3AD203B41FA5}">
-                      <a16:colId xmlns:a16="http://schemas.microsoft.com/office/drawing/2014/main" val="1704933801"/>
-                    </a:ext>
-                  </a:extLst>
-                </a:gridCol>
-                <a:gridCol w="733425">
-                  <a:extLst>
-                    <a:ext uri="{9D8B030D-6E8A-4147-A177-3AD203B41FA5}">
-                      <a16:colId xmlns:a16="http://schemas.microsoft.com/office/drawing/2014/main" val="3522462701"/>
-                    </a:ext>
-                  </a:extLst>
-                </a:gridCol>
-                <a:gridCol w="752475">
-                  <a:extLst>
-                    <a:ext uri="{9D8B030D-6E8A-4147-A177-3AD203B41FA5}">
-                      <a16:colId xmlns:a16="http://schemas.microsoft.com/office/drawing/2014/main" val="2527122132"/>
-                    </a:ext>
-                  </a:extLst>
-                </a:gridCol>
-              </a:tblGrid>
-              <a:tr h="0">
-                <a:tc>
-                  <a:txBody>
-                    <a:bodyPr/>
-                    <a:lstStyle/>
-                    <a:p>
-                      <a:pPr algn="just" rtl="0" fontAlgn="t">
-                        <a:spcBef>
-                          <a:spcPts val="0"/>
-                        </a:spcBef>
-                        <a:spcAft>
-                          <a:spcPts val="600"/>
-                        </a:spcAft>
-                      </a:pPr>
-                      <a:r>
-                        <a:rPr lang="es-CO" sz="1000" b="0" i="0" u="none" strike="noStrike">
-                          <a:solidFill>
-                            <a:srgbClr val="000000"/>
-                          </a:solidFill>
-                          <a:effectLst/>
-                          <a:latin typeface="Times New Roman" panose="02020603050405020304" pitchFamily="18" charset="0"/>
-                        </a:rPr>
-                        <a:t>Function</a:t>
-                      </a:r>
-                      <a:endParaRPr lang="es-CO">
-                        <a:effectLst/>
-                      </a:endParaRPr>
-                    </a:p>
-                  </a:txBody>
-                  <a:tcPr marL="68580" marR="68580">
-                    <a:lnL w="6350" cap="flat" cmpd="sng" algn="ctr">
-                      <a:solidFill>
-                        <a:srgbClr val="000000"/>
-                      </a:solidFill>
-                      <a:prstDash val="solid"/>
-                      <a:round/>
-                      <a:headEnd type="none" w="med" len="med"/>
-                      <a:tailEnd type="none" w="med" len="med"/>
-                    </a:lnL>
-                    <a:lnR w="6350" cap="flat" cmpd="sng" algn="ctr">
-                      <a:solidFill>
-                        <a:srgbClr val="000000"/>
-                      </a:solidFill>
-                      <a:prstDash val="solid"/>
-                      <a:round/>
-                      <a:headEnd type="none" w="med" len="med"/>
-                      <a:tailEnd type="none" w="med" len="med"/>
-                    </a:lnR>
-                    <a:lnT w="6350" cap="flat" cmpd="sng" algn="ctr">
-                      <a:solidFill>
-                        <a:srgbClr val="000000"/>
-                      </a:solidFill>
-                      <a:prstDash val="solid"/>
-                      <a:round/>
-                      <a:headEnd type="none" w="med" len="med"/>
-                      <a:tailEnd type="none" w="med" len="med"/>
-                    </a:lnT>
-                    <a:lnB w="6350" cap="flat" cmpd="sng" algn="ctr">
-                      <a:solidFill>
-                        <a:srgbClr val="000000"/>
-                      </a:solidFill>
-                      <a:prstDash val="solid"/>
-                      <a:round/>
-                      <a:headEnd type="none" w="med" len="med"/>
-                      <a:tailEnd type="none" w="med" len="med"/>
-                    </a:lnB>
-                  </a:tcPr>
-                </a:tc>
-                <a:tc>
-                  <a:txBody>
-                    <a:bodyPr/>
-                    <a:lstStyle/>
-                    <a:p>
-                      <a:pPr algn="just" rtl="0" fontAlgn="t">
-                        <a:spcBef>
-                          <a:spcPts val="0"/>
-                        </a:spcBef>
-                        <a:spcAft>
-                          <a:spcPts val="600"/>
-                        </a:spcAft>
-                      </a:pPr>
-                      <a:r>
-                        <a:rPr lang="es-CO" sz="1000" b="0" i="0" u="none" strike="noStrike">
-                          <a:solidFill>
-                            <a:srgbClr val="000000"/>
-                          </a:solidFill>
-                          <a:effectLst/>
-                          <a:latin typeface="Times New Roman" panose="02020603050405020304" pitchFamily="18" charset="0"/>
-                        </a:rPr>
-                        <a:t>Average Complexity</a:t>
-                      </a:r>
-                      <a:endParaRPr lang="es-CO">
-                        <a:effectLst/>
-                      </a:endParaRPr>
-                    </a:p>
-                  </a:txBody>
-                  <a:tcPr marL="68580" marR="68580">
-                    <a:lnL w="6350" cap="flat" cmpd="sng" algn="ctr">
-                      <a:solidFill>
-                        <a:srgbClr val="000000"/>
-                      </a:solidFill>
-                      <a:prstDash val="solid"/>
-                      <a:round/>
-                      <a:headEnd type="none" w="med" len="med"/>
-                      <a:tailEnd type="none" w="med" len="med"/>
-                    </a:lnL>
-                    <a:lnR w="6350" cap="flat" cmpd="sng" algn="ctr">
-                      <a:solidFill>
-                        <a:srgbClr val="000000"/>
-                      </a:solidFill>
-                      <a:prstDash val="solid"/>
-                      <a:round/>
-                      <a:headEnd type="none" w="med" len="med"/>
-                      <a:tailEnd type="none" w="med" len="med"/>
-                    </a:lnR>
-                    <a:lnT w="6350" cap="flat" cmpd="sng" algn="ctr">
-                      <a:solidFill>
-                        <a:srgbClr val="000000"/>
-                      </a:solidFill>
-                      <a:prstDash val="solid"/>
-                      <a:round/>
-                      <a:headEnd type="none" w="med" len="med"/>
-                      <a:tailEnd type="none" w="med" len="med"/>
-                    </a:lnT>
-                    <a:lnB w="6350" cap="flat" cmpd="sng" algn="ctr">
-                      <a:solidFill>
-                        <a:srgbClr val="000000"/>
-                      </a:solidFill>
-                      <a:prstDash val="solid"/>
-                      <a:round/>
-                      <a:headEnd type="none" w="med" len="med"/>
-                      <a:tailEnd type="none" w="med" len="med"/>
-                    </a:lnB>
-                  </a:tcPr>
-                </a:tc>
-                <a:tc>
-                  <a:txBody>
-                    <a:bodyPr/>
-                    <a:lstStyle/>
-                    <a:p>
-                      <a:pPr algn="just" rtl="0" fontAlgn="t">
-                        <a:spcBef>
-                          <a:spcPts val="0"/>
-                        </a:spcBef>
-                        <a:spcAft>
-                          <a:spcPts val="600"/>
-                        </a:spcAft>
-                      </a:pPr>
-                      <a:r>
-                        <a:rPr lang="es-CO" sz="1000" b="0" i="0" u="none" strike="noStrike">
-                          <a:solidFill>
-                            <a:srgbClr val="000000"/>
-                          </a:solidFill>
-                          <a:effectLst/>
-                          <a:latin typeface="Times New Roman" panose="02020603050405020304" pitchFamily="18" charset="0"/>
-                        </a:rPr>
-                        <a:t>Worst Case Complexity</a:t>
-                      </a:r>
-                      <a:endParaRPr lang="es-CO">
-                        <a:effectLst/>
-                      </a:endParaRPr>
-                    </a:p>
-                  </a:txBody>
-                  <a:tcPr marL="68580" marR="68580">
-                    <a:lnL w="6350" cap="flat" cmpd="sng" algn="ctr">
-                      <a:solidFill>
-                        <a:srgbClr val="000000"/>
-                      </a:solidFill>
-                      <a:prstDash val="solid"/>
-                      <a:round/>
-                      <a:headEnd type="none" w="med" len="med"/>
-                      <a:tailEnd type="none" w="med" len="med"/>
-                    </a:lnL>
-                    <a:lnR w="6350" cap="flat" cmpd="sng" algn="ctr">
-                      <a:solidFill>
-                        <a:srgbClr val="000000"/>
-                      </a:solidFill>
-                      <a:prstDash val="solid"/>
-                      <a:round/>
-                      <a:headEnd type="none" w="med" len="med"/>
-                      <a:tailEnd type="none" w="med" len="med"/>
-                    </a:lnR>
-                    <a:lnT w="6350" cap="flat" cmpd="sng" algn="ctr">
-                      <a:solidFill>
-                        <a:srgbClr val="000000"/>
-                      </a:solidFill>
-                      <a:prstDash val="solid"/>
-                      <a:round/>
-                      <a:headEnd type="none" w="med" len="med"/>
-                      <a:tailEnd type="none" w="med" len="med"/>
-                    </a:lnT>
-                    <a:lnB w="6350" cap="flat" cmpd="sng" algn="ctr">
-                      <a:solidFill>
-                        <a:srgbClr val="000000"/>
-                      </a:solidFill>
-                      <a:prstDash val="solid"/>
-                      <a:round/>
-                      <a:headEnd type="none" w="med" len="med"/>
-                      <a:tailEnd type="none" w="med" len="med"/>
-                    </a:lnB>
-                  </a:tcPr>
-                </a:tc>
-                <a:tc>
-                  <a:txBody>
-                    <a:bodyPr/>
-                    <a:lstStyle/>
-                    <a:p>
-                      <a:pPr algn="just" rtl="0" fontAlgn="t">
-                        <a:spcBef>
-                          <a:spcPts val="0"/>
-                        </a:spcBef>
-                        <a:spcAft>
-                          <a:spcPts val="600"/>
-                        </a:spcAft>
-                      </a:pPr>
-                      <a:r>
-                        <a:rPr lang="es-CO" sz="1000" b="0" i="0" u="none" strike="noStrike">
-                          <a:solidFill>
-                            <a:srgbClr val="000000"/>
-                          </a:solidFill>
-                          <a:effectLst/>
-                          <a:latin typeface="Times New Roman" panose="02020603050405020304" pitchFamily="18" charset="0"/>
-                        </a:rPr>
-                        <a:t>Explanation of the variables</a:t>
-                      </a:r>
-                      <a:endParaRPr lang="es-CO">
-                        <a:effectLst/>
-                      </a:endParaRPr>
-                    </a:p>
-                  </a:txBody>
-                  <a:tcPr marL="68580" marR="68580">
-                    <a:lnL w="6350" cap="flat" cmpd="sng" algn="ctr">
-                      <a:solidFill>
-                        <a:srgbClr val="000000"/>
-                      </a:solidFill>
-                      <a:prstDash val="solid"/>
-                      <a:round/>
-                      <a:headEnd type="none" w="med" len="med"/>
-                      <a:tailEnd type="none" w="med" len="med"/>
-                    </a:lnL>
-                    <a:lnR w="6350" cap="flat" cmpd="sng" algn="ctr">
-                      <a:solidFill>
-                        <a:srgbClr val="000000"/>
-                      </a:solidFill>
-                      <a:prstDash val="solid"/>
-                      <a:round/>
-                      <a:headEnd type="none" w="med" len="med"/>
-                      <a:tailEnd type="none" w="med" len="med"/>
-                    </a:lnR>
-                    <a:lnT w="6350" cap="flat" cmpd="sng" algn="ctr">
-                      <a:solidFill>
-                        <a:srgbClr val="000000"/>
-                      </a:solidFill>
-                      <a:prstDash val="solid"/>
-                      <a:round/>
-                      <a:headEnd type="none" w="med" len="med"/>
-                      <a:tailEnd type="none" w="med" len="med"/>
-                    </a:lnT>
-                    <a:lnB w="6350" cap="flat" cmpd="sng" algn="ctr">
-                      <a:solidFill>
-                        <a:srgbClr val="000000"/>
-                      </a:solidFill>
-                      <a:prstDash val="solid"/>
-                      <a:round/>
-                      <a:headEnd type="none" w="med" len="med"/>
-                      <a:tailEnd type="none" w="med" len="med"/>
-                    </a:lnB>
-                  </a:tcPr>
-                </a:tc>
-                <a:extLst>
-                  <a:ext uri="{0D108BD9-81ED-4DB2-BD59-A6C34878D82A}">
-                    <a16:rowId xmlns:a16="http://schemas.microsoft.com/office/drawing/2014/main" val="1725603636"/>
-                  </a:ext>
-                </a:extLst>
-              </a:tr>
-              <a:tr h="0">
-                <a:tc>
-                  <a:txBody>
-                    <a:bodyPr/>
-                    <a:lstStyle/>
-                    <a:p>
-                      <a:pPr algn="just" rtl="0" fontAlgn="t">
-                        <a:spcBef>
-                          <a:spcPts val="0"/>
-                        </a:spcBef>
-                        <a:spcAft>
-                          <a:spcPts val="600"/>
-                        </a:spcAft>
-                      </a:pPr>
-                      <a:r>
-                        <a:rPr lang="es-CO" sz="1000" b="0" i="0" u="none" strike="noStrike">
-                          <a:solidFill>
-                            <a:srgbClr val="000000"/>
-                          </a:solidFill>
-                          <a:effectLst/>
-                          <a:latin typeface="Times New Roman" panose="02020603050405020304" pitchFamily="18" charset="0"/>
-                        </a:rPr>
-                        <a:t>buildMatrix</a:t>
-                      </a:r>
-                      <a:endParaRPr lang="es-CO">
-                        <a:effectLst/>
-                      </a:endParaRPr>
-                    </a:p>
-                  </a:txBody>
-                  <a:tcPr marL="68580" marR="68580">
-                    <a:lnL w="6350" cap="flat" cmpd="sng" algn="ctr">
-                      <a:solidFill>
-                        <a:srgbClr val="000000"/>
-                      </a:solidFill>
-                      <a:prstDash val="solid"/>
-                      <a:round/>
-                      <a:headEnd type="none" w="med" len="med"/>
-                      <a:tailEnd type="none" w="med" len="med"/>
-                    </a:lnL>
-                    <a:lnR w="6350" cap="flat" cmpd="sng" algn="ctr">
-                      <a:solidFill>
-                        <a:srgbClr val="000000"/>
-                      </a:solidFill>
-                      <a:prstDash val="solid"/>
-                      <a:round/>
-                      <a:headEnd type="none" w="med" len="med"/>
-                      <a:tailEnd type="none" w="med" len="med"/>
-                    </a:lnR>
-                    <a:lnT w="6350" cap="flat" cmpd="sng" algn="ctr">
-                      <a:solidFill>
-                        <a:srgbClr val="000000"/>
-                      </a:solidFill>
-                      <a:prstDash val="solid"/>
-                      <a:round/>
-                      <a:headEnd type="none" w="med" len="med"/>
-                      <a:tailEnd type="none" w="med" len="med"/>
-                    </a:lnT>
-                    <a:lnB w="6350" cap="flat" cmpd="sng" algn="ctr">
-                      <a:solidFill>
-                        <a:srgbClr val="000000"/>
-                      </a:solidFill>
-                      <a:prstDash val="solid"/>
-                      <a:round/>
-                      <a:headEnd type="none" w="med" len="med"/>
-                      <a:tailEnd type="none" w="med" len="med"/>
-                    </a:lnB>
-                  </a:tcPr>
-                </a:tc>
-                <a:tc>
-                  <a:txBody>
-                    <a:bodyPr/>
-                    <a:lstStyle/>
-                    <a:p>
-                      <a:pPr algn="just" rtl="0" fontAlgn="t">
-                        <a:spcBef>
-                          <a:spcPts val="0"/>
-                        </a:spcBef>
-                        <a:spcAft>
-                          <a:spcPts val="600"/>
-                        </a:spcAft>
-                      </a:pPr>
-                      <a:r>
-                        <a:rPr lang="es-CO" sz="1000" b="0" i="0" u="none" strike="noStrike">
-                          <a:solidFill>
-                            <a:srgbClr val="000000"/>
-                          </a:solidFill>
-                          <a:effectLst/>
-                          <a:latin typeface="Times New Roman" panose="02020603050405020304" pitchFamily="18" charset="0"/>
-                        </a:rPr>
-                        <a:t>O(n)</a:t>
-                      </a:r>
-                      <a:endParaRPr lang="es-CO">
-                        <a:effectLst/>
-                      </a:endParaRPr>
-                    </a:p>
-                  </a:txBody>
-                  <a:tcPr marL="68580" marR="68580">
-                    <a:lnL w="6350" cap="flat" cmpd="sng" algn="ctr">
-                      <a:solidFill>
-                        <a:srgbClr val="000000"/>
-                      </a:solidFill>
-                      <a:prstDash val="solid"/>
-                      <a:round/>
-                      <a:headEnd type="none" w="med" len="med"/>
-                      <a:tailEnd type="none" w="med" len="med"/>
-                    </a:lnL>
-                    <a:lnR w="6350" cap="flat" cmpd="sng" algn="ctr">
-                      <a:solidFill>
-                        <a:srgbClr val="000000"/>
-                      </a:solidFill>
-                      <a:prstDash val="solid"/>
-                      <a:round/>
-                      <a:headEnd type="none" w="med" len="med"/>
-                      <a:tailEnd type="none" w="med" len="med"/>
-                    </a:lnR>
-                    <a:lnT w="6350" cap="flat" cmpd="sng" algn="ctr">
-                      <a:solidFill>
-                        <a:srgbClr val="000000"/>
-                      </a:solidFill>
-                      <a:prstDash val="solid"/>
-                      <a:round/>
-                      <a:headEnd type="none" w="med" len="med"/>
-                      <a:tailEnd type="none" w="med" len="med"/>
-                    </a:lnT>
-                    <a:lnB w="6350" cap="flat" cmpd="sng" algn="ctr">
-                      <a:solidFill>
-                        <a:srgbClr val="000000"/>
-                      </a:solidFill>
-                      <a:prstDash val="solid"/>
-                      <a:round/>
-                      <a:headEnd type="none" w="med" len="med"/>
-                      <a:tailEnd type="none" w="med" len="med"/>
-                    </a:lnB>
-                  </a:tcPr>
-                </a:tc>
-                <a:tc>
-                  <a:txBody>
-                    <a:bodyPr/>
-                    <a:lstStyle/>
-                    <a:p>
-                      <a:pPr algn="just" rtl="0" fontAlgn="t">
-                        <a:spcBef>
-                          <a:spcPts val="0"/>
-                        </a:spcBef>
-                        <a:spcAft>
-                          <a:spcPts val="600"/>
-                        </a:spcAft>
-                      </a:pPr>
-                      <a:r>
-                        <a:rPr lang="es-CO" sz="1000" b="0" i="0" u="none" strike="noStrike">
-                          <a:solidFill>
-                            <a:srgbClr val="000000"/>
-                          </a:solidFill>
-                          <a:effectLst/>
-                          <a:latin typeface="Times New Roman" panose="02020603050405020304" pitchFamily="18" charset="0"/>
-                        </a:rPr>
-                        <a:t>O(n)</a:t>
-                      </a:r>
-                      <a:endParaRPr lang="es-CO">
-                        <a:effectLst/>
-                      </a:endParaRPr>
-                    </a:p>
-                  </a:txBody>
-                  <a:tcPr marL="68580" marR="68580">
-                    <a:lnL w="6350" cap="flat" cmpd="sng" algn="ctr">
-                      <a:solidFill>
-                        <a:srgbClr val="000000"/>
-                      </a:solidFill>
-                      <a:prstDash val="solid"/>
-                      <a:round/>
-                      <a:headEnd type="none" w="med" len="med"/>
-                      <a:tailEnd type="none" w="med" len="med"/>
-                    </a:lnL>
-                    <a:lnR w="6350" cap="flat" cmpd="sng" algn="ctr">
-                      <a:solidFill>
-                        <a:srgbClr val="000000"/>
-                      </a:solidFill>
-                      <a:prstDash val="solid"/>
-                      <a:round/>
-                      <a:headEnd type="none" w="med" len="med"/>
-                      <a:tailEnd type="none" w="med" len="med"/>
-                    </a:lnR>
-                    <a:lnT w="6350" cap="flat" cmpd="sng" algn="ctr">
-                      <a:solidFill>
-                        <a:srgbClr val="000000"/>
-                      </a:solidFill>
-                      <a:prstDash val="solid"/>
-                      <a:round/>
-                      <a:headEnd type="none" w="med" len="med"/>
-                      <a:tailEnd type="none" w="med" len="med"/>
-                    </a:lnT>
-                    <a:lnB w="6350" cap="flat" cmpd="sng" algn="ctr">
-                      <a:solidFill>
-                        <a:srgbClr val="000000"/>
-                      </a:solidFill>
-                      <a:prstDash val="solid"/>
-                      <a:round/>
-                      <a:headEnd type="none" w="med" len="med"/>
-                      <a:tailEnd type="none" w="med" len="med"/>
-                    </a:lnB>
-                  </a:tcPr>
-                </a:tc>
-                <a:tc>
-                  <a:txBody>
-                    <a:bodyPr/>
-                    <a:lstStyle/>
-                    <a:p>
-                      <a:pPr algn="just" rtl="0" fontAlgn="t">
-                        <a:spcBef>
-                          <a:spcPts val="0"/>
-                        </a:spcBef>
-                        <a:spcAft>
-                          <a:spcPts val="600"/>
-                        </a:spcAft>
-                      </a:pPr>
-                      <a:r>
-                        <a:rPr lang="en-US" sz="1000" b="0" i="0" u="none" strike="noStrike">
-                          <a:solidFill>
-                            <a:srgbClr val="000000"/>
-                          </a:solidFill>
-                          <a:effectLst/>
-                          <a:latin typeface="Times New Roman" panose="02020603050405020304" pitchFamily="18" charset="0"/>
-                        </a:rPr>
-                        <a:t>n is the amount of bees</a:t>
-                      </a:r>
-                      <a:endParaRPr lang="en-US">
-                        <a:effectLst/>
-                      </a:endParaRPr>
-                    </a:p>
-                  </a:txBody>
-                  <a:tcPr marL="68580" marR="68580">
-                    <a:lnL w="6350" cap="flat" cmpd="sng" algn="ctr">
-                      <a:solidFill>
-                        <a:srgbClr val="000000"/>
-                      </a:solidFill>
-                      <a:prstDash val="solid"/>
-                      <a:round/>
-                      <a:headEnd type="none" w="med" len="med"/>
-                      <a:tailEnd type="none" w="med" len="med"/>
-                    </a:lnL>
-                    <a:lnR w="6350" cap="flat" cmpd="sng" algn="ctr">
-                      <a:solidFill>
-                        <a:srgbClr val="000000"/>
-                      </a:solidFill>
-                      <a:prstDash val="solid"/>
-                      <a:round/>
-                      <a:headEnd type="none" w="med" len="med"/>
-                      <a:tailEnd type="none" w="med" len="med"/>
-                    </a:lnR>
-                    <a:lnT w="6350" cap="flat" cmpd="sng" algn="ctr">
-                      <a:solidFill>
-                        <a:srgbClr val="000000"/>
-                      </a:solidFill>
-                      <a:prstDash val="solid"/>
-                      <a:round/>
-                      <a:headEnd type="none" w="med" len="med"/>
-                      <a:tailEnd type="none" w="med" len="med"/>
-                    </a:lnT>
-                    <a:lnB w="6350" cap="flat" cmpd="sng" algn="ctr">
-                      <a:solidFill>
-                        <a:srgbClr val="000000"/>
-                      </a:solidFill>
-                      <a:prstDash val="solid"/>
-                      <a:round/>
-                      <a:headEnd type="none" w="med" len="med"/>
-                      <a:tailEnd type="none" w="med" len="med"/>
-                    </a:lnB>
-                  </a:tcPr>
-                </a:tc>
-                <a:extLst>
-                  <a:ext uri="{0D108BD9-81ED-4DB2-BD59-A6C34878D82A}">
-                    <a16:rowId xmlns:a16="http://schemas.microsoft.com/office/drawing/2014/main" val="716031589"/>
-                  </a:ext>
-                </a:extLst>
-              </a:tr>
-              <a:tr h="0">
-                <a:tc>
-                  <a:txBody>
-                    <a:bodyPr/>
-                    <a:lstStyle/>
-                    <a:p>
-                      <a:pPr algn="just" rtl="0" fontAlgn="t">
-                        <a:spcBef>
-                          <a:spcPts val="0"/>
-                        </a:spcBef>
-                        <a:spcAft>
-                          <a:spcPts val="600"/>
-                        </a:spcAft>
-                      </a:pPr>
-                      <a:r>
-                        <a:rPr lang="es-CO" sz="1000" b="0" i="0" u="none" strike="noStrike">
-                          <a:solidFill>
-                            <a:srgbClr val="000000"/>
-                          </a:solidFill>
-                          <a:effectLst/>
-                          <a:latin typeface="Times New Roman" panose="02020603050405020304" pitchFamily="18" charset="0"/>
-                        </a:rPr>
-                        <a:t>detectCollision</a:t>
-                      </a:r>
-                      <a:endParaRPr lang="es-CO">
-                        <a:effectLst/>
-                      </a:endParaRPr>
-                    </a:p>
-                  </a:txBody>
-                  <a:tcPr marL="68580" marR="68580">
-                    <a:lnL w="6350" cap="flat" cmpd="sng" algn="ctr">
-                      <a:solidFill>
-                        <a:srgbClr val="000000"/>
-                      </a:solidFill>
-                      <a:prstDash val="solid"/>
-                      <a:round/>
-                      <a:headEnd type="none" w="med" len="med"/>
-                      <a:tailEnd type="none" w="med" len="med"/>
-                    </a:lnL>
-                    <a:lnR w="6350" cap="flat" cmpd="sng" algn="ctr">
-                      <a:solidFill>
-                        <a:srgbClr val="000000"/>
-                      </a:solidFill>
-                      <a:prstDash val="solid"/>
-                      <a:round/>
-                      <a:headEnd type="none" w="med" len="med"/>
-                      <a:tailEnd type="none" w="med" len="med"/>
-                    </a:lnR>
-                    <a:lnT w="6350" cap="flat" cmpd="sng" algn="ctr">
-                      <a:solidFill>
-                        <a:srgbClr val="000000"/>
-                      </a:solidFill>
-                      <a:prstDash val="solid"/>
-                      <a:round/>
-                      <a:headEnd type="none" w="med" len="med"/>
-                      <a:tailEnd type="none" w="med" len="med"/>
-                    </a:lnT>
-                    <a:lnB w="6350" cap="flat" cmpd="sng" algn="ctr">
-                      <a:solidFill>
-                        <a:srgbClr val="000000"/>
-                      </a:solidFill>
-                      <a:prstDash val="solid"/>
-                      <a:round/>
-                      <a:headEnd type="none" w="med" len="med"/>
-                      <a:tailEnd type="none" w="med" len="med"/>
-                    </a:lnB>
-                  </a:tcPr>
-                </a:tc>
-                <a:tc>
-                  <a:txBody>
-                    <a:bodyPr/>
-                    <a:lstStyle/>
-                    <a:p>
-                      <a:pPr algn="just" rtl="0" fontAlgn="t">
-                        <a:spcBef>
-                          <a:spcPts val="0"/>
-                        </a:spcBef>
-                        <a:spcAft>
-                          <a:spcPts val="600"/>
-                        </a:spcAft>
-                      </a:pPr>
-                      <a:r>
-                        <a:rPr lang="es-CO" sz="1000" b="0" i="0" u="none" strike="noStrike">
-                          <a:solidFill>
-                            <a:srgbClr val="000000"/>
-                          </a:solidFill>
-                          <a:effectLst/>
-                          <a:latin typeface="Times New Roman" panose="02020603050405020304" pitchFamily="18" charset="0"/>
-                        </a:rPr>
-                        <a:t>O(xyz)</a:t>
-                      </a:r>
-                      <a:endParaRPr lang="es-CO">
-                        <a:effectLst/>
-                      </a:endParaRPr>
-                    </a:p>
-                  </a:txBody>
-                  <a:tcPr marL="68580" marR="68580">
-                    <a:lnL w="6350" cap="flat" cmpd="sng" algn="ctr">
-                      <a:solidFill>
-                        <a:srgbClr val="000000"/>
-                      </a:solidFill>
-                      <a:prstDash val="solid"/>
-                      <a:round/>
-                      <a:headEnd type="none" w="med" len="med"/>
-                      <a:tailEnd type="none" w="med" len="med"/>
-                    </a:lnL>
-                    <a:lnR w="6350" cap="flat" cmpd="sng" algn="ctr">
-                      <a:solidFill>
-                        <a:srgbClr val="000000"/>
-                      </a:solidFill>
-                      <a:prstDash val="solid"/>
-                      <a:round/>
-                      <a:headEnd type="none" w="med" len="med"/>
-                      <a:tailEnd type="none" w="med" len="med"/>
-                    </a:lnR>
-                    <a:lnT w="6350" cap="flat" cmpd="sng" algn="ctr">
-                      <a:solidFill>
-                        <a:srgbClr val="000000"/>
-                      </a:solidFill>
-                      <a:prstDash val="solid"/>
-                      <a:round/>
-                      <a:headEnd type="none" w="med" len="med"/>
-                      <a:tailEnd type="none" w="med" len="med"/>
-                    </a:lnT>
-                    <a:lnB w="6350" cap="flat" cmpd="sng" algn="ctr">
-                      <a:solidFill>
-                        <a:srgbClr val="000000"/>
-                      </a:solidFill>
-                      <a:prstDash val="solid"/>
-                      <a:round/>
-                      <a:headEnd type="none" w="med" len="med"/>
-                      <a:tailEnd type="none" w="med" len="med"/>
-                    </a:lnB>
-                  </a:tcPr>
-                </a:tc>
-                <a:tc>
-                  <a:txBody>
-                    <a:bodyPr/>
-                    <a:lstStyle/>
-                    <a:p>
-                      <a:pPr algn="just" rtl="0" fontAlgn="t">
-                        <a:spcBef>
-                          <a:spcPts val="0"/>
-                        </a:spcBef>
-                        <a:spcAft>
-                          <a:spcPts val="600"/>
-                        </a:spcAft>
-                      </a:pPr>
-                      <a:r>
-                        <a:rPr lang="es-CO" sz="1000" b="0" i="0" u="none" strike="noStrike">
-                          <a:solidFill>
-                            <a:srgbClr val="000000"/>
-                          </a:solidFill>
-                          <a:effectLst/>
-                          <a:latin typeface="Times New Roman" panose="02020603050405020304" pitchFamily="18" charset="0"/>
-                        </a:rPr>
-                        <a:t>O(xyz)</a:t>
-                      </a:r>
-                      <a:endParaRPr lang="es-CO">
-                        <a:effectLst/>
-                      </a:endParaRPr>
-                    </a:p>
-                  </a:txBody>
-                  <a:tcPr marL="68580" marR="68580">
-                    <a:lnL w="6350" cap="flat" cmpd="sng" algn="ctr">
-                      <a:solidFill>
-                        <a:srgbClr val="000000"/>
-                      </a:solidFill>
-                      <a:prstDash val="solid"/>
-                      <a:round/>
-                      <a:headEnd type="none" w="med" len="med"/>
-                      <a:tailEnd type="none" w="med" len="med"/>
-                    </a:lnL>
-                    <a:lnR w="6350" cap="flat" cmpd="sng" algn="ctr">
-                      <a:solidFill>
-                        <a:srgbClr val="000000"/>
-                      </a:solidFill>
-                      <a:prstDash val="solid"/>
-                      <a:round/>
-                      <a:headEnd type="none" w="med" len="med"/>
-                      <a:tailEnd type="none" w="med" len="med"/>
-                    </a:lnR>
-                    <a:lnT w="6350" cap="flat" cmpd="sng" algn="ctr">
-                      <a:solidFill>
-                        <a:srgbClr val="000000"/>
-                      </a:solidFill>
-                      <a:prstDash val="solid"/>
-                      <a:round/>
-                      <a:headEnd type="none" w="med" len="med"/>
-                      <a:tailEnd type="none" w="med" len="med"/>
-                    </a:lnT>
-                    <a:lnB w="6350" cap="flat" cmpd="sng" algn="ctr">
-                      <a:solidFill>
-                        <a:srgbClr val="000000"/>
-                      </a:solidFill>
-                      <a:prstDash val="solid"/>
-                      <a:round/>
-                      <a:headEnd type="none" w="med" len="med"/>
-                      <a:tailEnd type="none" w="med" len="med"/>
-                    </a:lnB>
-                  </a:tcPr>
-                </a:tc>
-                <a:tc>
-                  <a:txBody>
-                    <a:bodyPr/>
-                    <a:lstStyle/>
-                    <a:p>
-                      <a:pPr algn="just" rtl="0" fontAlgn="t">
-                        <a:spcBef>
-                          <a:spcPts val="0"/>
-                        </a:spcBef>
-                        <a:spcAft>
-                          <a:spcPts val="600"/>
-                        </a:spcAft>
-                      </a:pPr>
-                      <a:r>
-                        <a:rPr lang="en-US" sz="1000" b="0" i="0" u="none" strike="noStrike" dirty="0">
-                          <a:solidFill>
-                            <a:srgbClr val="000000"/>
-                          </a:solidFill>
-                          <a:effectLst/>
-                          <a:latin typeface="Times New Roman" panose="02020603050405020304" pitchFamily="18" charset="0"/>
-                        </a:rPr>
-                        <a:t>x, y and z are the dimensions of the matrix</a:t>
-                      </a:r>
-                      <a:endParaRPr lang="en-US" dirty="0">
-                        <a:effectLst/>
-                      </a:endParaRPr>
-                    </a:p>
-                  </a:txBody>
-                  <a:tcPr marL="68580" marR="68580">
-                    <a:lnL w="6350" cap="flat" cmpd="sng" algn="ctr">
-                      <a:solidFill>
-                        <a:srgbClr val="000000"/>
-                      </a:solidFill>
-                      <a:prstDash val="solid"/>
-                      <a:round/>
-                      <a:headEnd type="none" w="med" len="med"/>
-                      <a:tailEnd type="none" w="med" len="med"/>
-                    </a:lnL>
-                    <a:lnR w="6350" cap="flat" cmpd="sng" algn="ctr">
-                      <a:solidFill>
-                        <a:srgbClr val="000000"/>
-                      </a:solidFill>
-                      <a:prstDash val="solid"/>
-                      <a:round/>
-                      <a:headEnd type="none" w="med" len="med"/>
-                      <a:tailEnd type="none" w="med" len="med"/>
-                    </a:lnR>
-                    <a:lnT w="6350" cap="flat" cmpd="sng" algn="ctr">
-                      <a:solidFill>
-                        <a:srgbClr val="000000"/>
-                      </a:solidFill>
-                      <a:prstDash val="solid"/>
-                      <a:round/>
-                      <a:headEnd type="none" w="med" len="med"/>
-                      <a:tailEnd type="none" w="med" len="med"/>
-                    </a:lnT>
-                    <a:lnB w="6350" cap="flat" cmpd="sng" algn="ctr">
-                      <a:solidFill>
-                        <a:srgbClr val="000000"/>
-                      </a:solidFill>
-                      <a:prstDash val="solid"/>
-                      <a:round/>
-                      <a:headEnd type="none" w="med" len="med"/>
-                      <a:tailEnd type="none" w="med" len="med"/>
-                    </a:lnB>
-                  </a:tcPr>
-                </a:tc>
-                <a:extLst>
-                  <a:ext uri="{0D108BD9-81ED-4DB2-BD59-A6C34878D82A}">
-                    <a16:rowId xmlns:a16="http://schemas.microsoft.com/office/drawing/2014/main" val="2974849969"/>
-                  </a:ext>
-                </a:extLst>
-              </a:tr>
-            </a:tbl>
-          </a:graphicData>
-        </a:graphic>
-      </p:graphicFrame>
-      <p:sp>
-        <p:nvSpPr>
-          <p:cNvPr id="3" name="Rectangle 5">
-            <a:extLst>
-              <a:ext uri="{FF2B5EF4-FFF2-40B4-BE49-F238E27FC236}">
-                <a16:creationId xmlns:a16="http://schemas.microsoft.com/office/drawing/2014/main" id="{12CD8F3A-1A17-4897-A686-F136D58ABF36}"/>
+                <a16:creationId xmlns:a16="http://schemas.microsoft.com/office/drawing/2014/main" id="{9FDAB741-5603-4601-B2AD-608CEDC4BD62}"/>
               </a:ext>
             </a:extLst>
           </p:cNvPr>
@@ -18502,7 +15462,7 @@
         </p:nvSpPr>
         <p:spPr bwMode="auto">
           <a:xfrm>
-            <a:off x="5271718" y="1712266"/>
+            <a:off x="5619288" y="1843380"/>
             <a:ext cx="9144000" cy="457200"/>
           </a:xfrm>
           <a:prstGeom prst="rect">
@@ -18622,10 +15582,10 @@
       </p:sp>
       <p:sp>
         <p:nvSpPr>
-          <p:cNvPr id="4" name="Rectángulo 3">
+          <p:cNvPr id="13" name="Rectángulo 12">
             <a:extLst>
               <a:ext uri="{FF2B5EF4-FFF2-40B4-BE49-F238E27FC236}">
-                <a16:creationId xmlns:a16="http://schemas.microsoft.com/office/drawing/2014/main" id="{DF9085EA-8F32-402F-8B9A-46509955D2A4}"/>
+                <a16:creationId xmlns:a16="http://schemas.microsoft.com/office/drawing/2014/main" id="{2B5CC1B8-B212-4614-B992-999B024BAF84}"/>
               </a:ext>
             </a:extLst>
           </p:cNvPr>
@@ -18634,8 +15594,8 @@
         </p:nvSpPr>
         <p:spPr>
           <a:xfrm>
-            <a:off x="-1081889" y="4342810"/>
-            <a:ext cx="4572000" cy="877163"/>
+            <a:off x="465199" y="4474345"/>
+            <a:ext cx="4572000" cy="969496"/>
           </a:xfrm>
           <a:prstGeom prst="rect">
             <a:avLst/>
@@ -18653,24 +15613,33 @@
               </a:spcAft>
             </a:pPr>
             <a:r>
-              <a:rPr lang="es-CO" sz="1000" b="1" dirty="0">
+              <a:rPr lang="es-CO" sz="1400" b="1" dirty="0">
                 <a:solidFill>
                   <a:srgbClr val="000000"/>
                 </a:solidFill>
                 <a:latin typeface="Times New Roman" panose="02020603050405020304" pitchFamily="18" charset="0"/>
               </a:rPr>
-              <a:t>Figure 3: </a:t>
-            </a:r>
-            <a:r>
-              <a:rPr lang="es-CO" sz="1000" dirty="0" err="1">
+              <a:t>Figure: </a:t>
+            </a:r>
+            <a:r>
+              <a:rPr lang="es-CO" sz="1400" dirty="0">
                 <a:solidFill>
                   <a:srgbClr val="000000"/>
                 </a:solidFill>
                 <a:latin typeface="Times New Roman" panose="02020603050405020304" pitchFamily="18" charset="0"/>
               </a:rPr>
-              <a:t>buildMatrix</a:t>
-            </a:r>
-            <a:endParaRPr lang="es-CO" sz="1000" b="0" dirty="0">
+              <a:t>Time </a:t>
+            </a:r>
+            <a:r>
+              <a:rPr lang="es-CO" sz="1400" dirty="0" err="1">
+                <a:solidFill>
+                  <a:srgbClr val="000000"/>
+                </a:solidFill>
+                <a:latin typeface="Times New Roman" panose="02020603050405020304" pitchFamily="18" charset="0"/>
+              </a:rPr>
+              <a:t>Consumption</a:t>
+            </a:r>
+            <a:endParaRPr lang="es-CO" sz="1400" b="0" dirty="0">
               <a:effectLst/>
             </a:endParaRPr>
           </a:p>
@@ -18684,10 +15653,10 @@
       </p:sp>
       <p:sp>
         <p:nvSpPr>
-          <p:cNvPr id="5" name="Rectángulo 4">
+          <p:cNvPr id="14" name="Rectángulo 13">
             <a:extLst>
               <a:ext uri="{FF2B5EF4-FFF2-40B4-BE49-F238E27FC236}">
-                <a16:creationId xmlns:a16="http://schemas.microsoft.com/office/drawing/2014/main" id="{8BDE87EE-49E4-4147-9343-231260AAEF2B}"/>
+                <a16:creationId xmlns:a16="http://schemas.microsoft.com/office/drawing/2014/main" id="{7A3FAD75-3C51-4E20-9BA1-B372E7C7D9D1}"/>
               </a:ext>
             </a:extLst>
           </p:cNvPr>
@@ -18696,8 +15665,8 @@
         </p:nvSpPr>
         <p:spPr>
           <a:xfrm>
-            <a:off x="1424866" y="4342810"/>
-            <a:ext cx="4572000" cy="877163"/>
+            <a:off x="4736926" y="3893414"/>
+            <a:ext cx="4572000" cy="969496"/>
           </a:xfrm>
           <a:prstGeom prst="rect">
             <a:avLst/>
@@ -18715,24 +15684,33 @@
               </a:spcAft>
             </a:pPr>
             <a:r>
-              <a:rPr lang="es-CO" sz="1000" b="1" dirty="0">
+              <a:rPr lang="es-CO" sz="1400" b="1" dirty="0">
                 <a:solidFill>
                   <a:srgbClr val="000000"/>
                 </a:solidFill>
                 <a:latin typeface="Times New Roman" panose="02020603050405020304" pitchFamily="18" charset="0"/>
               </a:rPr>
-              <a:t>Figure 4: </a:t>
-            </a:r>
-            <a:r>
-              <a:rPr lang="es-CO" sz="1000" dirty="0" err="1">
+              <a:t>Table 5: </a:t>
+            </a:r>
+            <a:r>
+              <a:rPr lang="es-CO" sz="1400" dirty="0">
                 <a:solidFill>
                   <a:srgbClr val="000000"/>
                 </a:solidFill>
                 <a:latin typeface="Times New Roman" panose="02020603050405020304" pitchFamily="18" charset="0"/>
               </a:rPr>
-              <a:t>detectCollision</a:t>
-            </a:r>
-            <a:endParaRPr lang="es-CO" sz="1000" b="0" dirty="0">
+              <a:t>Time </a:t>
+            </a:r>
+            <a:r>
+              <a:rPr lang="es-CO" sz="1400" dirty="0" err="1">
+                <a:solidFill>
+                  <a:srgbClr val="000000"/>
+                </a:solidFill>
+                <a:latin typeface="Times New Roman" panose="02020603050405020304" pitchFamily="18" charset="0"/>
+              </a:rPr>
+              <a:t>Consumption</a:t>
+            </a:r>
+            <a:endParaRPr lang="es-CO" sz="1400" b="0" dirty="0">
               <a:effectLst/>
             </a:endParaRPr>
           </a:p>
@@ -18744,22 +15722,1565 @@
           </a:p>
         </p:txBody>
       </p:sp>
-      <p:sp>
-        <p:nvSpPr>
-          <p:cNvPr id="19" name="CustomShape 3">
+      <p:pic>
+        <p:nvPicPr>
+          <p:cNvPr id="5" name="Imagen 4">
             <a:extLst>
               <a:ext uri="{FF2B5EF4-FFF2-40B4-BE49-F238E27FC236}">
-                <a16:creationId xmlns:a16="http://schemas.microsoft.com/office/drawing/2014/main" id="{D77AA269-6660-4B3E-8E76-FC54075635B5}"/>
+                <a16:creationId xmlns:a16="http://schemas.microsoft.com/office/drawing/2014/main" id="{6CEF55F0-40CD-4B81-88C3-70EA3F4B5BFB}"/>
               </a:ext>
             </a:extLst>
           </p:cNvPr>
-          <p:cNvSpPr/>
+          <p:cNvPicPr>
+            <a:picLocks noChangeAspect="1"/>
+          </p:cNvPicPr>
+          <p:nvPr/>
+        </p:nvPicPr>
+        <p:blipFill>
+          <a:blip r:embed="rId2"/>
+          <a:stretch>
+            <a:fillRect/>
+          </a:stretch>
+        </p:blipFill>
+        <p:spPr>
+          <a:xfrm>
+            <a:off x="329523" y="1615414"/>
+            <a:ext cx="4345486" cy="2568466"/>
+          </a:xfrm>
+          <a:prstGeom prst="rect">
+            <a:avLst/>
+          </a:prstGeom>
+        </p:spPr>
+      </p:pic>
+      <p:graphicFrame>
+        <p:nvGraphicFramePr>
+          <p:cNvPr id="6" name="Tabla 5">
+            <a:extLst>
+              <a:ext uri="{FF2B5EF4-FFF2-40B4-BE49-F238E27FC236}">
+                <a16:creationId xmlns:a16="http://schemas.microsoft.com/office/drawing/2014/main" id="{9EB76A2C-F840-42B7-992B-6538F857EAB6}"/>
+              </a:ext>
+            </a:extLst>
+          </p:cNvPr>
+          <p:cNvGraphicFramePr>
+            <a:graphicFrameLocks noGrp="1"/>
+          </p:cNvGraphicFramePr>
+          <p:nvPr>
+            <p:extLst>
+              <p:ext uri="{D42A27DB-BD31-4B8C-83A1-F6EECF244321}">
+                <p14:modId xmlns:p14="http://schemas.microsoft.com/office/powerpoint/2010/main" val="640357269"/>
+              </p:ext>
+            </p:extLst>
+          </p:nvPr>
+        </p:nvGraphicFramePr>
+        <p:xfrm>
+          <a:off x="5451301" y="2046207"/>
+          <a:ext cx="3143250" cy="1706880"/>
+        </p:xfrm>
+        <a:graphic>
+          <a:graphicData uri="http://schemas.openxmlformats.org/drawingml/2006/table">
+            <a:tbl>
+              <a:tblPr/>
+              <a:tblGrid>
+                <a:gridCol w="1047750">
+                  <a:extLst>
+                    <a:ext uri="{9D8B030D-6E8A-4147-A177-3AD203B41FA5}">
+                      <a16:colId xmlns:a16="http://schemas.microsoft.com/office/drawing/2014/main" val="2827327340"/>
+                    </a:ext>
+                  </a:extLst>
+                </a:gridCol>
+                <a:gridCol w="1047750">
+                  <a:extLst>
+                    <a:ext uri="{9D8B030D-6E8A-4147-A177-3AD203B41FA5}">
+                      <a16:colId xmlns:a16="http://schemas.microsoft.com/office/drawing/2014/main" val="4128649466"/>
+                    </a:ext>
+                  </a:extLst>
+                </a:gridCol>
+                <a:gridCol w="1047750">
+                  <a:extLst>
+                    <a:ext uri="{9D8B030D-6E8A-4147-A177-3AD203B41FA5}">
+                      <a16:colId xmlns:a16="http://schemas.microsoft.com/office/drawing/2014/main" val="1018317003"/>
+                    </a:ext>
+                  </a:extLst>
+                </a:gridCol>
+              </a:tblGrid>
+              <a:tr h="0">
+                <a:tc>
+                  <a:txBody>
+                    <a:bodyPr/>
+                    <a:lstStyle/>
+                    <a:p>
+                      <a:pPr algn="just" rtl="0" fontAlgn="t">
+                        <a:spcBef>
+                          <a:spcPts val="0"/>
+                        </a:spcBef>
+                        <a:spcAft>
+                          <a:spcPts val="600"/>
+                        </a:spcAft>
+                      </a:pPr>
+                      <a:r>
+                        <a:rPr lang="es-CO" sz="1000" b="0" i="0" u="none" strike="noStrike">
+                          <a:solidFill>
+                            <a:srgbClr val="000000"/>
+                          </a:solidFill>
+                          <a:effectLst/>
+                          <a:latin typeface="Times New Roman" panose="02020603050405020304" pitchFamily="18" charset="0"/>
+                        </a:rPr>
+                        <a:t>DataSets</a:t>
+                      </a:r>
+                      <a:endParaRPr lang="es-CO">
+                        <a:effectLst/>
+                      </a:endParaRPr>
+                    </a:p>
+                  </a:txBody>
+                  <a:tcPr marL="68580" marR="68580">
+                    <a:lnL w="6350" cap="flat" cmpd="sng" algn="ctr">
+                      <a:solidFill>
+                        <a:srgbClr val="000000"/>
+                      </a:solidFill>
+                      <a:prstDash val="solid"/>
+                      <a:round/>
+                      <a:headEnd type="none" w="med" len="med"/>
+                      <a:tailEnd type="none" w="med" len="med"/>
+                    </a:lnL>
+                    <a:lnR w="6350" cap="flat" cmpd="sng" algn="ctr">
+                      <a:solidFill>
+                        <a:srgbClr val="000000"/>
+                      </a:solidFill>
+                      <a:prstDash val="solid"/>
+                      <a:round/>
+                      <a:headEnd type="none" w="med" len="med"/>
+                      <a:tailEnd type="none" w="med" len="med"/>
+                    </a:lnR>
+                    <a:lnT w="6350" cap="flat" cmpd="sng" algn="ctr">
+                      <a:solidFill>
+                        <a:srgbClr val="000000"/>
+                      </a:solidFill>
+                      <a:prstDash val="solid"/>
+                      <a:round/>
+                      <a:headEnd type="none" w="med" len="med"/>
+                      <a:tailEnd type="none" w="med" len="med"/>
+                    </a:lnT>
+                    <a:lnB w="6350" cap="flat" cmpd="sng" algn="ctr">
+                      <a:solidFill>
+                        <a:srgbClr val="000000"/>
+                      </a:solidFill>
+                      <a:prstDash val="solid"/>
+                      <a:round/>
+                      <a:headEnd type="none" w="med" len="med"/>
+                      <a:tailEnd type="none" w="med" len="med"/>
+                    </a:lnB>
+                  </a:tcPr>
+                </a:tc>
+                <a:tc>
+                  <a:txBody>
+                    <a:bodyPr/>
+                    <a:lstStyle/>
+                    <a:p>
+                      <a:pPr algn="just" rtl="0" fontAlgn="t">
+                        <a:spcBef>
+                          <a:spcPts val="0"/>
+                        </a:spcBef>
+                        <a:spcAft>
+                          <a:spcPts val="600"/>
+                        </a:spcAft>
+                      </a:pPr>
+                      <a:r>
+                        <a:rPr lang="es-CO" sz="1000" b="0" i="0" u="none" strike="noStrike">
+                          <a:solidFill>
+                            <a:srgbClr val="000000"/>
+                          </a:solidFill>
+                          <a:effectLst/>
+                          <a:latin typeface="Times New Roman" panose="02020603050405020304" pitchFamily="18" charset="0"/>
+                        </a:rPr>
+                        <a:t>ArrayList</a:t>
+                      </a:r>
+                      <a:endParaRPr lang="es-CO">
+                        <a:effectLst/>
+                      </a:endParaRPr>
+                    </a:p>
+                  </a:txBody>
+                  <a:tcPr marL="68580" marR="68580">
+                    <a:lnL w="6350" cap="flat" cmpd="sng" algn="ctr">
+                      <a:solidFill>
+                        <a:srgbClr val="000000"/>
+                      </a:solidFill>
+                      <a:prstDash val="solid"/>
+                      <a:round/>
+                      <a:headEnd type="none" w="med" len="med"/>
+                      <a:tailEnd type="none" w="med" len="med"/>
+                    </a:lnL>
+                    <a:lnR w="6350" cap="flat" cmpd="sng" algn="ctr">
+                      <a:solidFill>
+                        <a:srgbClr val="000000"/>
+                      </a:solidFill>
+                      <a:prstDash val="solid"/>
+                      <a:round/>
+                      <a:headEnd type="none" w="med" len="med"/>
+                      <a:tailEnd type="none" w="med" len="med"/>
+                    </a:lnR>
+                    <a:lnT w="6350" cap="flat" cmpd="sng" algn="ctr">
+                      <a:solidFill>
+                        <a:srgbClr val="000000"/>
+                      </a:solidFill>
+                      <a:prstDash val="solid"/>
+                      <a:round/>
+                      <a:headEnd type="none" w="med" len="med"/>
+                      <a:tailEnd type="none" w="med" len="med"/>
+                    </a:lnT>
+                    <a:lnB w="6350" cap="flat" cmpd="sng" algn="ctr">
+                      <a:solidFill>
+                        <a:srgbClr val="000000"/>
+                      </a:solidFill>
+                      <a:prstDash val="solid"/>
+                      <a:round/>
+                      <a:headEnd type="none" w="med" len="med"/>
+                      <a:tailEnd type="none" w="med" len="med"/>
+                    </a:lnB>
+                  </a:tcPr>
+                </a:tc>
+                <a:tc>
+                  <a:txBody>
+                    <a:bodyPr/>
+                    <a:lstStyle/>
+                    <a:p>
+                      <a:pPr algn="just" rtl="0" fontAlgn="t">
+                        <a:spcBef>
+                          <a:spcPts val="0"/>
+                        </a:spcBef>
+                        <a:spcAft>
+                          <a:spcPts val="600"/>
+                        </a:spcAft>
+                      </a:pPr>
+                      <a:r>
+                        <a:rPr lang="es-CO" sz="1000" b="0" i="0" u="none" strike="noStrike">
+                          <a:solidFill>
+                            <a:srgbClr val="000000"/>
+                          </a:solidFill>
+                          <a:effectLst/>
+                          <a:latin typeface="Times New Roman" panose="02020603050405020304" pitchFamily="18" charset="0"/>
+                        </a:rPr>
+                        <a:t>Hash Table</a:t>
+                      </a:r>
+                      <a:endParaRPr lang="es-CO">
+                        <a:effectLst/>
+                      </a:endParaRPr>
+                    </a:p>
+                  </a:txBody>
+                  <a:tcPr marL="68580" marR="68580">
+                    <a:lnL w="6350" cap="flat" cmpd="sng" algn="ctr">
+                      <a:solidFill>
+                        <a:srgbClr val="000000"/>
+                      </a:solidFill>
+                      <a:prstDash val="solid"/>
+                      <a:round/>
+                      <a:headEnd type="none" w="med" len="med"/>
+                      <a:tailEnd type="none" w="med" len="med"/>
+                    </a:lnL>
+                    <a:lnR w="6350" cap="flat" cmpd="sng" algn="ctr">
+                      <a:solidFill>
+                        <a:srgbClr val="000000"/>
+                      </a:solidFill>
+                      <a:prstDash val="solid"/>
+                      <a:round/>
+                      <a:headEnd type="none" w="med" len="med"/>
+                      <a:tailEnd type="none" w="med" len="med"/>
+                    </a:lnR>
+                    <a:lnT w="6350" cap="flat" cmpd="sng" algn="ctr">
+                      <a:solidFill>
+                        <a:srgbClr val="000000"/>
+                      </a:solidFill>
+                      <a:prstDash val="solid"/>
+                      <a:round/>
+                      <a:headEnd type="none" w="med" len="med"/>
+                      <a:tailEnd type="none" w="med" len="med"/>
+                    </a:lnT>
+                    <a:lnB w="6350" cap="flat" cmpd="sng" algn="ctr">
+                      <a:solidFill>
+                        <a:srgbClr val="000000"/>
+                      </a:solidFill>
+                      <a:prstDash val="solid"/>
+                      <a:round/>
+                      <a:headEnd type="none" w="med" len="med"/>
+                      <a:tailEnd type="none" w="med" len="med"/>
+                    </a:lnB>
+                  </a:tcPr>
+                </a:tc>
+                <a:extLst>
+                  <a:ext uri="{0D108BD9-81ED-4DB2-BD59-A6C34878D82A}">
+                    <a16:rowId xmlns:a16="http://schemas.microsoft.com/office/drawing/2014/main" val="1471465265"/>
+                  </a:ext>
+                </a:extLst>
+              </a:tr>
+              <a:tr h="0">
+                <a:tc>
+                  <a:txBody>
+                    <a:bodyPr/>
+                    <a:lstStyle/>
+                    <a:p>
+                      <a:pPr algn="just" rtl="0" fontAlgn="t">
+                        <a:spcBef>
+                          <a:spcPts val="0"/>
+                        </a:spcBef>
+                        <a:spcAft>
+                          <a:spcPts val="600"/>
+                        </a:spcAft>
+                      </a:pPr>
+                      <a:r>
+                        <a:rPr lang="es-CO" sz="1000" b="0" i="0" u="none" strike="noStrike">
+                          <a:solidFill>
+                            <a:srgbClr val="000000"/>
+                          </a:solidFill>
+                          <a:effectLst/>
+                          <a:latin typeface="Times New Roman" panose="02020603050405020304" pitchFamily="18" charset="0"/>
+                        </a:rPr>
+                        <a:t>10</a:t>
+                      </a:r>
+                      <a:endParaRPr lang="es-CO">
+                        <a:effectLst/>
+                      </a:endParaRPr>
+                    </a:p>
+                  </a:txBody>
+                  <a:tcPr marL="68580" marR="68580">
+                    <a:lnL w="6350" cap="flat" cmpd="sng" algn="ctr">
+                      <a:solidFill>
+                        <a:srgbClr val="000000"/>
+                      </a:solidFill>
+                      <a:prstDash val="solid"/>
+                      <a:round/>
+                      <a:headEnd type="none" w="med" len="med"/>
+                      <a:tailEnd type="none" w="med" len="med"/>
+                    </a:lnL>
+                    <a:lnR w="6350" cap="flat" cmpd="sng" algn="ctr">
+                      <a:solidFill>
+                        <a:srgbClr val="000000"/>
+                      </a:solidFill>
+                      <a:prstDash val="solid"/>
+                      <a:round/>
+                      <a:headEnd type="none" w="med" len="med"/>
+                      <a:tailEnd type="none" w="med" len="med"/>
+                    </a:lnR>
+                    <a:lnT w="6350" cap="flat" cmpd="sng" algn="ctr">
+                      <a:solidFill>
+                        <a:srgbClr val="000000"/>
+                      </a:solidFill>
+                      <a:prstDash val="solid"/>
+                      <a:round/>
+                      <a:headEnd type="none" w="med" len="med"/>
+                      <a:tailEnd type="none" w="med" len="med"/>
+                    </a:lnT>
+                    <a:lnB w="6350" cap="flat" cmpd="sng" algn="ctr">
+                      <a:solidFill>
+                        <a:srgbClr val="000000"/>
+                      </a:solidFill>
+                      <a:prstDash val="solid"/>
+                      <a:round/>
+                      <a:headEnd type="none" w="med" len="med"/>
+                      <a:tailEnd type="none" w="med" len="med"/>
+                    </a:lnB>
+                  </a:tcPr>
+                </a:tc>
+                <a:tc>
+                  <a:txBody>
+                    <a:bodyPr/>
+                    <a:lstStyle/>
+                    <a:p>
+                      <a:pPr algn="just" rtl="0" fontAlgn="t">
+                        <a:spcBef>
+                          <a:spcPts val="0"/>
+                        </a:spcBef>
+                        <a:spcAft>
+                          <a:spcPts val="600"/>
+                        </a:spcAft>
+                      </a:pPr>
+                      <a:r>
+                        <a:rPr lang="es-CO" sz="1000" b="0" i="0" u="none" strike="noStrike">
+                          <a:solidFill>
+                            <a:srgbClr val="000000"/>
+                          </a:solidFill>
+                          <a:effectLst/>
+                          <a:latin typeface="Times New Roman" panose="02020603050405020304" pitchFamily="18" charset="0"/>
+                        </a:rPr>
+                        <a:t>0 ms</a:t>
+                      </a:r>
+                      <a:endParaRPr lang="es-CO">
+                        <a:effectLst/>
+                      </a:endParaRPr>
+                    </a:p>
+                  </a:txBody>
+                  <a:tcPr marL="68580" marR="68580">
+                    <a:lnL w="6350" cap="flat" cmpd="sng" algn="ctr">
+                      <a:solidFill>
+                        <a:srgbClr val="000000"/>
+                      </a:solidFill>
+                      <a:prstDash val="solid"/>
+                      <a:round/>
+                      <a:headEnd type="none" w="med" len="med"/>
+                      <a:tailEnd type="none" w="med" len="med"/>
+                    </a:lnL>
+                    <a:lnR w="6350" cap="flat" cmpd="sng" algn="ctr">
+                      <a:solidFill>
+                        <a:srgbClr val="000000"/>
+                      </a:solidFill>
+                      <a:prstDash val="solid"/>
+                      <a:round/>
+                      <a:headEnd type="none" w="med" len="med"/>
+                      <a:tailEnd type="none" w="med" len="med"/>
+                    </a:lnR>
+                    <a:lnT w="6350" cap="flat" cmpd="sng" algn="ctr">
+                      <a:solidFill>
+                        <a:srgbClr val="000000"/>
+                      </a:solidFill>
+                      <a:prstDash val="solid"/>
+                      <a:round/>
+                      <a:headEnd type="none" w="med" len="med"/>
+                      <a:tailEnd type="none" w="med" len="med"/>
+                    </a:lnT>
+                    <a:lnB w="6350" cap="flat" cmpd="sng" algn="ctr">
+                      <a:solidFill>
+                        <a:srgbClr val="000000"/>
+                      </a:solidFill>
+                      <a:prstDash val="solid"/>
+                      <a:round/>
+                      <a:headEnd type="none" w="med" len="med"/>
+                      <a:tailEnd type="none" w="med" len="med"/>
+                    </a:lnB>
+                  </a:tcPr>
+                </a:tc>
+                <a:tc>
+                  <a:txBody>
+                    <a:bodyPr/>
+                    <a:lstStyle/>
+                    <a:p>
+                      <a:pPr algn="just" rtl="0" fontAlgn="t">
+                        <a:spcBef>
+                          <a:spcPts val="0"/>
+                        </a:spcBef>
+                        <a:spcAft>
+                          <a:spcPts val="600"/>
+                        </a:spcAft>
+                      </a:pPr>
+                      <a:r>
+                        <a:rPr lang="es-CO" sz="1000" b="0" i="0" u="none" strike="noStrike">
+                          <a:solidFill>
+                            <a:srgbClr val="000000"/>
+                          </a:solidFill>
+                          <a:effectLst/>
+                          <a:latin typeface="Times New Roman" panose="02020603050405020304" pitchFamily="18" charset="0"/>
+                        </a:rPr>
+                        <a:t>8 ms</a:t>
+                      </a:r>
+                      <a:endParaRPr lang="es-CO">
+                        <a:effectLst/>
+                      </a:endParaRPr>
+                    </a:p>
+                  </a:txBody>
+                  <a:tcPr marL="68580" marR="68580">
+                    <a:lnL w="6350" cap="flat" cmpd="sng" algn="ctr">
+                      <a:solidFill>
+                        <a:srgbClr val="000000"/>
+                      </a:solidFill>
+                      <a:prstDash val="solid"/>
+                      <a:round/>
+                      <a:headEnd type="none" w="med" len="med"/>
+                      <a:tailEnd type="none" w="med" len="med"/>
+                    </a:lnL>
+                    <a:lnR w="6350" cap="flat" cmpd="sng" algn="ctr">
+                      <a:solidFill>
+                        <a:srgbClr val="000000"/>
+                      </a:solidFill>
+                      <a:prstDash val="solid"/>
+                      <a:round/>
+                      <a:headEnd type="none" w="med" len="med"/>
+                      <a:tailEnd type="none" w="med" len="med"/>
+                    </a:lnR>
+                    <a:lnT w="6350" cap="flat" cmpd="sng" algn="ctr">
+                      <a:solidFill>
+                        <a:srgbClr val="000000"/>
+                      </a:solidFill>
+                      <a:prstDash val="solid"/>
+                      <a:round/>
+                      <a:headEnd type="none" w="med" len="med"/>
+                      <a:tailEnd type="none" w="med" len="med"/>
+                    </a:lnT>
+                    <a:lnB w="6350" cap="flat" cmpd="sng" algn="ctr">
+                      <a:solidFill>
+                        <a:srgbClr val="000000"/>
+                      </a:solidFill>
+                      <a:prstDash val="solid"/>
+                      <a:round/>
+                      <a:headEnd type="none" w="med" len="med"/>
+                      <a:tailEnd type="none" w="med" len="med"/>
+                    </a:lnB>
+                  </a:tcPr>
+                </a:tc>
+                <a:extLst>
+                  <a:ext uri="{0D108BD9-81ED-4DB2-BD59-A6C34878D82A}">
+                    <a16:rowId xmlns:a16="http://schemas.microsoft.com/office/drawing/2014/main" val="4030136660"/>
+                  </a:ext>
+                </a:extLst>
+              </a:tr>
+              <a:tr h="0">
+                <a:tc>
+                  <a:txBody>
+                    <a:bodyPr/>
+                    <a:lstStyle/>
+                    <a:p>
+                      <a:pPr algn="just" rtl="0" fontAlgn="t">
+                        <a:spcBef>
+                          <a:spcPts val="0"/>
+                        </a:spcBef>
+                        <a:spcAft>
+                          <a:spcPts val="600"/>
+                        </a:spcAft>
+                      </a:pPr>
+                      <a:r>
+                        <a:rPr lang="es-CO" sz="1000" b="0" i="0" u="none" strike="noStrike">
+                          <a:solidFill>
+                            <a:srgbClr val="000000"/>
+                          </a:solidFill>
+                          <a:effectLst/>
+                          <a:latin typeface="Times New Roman" panose="02020603050405020304" pitchFamily="18" charset="0"/>
+                        </a:rPr>
+                        <a:t>100</a:t>
+                      </a:r>
+                      <a:endParaRPr lang="es-CO">
+                        <a:effectLst/>
+                      </a:endParaRPr>
+                    </a:p>
+                  </a:txBody>
+                  <a:tcPr marL="68580" marR="68580">
+                    <a:lnL w="6350" cap="flat" cmpd="sng" algn="ctr">
+                      <a:solidFill>
+                        <a:srgbClr val="000000"/>
+                      </a:solidFill>
+                      <a:prstDash val="solid"/>
+                      <a:round/>
+                      <a:headEnd type="none" w="med" len="med"/>
+                      <a:tailEnd type="none" w="med" len="med"/>
+                    </a:lnL>
+                    <a:lnR w="6350" cap="flat" cmpd="sng" algn="ctr">
+                      <a:solidFill>
+                        <a:srgbClr val="000000"/>
+                      </a:solidFill>
+                      <a:prstDash val="solid"/>
+                      <a:round/>
+                      <a:headEnd type="none" w="med" len="med"/>
+                      <a:tailEnd type="none" w="med" len="med"/>
+                    </a:lnR>
+                    <a:lnT w="6350" cap="flat" cmpd="sng" algn="ctr">
+                      <a:solidFill>
+                        <a:srgbClr val="000000"/>
+                      </a:solidFill>
+                      <a:prstDash val="solid"/>
+                      <a:round/>
+                      <a:headEnd type="none" w="med" len="med"/>
+                      <a:tailEnd type="none" w="med" len="med"/>
+                    </a:lnT>
+                    <a:lnB w="6350" cap="flat" cmpd="sng" algn="ctr">
+                      <a:solidFill>
+                        <a:srgbClr val="000000"/>
+                      </a:solidFill>
+                      <a:prstDash val="solid"/>
+                      <a:round/>
+                      <a:headEnd type="none" w="med" len="med"/>
+                      <a:tailEnd type="none" w="med" len="med"/>
+                    </a:lnB>
+                  </a:tcPr>
+                </a:tc>
+                <a:tc>
+                  <a:txBody>
+                    <a:bodyPr/>
+                    <a:lstStyle/>
+                    <a:p>
+                      <a:pPr algn="just" rtl="0" fontAlgn="t">
+                        <a:spcBef>
+                          <a:spcPts val="0"/>
+                        </a:spcBef>
+                        <a:spcAft>
+                          <a:spcPts val="600"/>
+                        </a:spcAft>
+                      </a:pPr>
+                      <a:r>
+                        <a:rPr lang="es-CO" sz="1000" b="0" i="0" u="none" strike="noStrike">
+                          <a:solidFill>
+                            <a:srgbClr val="000000"/>
+                          </a:solidFill>
+                          <a:effectLst/>
+                          <a:latin typeface="Times New Roman" panose="02020603050405020304" pitchFamily="18" charset="0"/>
+                        </a:rPr>
+                        <a:t>2 ms</a:t>
+                      </a:r>
+                      <a:endParaRPr lang="es-CO">
+                        <a:effectLst/>
+                      </a:endParaRPr>
+                    </a:p>
+                  </a:txBody>
+                  <a:tcPr marL="68580" marR="68580">
+                    <a:lnL w="6350" cap="flat" cmpd="sng" algn="ctr">
+                      <a:solidFill>
+                        <a:srgbClr val="000000"/>
+                      </a:solidFill>
+                      <a:prstDash val="solid"/>
+                      <a:round/>
+                      <a:headEnd type="none" w="med" len="med"/>
+                      <a:tailEnd type="none" w="med" len="med"/>
+                    </a:lnL>
+                    <a:lnR w="6350" cap="flat" cmpd="sng" algn="ctr">
+                      <a:solidFill>
+                        <a:srgbClr val="000000"/>
+                      </a:solidFill>
+                      <a:prstDash val="solid"/>
+                      <a:round/>
+                      <a:headEnd type="none" w="med" len="med"/>
+                      <a:tailEnd type="none" w="med" len="med"/>
+                    </a:lnR>
+                    <a:lnT w="6350" cap="flat" cmpd="sng" algn="ctr">
+                      <a:solidFill>
+                        <a:srgbClr val="000000"/>
+                      </a:solidFill>
+                      <a:prstDash val="solid"/>
+                      <a:round/>
+                      <a:headEnd type="none" w="med" len="med"/>
+                      <a:tailEnd type="none" w="med" len="med"/>
+                    </a:lnT>
+                    <a:lnB w="6350" cap="flat" cmpd="sng" algn="ctr">
+                      <a:solidFill>
+                        <a:srgbClr val="000000"/>
+                      </a:solidFill>
+                      <a:prstDash val="solid"/>
+                      <a:round/>
+                      <a:headEnd type="none" w="med" len="med"/>
+                      <a:tailEnd type="none" w="med" len="med"/>
+                    </a:lnB>
+                  </a:tcPr>
+                </a:tc>
+                <a:tc>
+                  <a:txBody>
+                    <a:bodyPr/>
+                    <a:lstStyle/>
+                    <a:p>
+                      <a:pPr algn="just" rtl="0" fontAlgn="t">
+                        <a:spcBef>
+                          <a:spcPts val="0"/>
+                        </a:spcBef>
+                        <a:spcAft>
+                          <a:spcPts val="600"/>
+                        </a:spcAft>
+                      </a:pPr>
+                      <a:r>
+                        <a:rPr lang="es-CO" sz="1000" b="0" i="0" u="none" strike="noStrike">
+                          <a:solidFill>
+                            <a:srgbClr val="000000"/>
+                          </a:solidFill>
+                          <a:effectLst/>
+                          <a:latin typeface="Times New Roman" panose="02020603050405020304" pitchFamily="18" charset="0"/>
+                        </a:rPr>
+                        <a:t>15 ms</a:t>
+                      </a:r>
+                      <a:endParaRPr lang="es-CO">
+                        <a:effectLst/>
+                      </a:endParaRPr>
+                    </a:p>
+                  </a:txBody>
+                  <a:tcPr marL="68580" marR="68580">
+                    <a:lnL w="6350" cap="flat" cmpd="sng" algn="ctr">
+                      <a:solidFill>
+                        <a:srgbClr val="000000"/>
+                      </a:solidFill>
+                      <a:prstDash val="solid"/>
+                      <a:round/>
+                      <a:headEnd type="none" w="med" len="med"/>
+                      <a:tailEnd type="none" w="med" len="med"/>
+                    </a:lnL>
+                    <a:lnR w="6350" cap="flat" cmpd="sng" algn="ctr">
+                      <a:solidFill>
+                        <a:srgbClr val="000000"/>
+                      </a:solidFill>
+                      <a:prstDash val="solid"/>
+                      <a:round/>
+                      <a:headEnd type="none" w="med" len="med"/>
+                      <a:tailEnd type="none" w="med" len="med"/>
+                    </a:lnR>
+                    <a:lnT w="6350" cap="flat" cmpd="sng" algn="ctr">
+                      <a:solidFill>
+                        <a:srgbClr val="000000"/>
+                      </a:solidFill>
+                      <a:prstDash val="solid"/>
+                      <a:round/>
+                      <a:headEnd type="none" w="med" len="med"/>
+                      <a:tailEnd type="none" w="med" len="med"/>
+                    </a:lnT>
+                    <a:lnB w="6350" cap="flat" cmpd="sng" algn="ctr">
+                      <a:solidFill>
+                        <a:srgbClr val="000000"/>
+                      </a:solidFill>
+                      <a:prstDash val="solid"/>
+                      <a:round/>
+                      <a:headEnd type="none" w="med" len="med"/>
+                      <a:tailEnd type="none" w="med" len="med"/>
+                    </a:lnB>
+                  </a:tcPr>
+                </a:tc>
+                <a:extLst>
+                  <a:ext uri="{0D108BD9-81ED-4DB2-BD59-A6C34878D82A}">
+                    <a16:rowId xmlns:a16="http://schemas.microsoft.com/office/drawing/2014/main" val="3243942131"/>
+                  </a:ext>
+                </a:extLst>
+              </a:tr>
+              <a:tr h="0">
+                <a:tc>
+                  <a:txBody>
+                    <a:bodyPr/>
+                    <a:lstStyle/>
+                    <a:p>
+                      <a:pPr algn="just" rtl="0" fontAlgn="t">
+                        <a:spcBef>
+                          <a:spcPts val="0"/>
+                        </a:spcBef>
+                        <a:spcAft>
+                          <a:spcPts val="600"/>
+                        </a:spcAft>
+                      </a:pPr>
+                      <a:r>
+                        <a:rPr lang="es-CO" sz="1000" b="0" i="0" u="none" strike="noStrike">
+                          <a:solidFill>
+                            <a:srgbClr val="000000"/>
+                          </a:solidFill>
+                          <a:effectLst/>
+                          <a:latin typeface="Times New Roman" panose="02020603050405020304" pitchFamily="18" charset="0"/>
+                        </a:rPr>
+                        <a:t>1000</a:t>
+                      </a:r>
+                      <a:endParaRPr lang="es-CO">
+                        <a:effectLst/>
+                      </a:endParaRPr>
+                    </a:p>
+                  </a:txBody>
+                  <a:tcPr marL="68580" marR="68580">
+                    <a:lnL w="6350" cap="flat" cmpd="sng" algn="ctr">
+                      <a:solidFill>
+                        <a:srgbClr val="000000"/>
+                      </a:solidFill>
+                      <a:prstDash val="solid"/>
+                      <a:round/>
+                      <a:headEnd type="none" w="med" len="med"/>
+                      <a:tailEnd type="none" w="med" len="med"/>
+                    </a:lnL>
+                    <a:lnR w="6350" cap="flat" cmpd="sng" algn="ctr">
+                      <a:solidFill>
+                        <a:srgbClr val="000000"/>
+                      </a:solidFill>
+                      <a:prstDash val="solid"/>
+                      <a:round/>
+                      <a:headEnd type="none" w="med" len="med"/>
+                      <a:tailEnd type="none" w="med" len="med"/>
+                    </a:lnR>
+                    <a:lnT w="6350" cap="flat" cmpd="sng" algn="ctr">
+                      <a:solidFill>
+                        <a:srgbClr val="000000"/>
+                      </a:solidFill>
+                      <a:prstDash val="solid"/>
+                      <a:round/>
+                      <a:headEnd type="none" w="med" len="med"/>
+                      <a:tailEnd type="none" w="med" len="med"/>
+                    </a:lnT>
+                    <a:lnB w="6350" cap="flat" cmpd="sng" algn="ctr">
+                      <a:solidFill>
+                        <a:srgbClr val="000000"/>
+                      </a:solidFill>
+                      <a:prstDash val="solid"/>
+                      <a:round/>
+                      <a:headEnd type="none" w="med" len="med"/>
+                      <a:tailEnd type="none" w="med" len="med"/>
+                    </a:lnB>
+                  </a:tcPr>
+                </a:tc>
+                <a:tc>
+                  <a:txBody>
+                    <a:bodyPr/>
+                    <a:lstStyle/>
+                    <a:p>
+                      <a:pPr algn="just" rtl="0" fontAlgn="t">
+                        <a:spcBef>
+                          <a:spcPts val="0"/>
+                        </a:spcBef>
+                        <a:spcAft>
+                          <a:spcPts val="600"/>
+                        </a:spcAft>
+                      </a:pPr>
+                      <a:r>
+                        <a:rPr lang="es-CO" sz="1000" b="0" i="0" u="none" strike="noStrike">
+                          <a:solidFill>
+                            <a:srgbClr val="000000"/>
+                          </a:solidFill>
+                          <a:effectLst/>
+                          <a:latin typeface="Times New Roman" panose="02020603050405020304" pitchFamily="18" charset="0"/>
+                        </a:rPr>
+                        <a:t>24 ms</a:t>
+                      </a:r>
+                      <a:endParaRPr lang="es-CO">
+                        <a:effectLst/>
+                      </a:endParaRPr>
+                    </a:p>
+                  </a:txBody>
+                  <a:tcPr marL="68580" marR="68580">
+                    <a:lnL w="6350" cap="flat" cmpd="sng" algn="ctr">
+                      <a:solidFill>
+                        <a:srgbClr val="000000"/>
+                      </a:solidFill>
+                      <a:prstDash val="solid"/>
+                      <a:round/>
+                      <a:headEnd type="none" w="med" len="med"/>
+                      <a:tailEnd type="none" w="med" len="med"/>
+                    </a:lnL>
+                    <a:lnR w="6350" cap="flat" cmpd="sng" algn="ctr">
+                      <a:solidFill>
+                        <a:srgbClr val="000000"/>
+                      </a:solidFill>
+                      <a:prstDash val="solid"/>
+                      <a:round/>
+                      <a:headEnd type="none" w="med" len="med"/>
+                      <a:tailEnd type="none" w="med" len="med"/>
+                    </a:lnR>
+                    <a:lnT w="6350" cap="flat" cmpd="sng" algn="ctr">
+                      <a:solidFill>
+                        <a:srgbClr val="000000"/>
+                      </a:solidFill>
+                      <a:prstDash val="solid"/>
+                      <a:round/>
+                      <a:headEnd type="none" w="med" len="med"/>
+                      <a:tailEnd type="none" w="med" len="med"/>
+                    </a:lnT>
+                    <a:lnB w="6350" cap="flat" cmpd="sng" algn="ctr">
+                      <a:solidFill>
+                        <a:srgbClr val="000000"/>
+                      </a:solidFill>
+                      <a:prstDash val="solid"/>
+                      <a:round/>
+                      <a:headEnd type="none" w="med" len="med"/>
+                      <a:tailEnd type="none" w="med" len="med"/>
+                    </a:lnB>
+                  </a:tcPr>
+                </a:tc>
+                <a:tc>
+                  <a:txBody>
+                    <a:bodyPr/>
+                    <a:lstStyle/>
+                    <a:p>
+                      <a:pPr algn="just" rtl="0" fontAlgn="t">
+                        <a:spcBef>
+                          <a:spcPts val="0"/>
+                        </a:spcBef>
+                        <a:spcAft>
+                          <a:spcPts val="600"/>
+                        </a:spcAft>
+                      </a:pPr>
+                      <a:r>
+                        <a:rPr lang="es-CO" sz="1000" b="0" i="0" u="none" strike="noStrike">
+                          <a:solidFill>
+                            <a:srgbClr val="000000"/>
+                          </a:solidFill>
+                          <a:effectLst/>
+                          <a:latin typeface="Times New Roman" panose="02020603050405020304" pitchFamily="18" charset="0"/>
+                        </a:rPr>
+                        <a:t>22 ms</a:t>
+                      </a:r>
+                      <a:endParaRPr lang="es-CO">
+                        <a:effectLst/>
+                      </a:endParaRPr>
+                    </a:p>
+                  </a:txBody>
+                  <a:tcPr marL="68580" marR="68580">
+                    <a:lnL w="6350" cap="flat" cmpd="sng" algn="ctr">
+                      <a:solidFill>
+                        <a:srgbClr val="000000"/>
+                      </a:solidFill>
+                      <a:prstDash val="solid"/>
+                      <a:round/>
+                      <a:headEnd type="none" w="med" len="med"/>
+                      <a:tailEnd type="none" w="med" len="med"/>
+                    </a:lnL>
+                    <a:lnR w="6350" cap="flat" cmpd="sng" algn="ctr">
+                      <a:solidFill>
+                        <a:srgbClr val="000000"/>
+                      </a:solidFill>
+                      <a:prstDash val="solid"/>
+                      <a:round/>
+                      <a:headEnd type="none" w="med" len="med"/>
+                      <a:tailEnd type="none" w="med" len="med"/>
+                    </a:lnR>
+                    <a:lnT w="6350" cap="flat" cmpd="sng" algn="ctr">
+                      <a:solidFill>
+                        <a:srgbClr val="000000"/>
+                      </a:solidFill>
+                      <a:prstDash val="solid"/>
+                      <a:round/>
+                      <a:headEnd type="none" w="med" len="med"/>
+                      <a:tailEnd type="none" w="med" len="med"/>
+                    </a:lnT>
+                    <a:lnB w="6350" cap="flat" cmpd="sng" algn="ctr">
+                      <a:solidFill>
+                        <a:srgbClr val="000000"/>
+                      </a:solidFill>
+                      <a:prstDash val="solid"/>
+                      <a:round/>
+                      <a:headEnd type="none" w="med" len="med"/>
+                      <a:tailEnd type="none" w="med" len="med"/>
+                    </a:lnB>
+                  </a:tcPr>
+                </a:tc>
+                <a:extLst>
+                  <a:ext uri="{0D108BD9-81ED-4DB2-BD59-A6C34878D82A}">
+                    <a16:rowId xmlns:a16="http://schemas.microsoft.com/office/drawing/2014/main" val="3125716333"/>
+                  </a:ext>
+                </a:extLst>
+              </a:tr>
+              <a:tr h="0">
+                <a:tc>
+                  <a:txBody>
+                    <a:bodyPr/>
+                    <a:lstStyle/>
+                    <a:p>
+                      <a:pPr algn="just" rtl="0" fontAlgn="t">
+                        <a:spcBef>
+                          <a:spcPts val="0"/>
+                        </a:spcBef>
+                        <a:spcAft>
+                          <a:spcPts val="600"/>
+                        </a:spcAft>
+                      </a:pPr>
+                      <a:r>
+                        <a:rPr lang="es-CO" sz="1000" b="0" i="0" u="none" strike="noStrike">
+                          <a:solidFill>
+                            <a:srgbClr val="000000"/>
+                          </a:solidFill>
+                          <a:effectLst/>
+                          <a:latin typeface="Times New Roman" panose="02020603050405020304" pitchFamily="18" charset="0"/>
+                        </a:rPr>
+                        <a:t>10000</a:t>
+                      </a:r>
+                      <a:endParaRPr lang="es-CO">
+                        <a:effectLst/>
+                      </a:endParaRPr>
+                    </a:p>
+                  </a:txBody>
+                  <a:tcPr marL="68580" marR="68580">
+                    <a:lnL w="6350" cap="flat" cmpd="sng" algn="ctr">
+                      <a:solidFill>
+                        <a:srgbClr val="000000"/>
+                      </a:solidFill>
+                      <a:prstDash val="solid"/>
+                      <a:round/>
+                      <a:headEnd type="none" w="med" len="med"/>
+                      <a:tailEnd type="none" w="med" len="med"/>
+                    </a:lnL>
+                    <a:lnR w="6350" cap="flat" cmpd="sng" algn="ctr">
+                      <a:solidFill>
+                        <a:srgbClr val="000000"/>
+                      </a:solidFill>
+                      <a:prstDash val="solid"/>
+                      <a:round/>
+                      <a:headEnd type="none" w="med" len="med"/>
+                      <a:tailEnd type="none" w="med" len="med"/>
+                    </a:lnR>
+                    <a:lnT w="6350" cap="flat" cmpd="sng" algn="ctr">
+                      <a:solidFill>
+                        <a:srgbClr val="000000"/>
+                      </a:solidFill>
+                      <a:prstDash val="solid"/>
+                      <a:round/>
+                      <a:headEnd type="none" w="med" len="med"/>
+                      <a:tailEnd type="none" w="med" len="med"/>
+                    </a:lnT>
+                    <a:lnB w="6350" cap="flat" cmpd="sng" algn="ctr">
+                      <a:solidFill>
+                        <a:srgbClr val="000000"/>
+                      </a:solidFill>
+                      <a:prstDash val="solid"/>
+                      <a:round/>
+                      <a:headEnd type="none" w="med" len="med"/>
+                      <a:tailEnd type="none" w="med" len="med"/>
+                    </a:lnB>
+                  </a:tcPr>
+                </a:tc>
+                <a:tc>
+                  <a:txBody>
+                    <a:bodyPr/>
+                    <a:lstStyle/>
+                    <a:p>
+                      <a:pPr algn="just" rtl="0" fontAlgn="t">
+                        <a:spcBef>
+                          <a:spcPts val="0"/>
+                        </a:spcBef>
+                        <a:spcAft>
+                          <a:spcPts val="600"/>
+                        </a:spcAft>
+                      </a:pPr>
+                      <a:r>
+                        <a:rPr lang="es-CO" sz="1000" b="0" i="0" u="none" strike="noStrike">
+                          <a:solidFill>
+                            <a:srgbClr val="000000"/>
+                          </a:solidFill>
+                          <a:effectLst/>
+                          <a:latin typeface="Times New Roman" panose="02020603050405020304" pitchFamily="18" charset="0"/>
+                        </a:rPr>
+                        <a:t>356 ms</a:t>
+                      </a:r>
+                      <a:endParaRPr lang="es-CO">
+                        <a:effectLst/>
+                      </a:endParaRPr>
+                    </a:p>
+                  </a:txBody>
+                  <a:tcPr marL="68580" marR="68580">
+                    <a:lnL w="6350" cap="flat" cmpd="sng" algn="ctr">
+                      <a:solidFill>
+                        <a:srgbClr val="000000"/>
+                      </a:solidFill>
+                      <a:prstDash val="solid"/>
+                      <a:round/>
+                      <a:headEnd type="none" w="med" len="med"/>
+                      <a:tailEnd type="none" w="med" len="med"/>
+                    </a:lnL>
+                    <a:lnR w="6350" cap="flat" cmpd="sng" algn="ctr">
+                      <a:solidFill>
+                        <a:srgbClr val="000000"/>
+                      </a:solidFill>
+                      <a:prstDash val="solid"/>
+                      <a:round/>
+                      <a:headEnd type="none" w="med" len="med"/>
+                      <a:tailEnd type="none" w="med" len="med"/>
+                    </a:lnR>
+                    <a:lnT w="6350" cap="flat" cmpd="sng" algn="ctr">
+                      <a:solidFill>
+                        <a:srgbClr val="000000"/>
+                      </a:solidFill>
+                      <a:prstDash val="solid"/>
+                      <a:round/>
+                      <a:headEnd type="none" w="med" len="med"/>
+                      <a:tailEnd type="none" w="med" len="med"/>
+                    </a:lnT>
+                    <a:lnB w="6350" cap="flat" cmpd="sng" algn="ctr">
+                      <a:solidFill>
+                        <a:srgbClr val="000000"/>
+                      </a:solidFill>
+                      <a:prstDash val="solid"/>
+                      <a:round/>
+                      <a:headEnd type="none" w="med" len="med"/>
+                      <a:tailEnd type="none" w="med" len="med"/>
+                    </a:lnB>
+                  </a:tcPr>
+                </a:tc>
+                <a:tc>
+                  <a:txBody>
+                    <a:bodyPr/>
+                    <a:lstStyle/>
+                    <a:p>
+                      <a:pPr algn="just" rtl="0" fontAlgn="t">
+                        <a:spcBef>
+                          <a:spcPts val="0"/>
+                        </a:spcBef>
+                        <a:spcAft>
+                          <a:spcPts val="600"/>
+                        </a:spcAft>
+                      </a:pPr>
+                      <a:r>
+                        <a:rPr lang="es-CO" sz="1000" b="0" i="0" u="none" strike="noStrike">
+                          <a:solidFill>
+                            <a:srgbClr val="000000"/>
+                          </a:solidFill>
+                          <a:effectLst/>
+                          <a:latin typeface="Times New Roman" panose="02020603050405020304" pitchFamily="18" charset="0"/>
+                        </a:rPr>
+                        <a:t>46 ms</a:t>
+                      </a:r>
+                      <a:endParaRPr lang="es-CO">
+                        <a:effectLst/>
+                      </a:endParaRPr>
+                    </a:p>
+                  </a:txBody>
+                  <a:tcPr marL="68580" marR="68580">
+                    <a:lnL w="6350" cap="flat" cmpd="sng" algn="ctr">
+                      <a:solidFill>
+                        <a:srgbClr val="000000"/>
+                      </a:solidFill>
+                      <a:prstDash val="solid"/>
+                      <a:round/>
+                      <a:headEnd type="none" w="med" len="med"/>
+                      <a:tailEnd type="none" w="med" len="med"/>
+                    </a:lnL>
+                    <a:lnR w="6350" cap="flat" cmpd="sng" algn="ctr">
+                      <a:solidFill>
+                        <a:srgbClr val="000000"/>
+                      </a:solidFill>
+                      <a:prstDash val="solid"/>
+                      <a:round/>
+                      <a:headEnd type="none" w="med" len="med"/>
+                      <a:tailEnd type="none" w="med" len="med"/>
+                    </a:lnR>
+                    <a:lnT w="6350" cap="flat" cmpd="sng" algn="ctr">
+                      <a:solidFill>
+                        <a:srgbClr val="000000"/>
+                      </a:solidFill>
+                      <a:prstDash val="solid"/>
+                      <a:round/>
+                      <a:headEnd type="none" w="med" len="med"/>
+                      <a:tailEnd type="none" w="med" len="med"/>
+                    </a:lnT>
+                    <a:lnB w="6350" cap="flat" cmpd="sng" algn="ctr">
+                      <a:solidFill>
+                        <a:srgbClr val="000000"/>
+                      </a:solidFill>
+                      <a:prstDash val="solid"/>
+                      <a:round/>
+                      <a:headEnd type="none" w="med" len="med"/>
+                      <a:tailEnd type="none" w="med" len="med"/>
+                    </a:lnB>
+                  </a:tcPr>
+                </a:tc>
+                <a:extLst>
+                  <a:ext uri="{0D108BD9-81ED-4DB2-BD59-A6C34878D82A}">
+                    <a16:rowId xmlns:a16="http://schemas.microsoft.com/office/drawing/2014/main" val="1656778185"/>
+                  </a:ext>
+                </a:extLst>
+              </a:tr>
+              <a:tr h="0">
+                <a:tc>
+                  <a:txBody>
+                    <a:bodyPr/>
+                    <a:lstStyle/>
+                    <a:p>
+                      <a:pPr algn="just" rtl="0" fontAlgn="t">
+                        <a:spcBef>
+                          <a:spcPts val="0"/>
+                        </a:spcBef>
+                        <a:spcAft>
+                          <a:spcPts val="600"/>
+                        </a:spcAft>
+                      </a:pPr>
+                      <a:r>
+                        <a:rPr lang="es-CO" sz="1000" b="0" i="0" u="none" strike="noStrike">
+                          <a:solidFill>
+                            <a:srgbClr val="000000"/>
+                          </a:solidFill>
+                          <a:effectLst/>
+                          <a:latin typeface="Times New Roman" panose="02020603050405020304" pitchFamily="18" charset="0"/>
+                        </a:rPr>
+                        <a:t>100000</a:t>
+                      </a:r>
+                      <a:endParaRPr lang="es-CO">
+                        <a:effectLst/>
+                      </a:endParaRPr>
+                    </a:p>
+                  </a:txBody>
+                  <a:tcPr marL="68580" marR="68580">
+                    <a:lnL w="6350" cap="flat" cmpd="sng" algn="ctr">
+                      <a:solidFill>
+                        <a:srgbClr val="000000"/>
+                      </a:solidFill>
+                      <a:prstDash val="solid"/>
+                      <a:round/>
+                      <a:headEnd type="none" w="med" len="med"/>
+                      <a:tailEnd type="none" w="med" len="med"/>
+                    </a:lnL>
+                    <a:lnR w="6350" cap="flat" cmpd="sng" algn="ctr">
+                      <a:solidFill>
+                        <a:srgbClr val="000000"/>
+                      </a:solidFill>
+                      <a:prstDash val="solid"/>
+                      <a:round/>
+                      <a:headEnd type="none" w="med" len="med"/>
+                      <a:tailEnd type="none" w="med" len="med"/>
+                    </a:lnR>
+                    <a:lnT w="6350" cap="flat" cmpd="sng" algn="ctr">
+                      <a:solidFill>
+                        <a:srgbClr val="000000"/>
+                      </a:solidFill>
+                      <a:prstDash val="solid"/>
+                      <a:round/>
+                      <a:headEnd type="none" w="med" len="med"/>
+                      <a:tailEnd type="none" w="med" len="med"/>
+                    </a:lnT>
+                    <a:lnB w="6350" cap="flat" cmpd="sng" algn="ctr">
+                      <a:solidFill>
+                        <a:srgbClr val="000000"/>
+                      </a:solidFill>
+                      <a:prstDash val="solid"/>
+                      <a:round/>
+                      <a:headEnd type="none" w="med" len="med"/>
+                      <a:tailEnd type="none" w="med" len="med"/>
+                    </a:lnB>
+                  </a:tcPr>
+                </a:tc>
+                <a:tc>
+                  <a:txBody>
+                    <a:bodyPr/>
+                    <a:lstStyle/>
+                    <a:p>
+                      <a:pPr algn="just" rtl="0" fontAlgn="t">
+                        <a:spcBef>
+                          <a:spcPts val="0"/>
+                        </a:spcBef>
+                        <a:spcAft>
+                          <a:spcPts val="600"/>
+                        </a:spcAft>
+                      </a:pPr>
+                      <a:r>
+                        <a:rPr lang="es-CO" sz="1000" b="0" i="0" u="none" strike="noStrike">
+                          <a:solidFill>
+                            <a:srgbClr val="000000"/>
+                          </a:solidFill>
+                          <a:effectLst/>
+                          <a:latin typeface="Times New Roman" panose="02020603050405020304" pitchFamily="18" charset="0"/>
+                        </a:rPr>
+                        <a:t>23282 ms</a:t>
+                      </a:r>
+                      <a:endParaRPr lang="es-CO">
+                        <a:effectLst/>
+                      </a:endParaRPr>
+                    </a:p>
+                  </a:txBody>
+                  <a:tcPr marL="68580" marR="68580">
+                    <a:lnL w="6350" cap="flat" cmpd="sng" algn="ctr">
+                      <a:solidFill>
+                        <a:srgbClr val="000000"/>
+                      </a:solidFill>
+                      <a:prstDash val="solid"/>
+                      <a:round/>
+                      <a:headEnd type="none" w="med" len="med"/>
+                      <a:tailEnd type="none" w="med" len="med"/>
+                    </a:lnL>
+                    <a:lnR w="6350" cap="flat" cmpd="sng" algn="ctr">
+                      <a:solidFill>
+                        <a:srgbClr val="000000"/>
+                      </a:solidFill>
+                      <a:prstDash val="solid"/>
+                      <a:round/>
+                      <a:headEnd type="none" w="med" len="med"/>
+                      <a:tailEnd type="none" w="med" len="med"/>
+                    </a:lnR>
+                    <a:lnT w="6350" cap="flat" cmpd="sng" algn="ctr">
+                      <a:solidFill>
+                        <a:srgbClr val="000000"/>
+                      </a:solidFill>
+                      <a:prstDash val="solid"/>
+                      <a:round/>
+                      <a:headEnd type="none" w="med" len="med"/>
+                      <a:tailEnd type="none" w="med" len="med"/>
+                    </a:lnT>
+                    <a:lnB w="6350" cap="flat" cmpd="sng" algn="ctr">
+                      <a:solidFill>
+                        <a:srgbClr val="000000"/>
+                      </a:solidFill>
+                      <a:prstDash val="solid"/>
+                      <a:round/>
+                      <a:headEnd type="none" w="med" len="med"/>
+                      <a:tailEnd type="none" w="med" len="med"/>
+                    </a:lnB>
+                  </a:tcPr>
+                </a:tc>
+                <a:tc>
+                  <a:txBody>
+                    <a:bodyPr/>
+                    <a:lstStyle/>
+                    <a:p>
+                      <a:pPr algn="just" rtl="0" fontAlgn="t">
+                        <a:spcBef>
+                          <a:spcPts val="0"/>
+                        </a:spcBef>
+                        <a:spcAft>
+                          <a:spcPts val="600"/>
+                        </a:spcAft>
+                      </a:pPr>
+                      <a:r>
+                        <a:rPr lang="es-CO" sz="1000" b="0" i="0" u="none" strike="noStrike">
+                          <a:solidFill>
+                            <a:srgbClr val="000000"/>
+                          </a:solidFill>
+                          <a:effectLst/>
+                          <a:latin typeface="Times New Roman" panose="02020603050405020304" pitchFamily="18" charset="0"/>
+                        </a:rPr>
+                        <a:t>46 ms</a:t>
+                      </a:r>
+                      <a:endParaRPr lang="es-CO">
+                        <a:effectLst/>
+                      </a:endParaRPr>
+                    </a:p>
+                  </a:txBody>
+                  <a:tcPr marL="68580" marR="68580">
+                    <a:lnL w="6350" cap="flat" cmpd="sng" algn="ctr">
+                      <a:solidFill>
+                        <a:srgbClr val="000000"/>
+                      </a:solidFill>
+                      <a:prstDash val="solid"/>
+                      <a:round/>
+                      <a:headEnd type="none" w="med" len="med"/>
+                      <a:tailEnd type="none" w="med" len="med"/>
+                    </a:lnL>
+                    <a:lnR w="6350" cap="flat" cmpd="sng" algn="ctr">
+                      <a:solidFill>
+                        <a:srgbClr val="000000"/>
+                      </a:solidFill>
+                      <a:prstDash val="solid"/>
+                      <a:round/>
+                      <a:headEnd type="none" w="med" len="med"/>
+                      <a:tailEnd type="none" w="med" len="med"/>
+                    </a:lnR>
+                    <a:lnT w="6350" cap="flat" cmpd="sng" algn="ctr">
+                      <a:solidFill>
+                        <a:srgbClr val="000000"/>
+                      </a:solidFill>
+                      <a:prstDash val="solid"/>
+                      <a:round/>
+                      <a:headEnd type="none" w="med" len="med"/>
+                      <a:tailEnd type="none" w="med" len="med"/>
+                    </a:lnT>
+                    <a:lnB w="6350" cap="flat" cmpd="sng" algn="ctr">
+                      <a:solidFill>
+                        <a:srgbClr val="000000"/>
+                      </a:solidFill>
+                      <a:prstDash val="solid"/>
+                      <a:round/>
+                      <a:headEnd type="none" w="med" len="med"/>
+                      <a:tailEnd type="none" w="med" len="med"/>
+                    </a:lnB>
+                  </a:tcPr>
+                </a:tc>
+                <a:extLst>
+                  <a:ext uri="{0D108BD9-81ED-4DB2-BD59-A6C34878D82A}">
+                    <a16:rowId xmlns:a16="http://schemas.microsoft.com/office/drawing/2014/main" val="1691941461"/>
+                  </a:ext>
+                </a:extLst>
+              </a:tr>
+              <a:tr h="0">
+                <a:tc>
+                  <a:txBody>
+                    <a:bodyPr/>
+                    <a:lstStyle/>
+                    <a:p>
+                      <a:pPr algn="just" rtl="0" fontAlgn="t">
+                        <a:spcBef>
+                          <a:spcPts val="0"/>
+                        </a:spcBef>
+                        <a:spcAft>
+                          <a:spcPts val="600"/>
+                        </a:spcAft>
+                      </a:pPr>
+                      <a:r>
+                        <a:rPr lang="es-CO" sz="1000" b="0" i="0" u="none" strike="noStrike">
+                          <a:solidFill>
+                            <a:srgbClr val="000000"/>
+                          </a:solidFill>
+                          <a:effectLst/>
+                          <a:latin typeface="Times New Roman" panose="02020603050405020304" pitchFamily="18" charset="0"/>
+                        </a:rPr>
+                        <a:t>1´000000</a:t>
+                      </a:r>
+                      <a:endParaRPr lang="es-CO">
+                        <a:effectLst/>
+                      </a:endParaRPr>
+                    </a:p>
+                  </a:txBody>
+                  <a:tcPr marL="68580" marR="68580">
+                    <a:lnL w="6350" cap="flat" cmpd="sng" algn="ctr">
+                      <a:solidFill>
+                        <a:srgbClr val="000000"/>
+                      </a:solidFill>
+                      <a:prstDash val="solid"/>
+                      <a:round/>
+                      <a:headEnd type="none" w="med" len="med"/>
+                      <a:tailEnd type="none" w="med" len="med"/>
+                    </a:lnL>
+                    <a:lnR w="6350" cap="flat" cmpd="sng" algn="ctr">
+                      <a:solidFill>
+                        <a:srgbClr val="000000"/>
+                      </a:solidFill>
+                      <a:prstDash val="solid"/>
+                      <a:round/>
+                      <a:headEnd type="none" w="med" len="med"/>
+                      <a:tailEnd type="none" w="med" len="med"/>
+                    </a:lnR>
+                    <a:lnT w="6350" cap="flat" cmpd="sng" algn="ctr">
+                      <a:solidFill>
+                        <a:srgbClr val="000000"/>
+                      </a:solidFill>
+                      <a:prstDash val="solid"/>
+                      <a:round/>
+                      <a:headEnd type="none" w="med" len="med"/>
+                      <a:tailEnd type="none" w="med" len="med"/>
+                    </a:lnT>
+                    <a:lnB w="6350" cap="flat" cmpd="sng" algn="ctr">
+                      <a:solidFill>
+                        <a:srgbClr val="000000"/>
+                      </a:solidFill>
+                      <a:prstDash val="solid"/>
+                      <a:round/>
+                      <a:headEnd type="none" w="med" len="med"/>
+                      <a:tailEnd type="none" w="med" len="med"/>
+                    </a:lnB>
+                  </a:tcPr>
+                </a:tc>
+                <a:tc>
+                  <a:txBody>
+                    <a:bodyPr/>
+                    <a:lstStyle/>
+                    <a:p>
+                      <a:pPr algn="just" rtl="0" fontAlgn="t">
+                        <a:spcBef>
+                          <a:spcPts val="0"/>
+                        </a:spcBef>
+                        <a:spcAft>
+                          <a:spcPts val="600"/>
+                        </a:spcAft>
+                      </a:pPr>
+                      <a:r>
+                        <a:rPr lang="es-CO" sz="1000" b="0" i="0" u="none" strike="noStrike">
+                          <a:solidFill>
+                            <a:srgbClr val="000000"/>
+                          </a:solidFill>
+                          <a:effectLst/>
+                          <a:latin typeface="Times New Roman" panose="02020603050405020304" pitchFamily="18" charset="0"/>
+                        </a:rPr>
+                        <a:t>--</a:t>
+                      </a:r>
+                      <a:endParaRPr lang="es-CO">
+                        <a:effectLst/>
+                      </a:endParaRPr>
+                    </a:p>
+                  </a:txBody>
+                  <a:tcPr marL="68580" marR="68580">
+                    <a:lnL w="6350" cap="flat" cmpd="sng" algn="ctr">
+                      <a:solidFill>
+                        <a:srgbClr val="000000"/>
+                      </a:solidFill>
+                      <a:prstDash val="solid"/>
+                      <a:round/>
+                      <a:headEnd type="none" w="med" len="med"/>
+                      <a:tailEnd type="none" w="med" len="med"/>
+                    </a:lnL>
+                    <a:lnR w="6350" cap="flat" cmpd="sng" algn="ctr">
+                      <a:solidFill>
+                        <a:srgbClr val="000000"/>
+                      </a:solidFill>
+                      <a:prstDash val="solid"/>
+                      <a:round/>
+                      <a:headEnd type="none" w="med" len="med"/>
+                      <a:tailEnd type="none" w="med" len="med"/>
+                    </a:lnR>
+                    <a:lnT w="6350" cap="flat" cmpd="sng" algn="ctr">
+                      <a:solidFill>
+                        <a:srgbClr val="000000"/>
+                      </a:solidFill>
+                      <a:prstDash val="solid"/>
+                      <a:round/>
+                      <a:headEnd type="none" w="med" len="med"/>
+                      <a:tailEnd type="none" w="med" len="med"/>
+                    </a:lnT>
+                    <a:lnB w="6350" cap="flat" cmpd="sng" algn="ctr">
+                      <a:solidFill>
+                        <a:srgbClr val="000000"/>
+                      </a:solidFill>
+                      <a:prstDash val="solid"/>
+                      <a:round/>
+                      <a:headEnd type="none" w="med" len="med"/>
+                      <a:tailEnd type="none" w="med" len="med"/>
+                    </a:lnB>
+                  </a:tcPr>
+                </a:tc>
+                <a:tc>
+                  <a:txBody>
+                    <a:bodyPr/>
+                    <a:lstStyle/>
+                    <a:p>
+                      <a:pPr algn="just" rtl="0" fontAlgn="t">
+                        <a:spcBef>
+                          <a:spcPts val="0"/>
+                        </a:spcBef>
+                        <a:spcAft>
+                          <a:spcPts val="600"/>
+                        </a:spcAft>
+                      </a:pPr>
+                      <a:r>
+                        <a:rPr lang="es-CO" sz="1000" b="0" i="0" u="none" strike="noStrike" dirty="0">
+                          <a:solidFill>
+                            <a:srgbClr val="000000"/>
+                          </a:solidFill>
+                          <a:effectLst/>
+                          <a:latin typeface="Times New Roman" panose="02020603050405020304" pitchFamily="18" charset="0"/>
+                        </a:rPr>
+                        <a:t>2833 ms</a:t>
+                      </a:r>
+                      <a:endParaRPr lang="es-CO" dirty="0">
+                        <a:effectLst/>
+                      </a:endParaRPr>
+                    </a:p>
+                  </a:txBody>
+                  <a:tcPr marL="68580" marR="68580">
+                    <a:lnL w="6350" cap="flat" cmpd="sng" algn="ctr">
+                      <a:solidFill>
+                        <a:srgbClr val="000000"/>
+                      </a:solidFill>
+                      <a:prstDash val="solid"/>
+                      <a:round/>
+                      <a:headEnd type="none" w="med" len="med"/>
+                      <a:tailEnd type="none" w="med" len="med"/>
+                    </a:lnL>
+                    <a:lnR w="6350" cap="flat" cmpd="sng" algn="ctr">
+                      <a:solidFill>
+                        <a:srgbClr val="000000"/>
+                      </a:solidFill>
+                      <a:prstDash val="solid"/>
+                      <a:round/>
+                      <a:headEnd type="none" w="med" len="med"/>
+                      <a:tailEnd type="none" w="med" len="med"/>
+                    </a:lnR>
+                    <a:lnT w="6350" cap="flat" cmpd="sng" algn="ctr">
+                      <a:solidFill>
+                        <a:srgbClr val="000000"/>
+                      </a:solidFill>
+                      <a:prstDash val="solid"/>
+                      <a:round/>
+                      <a:headEnd type="none" w="med" len="med"/>
+                      <a:tailEnd type="none" w="med" len="med"/>
+                    </a:lnT>
+                    <a:lnB w="6350" cap="flat" cmpd="sng" algn="ctr">
+                      <a:solidFill>
+                        <a:srgbClr val="000000"/>
+                      </a:solidFill>
+                      <a:prstDash val="solid"/>
+                      <a:round/>
+                      <a:headEnd type="none" w="med" len="med"/>
+                      <a:tailEnd type="none" w="med" len="med"/>
+                    </a:lnB>
+                  </a:tcPr>
+                </a:tc>
+                <a:extLst>
+                  <a:ext uri="{0D108BD9-81ED-4DB2-BD59-A6C34878D82A}">
+                    <a16:rowId xmlns:a16="http://schemas.microsoft.com/office/drawing/2014/main" val="3035663137"/>
+                  </a:ext>
+                </a:extLst>
+              </a:tr>
+            </a:tbl>
+          </a:graphicData>
+        </a:graphic>
+      </p:graphicFrame>
+      <p:sp>
+        <p:nvSpPr>
+          <p:cNvPr id="7" name="Rectangle 1">
+            <a:extLst>
+              <a:ext uri="{FF2B5EF4-FFF2-40B4-BE49-F238E27FC236}">
+                <a16:creationId xmlns:a16="http://schemas.microsoft.com/office/drawing/2014/main" id="{67B6DDDE-0A3F-49AD-9E82-344D1AD743DF}"/>
+              </a:ext>
+            </a:extLst>
+          </p:cNvPr>
+          <p:cNvSpPr>
+            <a:spLocks noChangeArrowheads="1"/>
+          </p:cNvSpPr>
           <p:nvPr/>
         </p:nvSpPr>
-        <p:spPr>
+        <p:spPr bwMode="auto">
           <a:xfrm>
-            <a:off x="4413641" y="4000587"/>
-            <a:ext cx="4662360" cy="488880"/>
+            <a:off x="3018481" y="2790019"/>
+            <a:ext cx="9144000" cy="457200"/>
           </a:xfrm>
           <a:prstGeom prst="rect">
             <a:avLst/>
@@ -18768,98 +17289,110 @@
           <a:ln>
             <a:noFill/>
           </a:ln>
+          <a:effectLst/>
+          <a:extLst>
+            <a:ext uri="{909E8E84-426E-40DD-AFC4-6F175D3DCCD1}">
+              <a14:hiddenFill xmlns:a14="http://schemas.microsoft.com/office/drawing/2010/main">
+                <a:solidFill>
+                  <a:schemeClr val="accent1"/>
+                </a:solidFill>
+              </a14:hiddenFill>
+            </a:ext>
+            <a:ext uri="{91240B29-F687-4F45-9708-019B960494DF}">
+              <a14:hiddenLine xmlns:a14="http://schemas.microsoft.com/office/drawing/2010/main" w="9525">
+                <a:solidFill>
+                  <a:schemeClr val="tx1"/>
+                </a:solidFill>
+                <a:miter lim="800000"/>
+                <a:headEnd/>
+                <a:tailEnd/>
+              </a14:hiddenLine>
+            </a:ext>
+            <a:ext uri="{AF507438-7753-43E0-B8FC-AC1667EBCBE1}">
+              <a14:hiddenEffects xmlns:a14="http://schemas.microsoft.com/office/drawing/2010/main">
+                <a:effectLst>
+                  <a:outerShdw dist="35921" dir="2700000" algn="ctr" rotWithShape="0">
+                    <a:schemeClr val="bg2"/>
+                  </a:outerShdw>
+                </a:effectLst>
+              </a14:hiddenEffects>
+            </a:ext>
+          </a:extLst>
         </p:spPr>
-        <p:style>
-          <a:lnRef idx="0">
-            <a:scrgbClr r="0" g="0" b="0"/>
-          </a:lnRef>
-          <a:fillRef idx="0">
-            <a:scrgbClr r="0" g="0" b="0"/>
-          </a:fillRef>
-          <a:effectRef idx="0">
-            <a:scrgbClr r="0" g="0" b="0"/>
-          </a:effectRef>
-          <a:fontRef idx="minor"/>
-        </p:style>
         <p:txBody>
-          <a:bodyPr lIns="90000" tIns="45000" rIns="90000" bIns="45000"/>
+          <a:bodyPr vert="horz" wrap="none" lIns="91440" tIns="45720" rIns="91440" bIns="45720" numCol="1" anchor="ctr" anchorCtr="0" compatLnSpc="1">
+            <a:prstTxWarp prst="textNoShape">
+              <a:avLst/>
+            </a:prstTxWarp>
+            <a:spAutoFit/>
+          </a:bodyPr>
           <a:lstStyle/>
           <a:p>
-            <a:pPr algn="ctr">
+            <a:pPr marL="0" marR="0" lvl="0" indent="0" algn="l" defTabSz="914400" rtl="0" eaLnBrk="0" fontAlgn="base" latinLnBrk="0" hangingPunct="0">
               <a:lnSpc>
                 <a:spcPct val="100000"/>
               </a:lnSpc>
+              <a:spcBef>
+                <a:spcPct val="0"/>
+              </a:spcBef>
+              <a:spcAft>
+                <a:spcPct val="0"/>
+              </a:spcAft>
+              <a:buClrTx/>
+              <a:buSzTx/>
+              <a:buFontTx/>
+              <a:buNone/>
+              <a:tabLst/>
             </a:pPr>
-            <a:r>
-              <a:rPr lang="en-US" sz="1000" b="1" strike="noStrike" spc="-1" dirty="0">
-                <a:solidFill>
-                  <a:srgbClr val="000000"/>
-                </a:solidFill>
-                <a:uFill>
-                  <a:solidFill>
-                    <a:srgbClr val="FFFFFF"/>
-                  </a:solidFill>
-                </a:uFill>
-                <a:latin typeface="Arial"/>
-                <a:ea typeface="Noto Sans CJK SC Regular"/>
+            <a:br>
+              <a:rPr kumimoji="0" lang="es-CO" altLang="es-CO" sz="1800" b="0" i="0" u="none" strike="noStrike" cap="none" normalizeH="0" baseline="0">
+                <a:ln>
+                  <a:noFill/>
+                </a:ln>
+                <a:solidFill>
+                  <a:schemeClr val="tx1"/>
+                </a:solidFill>
+                <a:effectLst/>
+                <a:latin typeface="Arial" panose="020B0604020202020204" pitchFamily="34" charset="0"/>
               </a:rPr>
-              <a:t>Table </a:t>
-            </a:r>
-            <a:r>
-              <a:rPr lang="en-US" sz="1000" b="1" spc="-1" dirty="0">
-                <a:solidFill>
-                  <a:srgbClr val="000000"/>
-                </a:solidFill>
-                <a:uFill>
-                  <a:solidFill>
-                    <a:srgbClr val="FFFFFF"/>
-                  </a:solidFill>
-                </a:uFill>
-                <a:latin typeface="Arial"/>
-                <a:ea typeface="Noto Sans CJK SC Regular"/>
-              </a:rPr>
-              <a:t>4</a:t>
-            </a:r>
-            <a:r>
-              <a:rPr lang="en-US" sz="1000" b="1" strike="noStrike" spc="-1" dirty="0">
-                <a:solidFill>
-                  <a:srgbClr val="000000"/>
-                </a:solidFill>
-                <a:uFill>
-                  <a:solidFill>
-                    <a:srgbClr val="FFFFFF"/>
-                  </a:solidFill>
-                </a:uFill>
-                <a:latin typeface="Arial"/>
-                <a:ea typeface="Noto Sans CJK SC Regular"/>
-              </a:rPr>
-              <a:t>:</a:t>
-            </a:r>
-            <a:r>
-              <a:rPr lang="en-US" sz="1000" b="0" strike="noStrike" spc="-1" dirty="0">
-                <a:solidFill>
-                  <a:srgbClr val="000000"/>
-                </a:solidFill>
-                <a:uFill>
-                  <a:solidFill>
-                    <a:srgbClr val="FFFFFF"/>
-                  </a:solidFill>
-                </a:uFill>
-                <a:latin typeface="Arial"/>
-                <a:ea typeface="Noto Sans CJK SC Regular"/>
-              </a:rPr>
-              <a:t> Complexity of the operations</a:t>
-            </a:r>
-            <a:endParaRPr lang="en-US" sz="1000" b="0" strike="noStrike" spc="-1" dirty="0">
+            </a:br>
+            <a:endParaRPr kumimoji="0" lang="es-CO" altLang="es-CO" sz="1800" b="0" i="0" u="none" strike="noStrike" cap="none" normalizeH="0" baseline="0">
+              <a:ln>
+                <a:noFill/>
+              </a:ln>
               <a:solidFill>
-                <a:srgbClr val="000000"/>
+                <a:schemeClr val="tx1"/>
               </a:solidFill>
-              <a:uFill>
-                <a:solidFill>
-                  <a:srgbClr val="FFFFFF"/>
-                </a:solidFill>
-              </a:uFill>
-              <a:latin typeface="Arial"/>
+              <a:effectLst/>
+              <a:latin typeface="Arial" panose="020B0604020202020204" pitchFamily="34" charset="0"/>
+            </a:endParaRPr>
+          </a:p>
+          <a:p>
+            <a:pPr marL="0" marR="0" lvl="0" indent="0" algn="l" defTabSz="914400" rtl="0" eaLnBrk="0" fontAlgn="base" latinLnBrk="0" hangingPunct="0">
+              <a:lnSpc>
+                <a:spcPct val="100000"/>
+              </a:lnSpc>
+              <a:spcBef>
+                <a:spcPct val="0"/>
+              </a:spcBef>
+              <a:spcAft>
+                <a:spcPct val="0"/>
+              </a:spcAft>
+              <a:buClrTx/>
+              <a:buSzTx/>
+              <a:buFontTx/>
+              <a:buNone/>
+              <a:tabLst/>
+            </a:pPr>
+            <a:endParaRPr kumimoji="0" lang="es-CO" altLang="es-CO" sz="1800" b="0" i="0" u="none" strike="noStrike" cap="none" normalizeH="0" baseline="0">
+              <a:ln>
+                <a:noFill/>
+              </a:ln>
+              <a:solidFill>
+                <a:schemeClr val="tx1"/>
+              </a:solidFill>
+              <a:effectLst/>
+              <a:latin typeface="Arial" panose="020B0604020202020204" pitchFamily="34" charset="0"/>
             </a:endParaRPr>
           </a:p>
         </p:txBody>
@@ -18867,7 +17400,7 @@
     </p:spTree>
     <p:extLst>
       <p:ext uri="{BB962C8B-B14F-4D97-AF65-F5344CB8AC3E}">
-        <p14:creationId xmlns:p14="http://schemas.microsoft.com/office/powerpoint/2010/main" val="3706182594"/>
+        <p14:creationId xmlns:p14="http://schemas.microsoft.com/office/powerpoint/2010/main" val="1952284214"/>
       </p:ext>
     </p:extLst>
   </p:cSld>

--- a/proyecto/informe/entrega3/Presentation of bees.pptx
+++ b/proyecto/informe/entrega3/Presentation of bees.pptx
@@ -16,7 +16,8 @@
     <p:sldId id="265" r:id="rId10"/>
     <p:sldId id="268" r:id="rId11"/>
     <p:sldId id="269" r:id="rId12"/>
-    <p:sldId id="262" r:id="rId13"/>
+    <p:sldId id="270" r:id="rId13"/>
+    <p:sldId id="262" r:id="rId14"/>
   </p:sldIdLst>
   <p:sldSz cx="9144000" cy="6858000" type="screen4x3"/>
   <p:notesSz cx="7772400" cy="10058400"/>
@@ -7104,6 +7105,77 @@
       </p:grpSpPr>
       <p:sp>
         <p:nvSpPr>
+          <p:cNvPr id="4" name="Subtítulo 3">
+            <a:extLst>
+              <a:ext uri="{FF2B5EF4-FFF2-40B4-BE49-F238E27FC236}">
+                <a16:creationId xmlns:a16="http://schemas.microsoft.com/office/drawing/2014/main" id="{D593C166-F017-4775-835C-2AE1F893E0AB}"/>
+              </a:ext>
+            </a:extLst>
+          </p:cNvPr>
+          <p:cNvSpPr>
+            <a:spLocks noGrp="1"/>
+          </p:cNvSpPr>
+          <p:nvPr>
+            <p:ph type="subTitle"/>
+          </p:nvPr>
+        </p:nvSpPr>
+        <p:spPr/>
+        <p:txBody>
+          <a:bodyPr/>
+          <a:lstStyle/>
+          <a:p>
+            <a:pPr marL="0" indent="0" algn="ctr">
+              <a:buNone/>
+            </a:pPr>
+            <a:r>
+              <a:rPr lang="es-CO" sz="6000" b="1" i="1" spc="-1" dirty="0">
+                <a:solidFill>
+                  <a:srgbClr val="333F4F"/>
+                </a:solidFill>
+                <a:uFill>
+                  <a:solidFill>
+                    <a:srgbClr val="FFFFFF"/>
+                  </a:solidFill>
+                </a:uFill>
+                <a:latin typeface="Arial"/>
+              </a:rPr>
+              <a:t>CONCLUSIONS</a:t>
+            </a:r>
+          </a:p>
+        </p:txBody>
+      </p:sp>
+    </p:spTree>
+    <p:extLst>
+      <p:ext uri="{BB962C8B-B14F-4D97-AF65-F5344CB8AC3E}">
+        <p14:creationId xmlns:p14="http://schemas.microsoft.com/office/powerpoint/2010/main" val="4029851829"/>
+      </p:ext>
+    </p:extLst>
+  </p:cSld>
+  <p:clrMapOvr>
+    <a:masterClrMapping/>
+  </p:clrMapOvr>
+</p:sld>
+</file>
+
+<file path=ppt/slides/slide12.xml><?xml version="1.0" encoding="utf-8"?>
+<p:sld xmlns:a="http://schemas.openxmlformats.org/drawingml/2006/main" xmlns:r="http://schemas.openxmlformats.org/officeDocument/2006/relationships" xmlns:p="http://schemas.openxmlformats.org/presentationml/2006/main">
+  <p:cSld>
+    <p:spTree>
+      <p:nvGrpSpPr>
+        <p:cNvPr id="1" name=""/>
+        <p:cNvGrpSpPr/>
+        <p:nvPr/>
+      </p:nvGrpSpPr>
+      <p:grpSpPr>
+        <a:xfrm>
+          <a:off x="0" y="0"/>
+          <a:ext cx="0" cy="0"/>
+          <a:chOff x="0" y="0"/>
+          <a:chExt cx="0" cy="0"/>
+        </a:xfrm>
+      </p:grpSpPr>
+      <p:sp>
+        <p:nvSpPr>
           <p:cNvPr id="128" name="CustomShape 1"/>
           <p:cNvSpPr/>
           <p:nvPr/>
@@ -8381,7 +8453,7 @@
         </p:blipFill>
         <p:spPr bwMode="auto">
           <a:xfrm>
-            <a:off x="2682166" y="2123982"/>
+            <a:off x="2541486" y="2123982"/>
             <a:ext cx="2057400" cy="2057400"/>
           </a:xfrm>
           <a:prstGeom prst="rect">
@@ -8414,42 +8486,42 @@
           <p:nvPr>
             <p:extLst>
               <p:ext uri="{D42A27DB-BD31-4B8C-83A1-F6EECF244321}">
-                <p14:modId xmlns:p14="http://schemas.microsoft.com/office/powerpoint/2010/main" val="3032412901"/>
+                <p14:modId xmlns:p14="http://schemas.microsoft.com/office/powerpoint/2010/main" val="1529492696"/>
               </p:ext>
             </p:extLst>
           </p:nvPr>
         </p:nvGraphicFramePr>
         <p:xfrm>
-          <a:off x="5271718" y="1944092"/>
-          <a:ext cx="3209925" cy="1950720"/>
+          <a:off x="4867422" y="2511689"/>
+          <a:ext cx="4107766" cy="1341120"/>
         </p:xfrm>
         <a:graphic>
           <a:graphicData uri="http://schemas.openxmlformats.org/drawingml/2006/table">
             <a:tbl>
               <a:tblPr/>
               <a:tblGrid>
-                <a:gridCol w="990600">
+                <a:gridCol w="1267680">
                   <a:extLst>
                     <a:ext uri="{9D8B030D-6E8A-4147-A177-3AD203B41FA5}">
                       <a16:colId xmlns:a16="http://schemas.microsoft.com/office/drawing/2014/main" val="876492804"/>
                     </a:ext>
                   </a:extLst>
                 </a:gridCol>
-                <a:gridCol w="733425">
+                <a:gridCol w="938569">
                   <a:extLst>
                     <a:ext uri="{9D8B030D-6E8A-4147-A177-3AD203B41FA5}">
                       <a16:colId xmlns:a16="http://schemas.microsoft.com/office/drawing/2014/main" val="1704933801"/>
                     </a:ext>
                   </a:extLst>
                 </a:gridCol>
-                <a:gridCol w="733425">
+                <a:gridCol w="938569">
                   <a:extLst>
                     <a:ext uri="{9D8B030D-6E8A-4147-A177-3AD203B41FA5}">
                       <a16:colId xmlns:a16="http://schemas.microsoft.com/office/drawing/2014/main" val="3522462701"/>
                     </a:ext>
                   </a:extLst>
                 </a:gridCol>
-                <a:gridCol w="752475">
+                <a:gridCol w="962948">
                   <a:extLst>
                     <a:ext uri="{9D8B030D-6E8A-4147-A177-3AD203B41FA5}">
                       <a16:colId xmlns:a16="http://schemas.microsoft.com/office/drawing/2014/main" val="2527122132"/>
@@ -9156,16 +9228,36 @@
                         </a:spcAft>
                       </a:pPr>
                       <a:r>
-                        <a:rPr lang="es-CO" sz="1000" b="0" i="0" u="none" strike="noStrike">
+                        <a:rPr lang="es-CO" sz="1000" b="0" i="0" u="none" strike="noStrike" dirty="0">
                           <a:solidFill>
                             <a:srgbClr val="000000"/>
                           </a:solidFill>
                           <a:effectLst/>
                           <a:latin typeface="Times New Roman" panose="02020603050405020304" pitchFamily="18" charset="0"/>
                         </a:rPr>
-                        <a:t>O(xyz)</a:t>
+                        <a:t>O(</a:t>
                       </a:r>
-                      <a:endParaRPr lang="es-CO">
+                      <a:r>
+                        <a:rPr lang="es-CO" sz="1000" b="0" i="0" u="none" strike="noStrike" dirty="0" err="1">
+                          <a:solidFill>
+                            <a:srgbClr val="000000"/>
+                          </a:solidFill>
+                          <a:effectLst/>
+                          <a:latin typeface="Times New Roman" panose="02020603050405020304" pitchFamily="18" charset="0"/>
+                        </a:rPr>
+                        <a:t>xyz</a:t>
+                      </a:r>
+                      <a:r>
+                        <a:rPr lang="es-CO" sz="1000" b="0" i="0" u="none" strike="noStrike" dirty="0">
+                          <a:solidFill>
+                            <a:srgbClr val="000000"/>
+                          </a:solidFill>
+                          <a:effectLst/>
+                          <a:latin typeface="Times New Roman" panose="02020603050405020304" pitchFamily="18" charset="0"/>
+                        </a:rPr>
+                        <a:t>)=O(n^2)</a:t>
+                      </a:r>
+                      <a:endParaRPr lang="es-CO" dirty="0">
                         <a:effectLst/>
                       </a:endParaRPr>
                     </a:p>
@@ -9496,7 +9588,7 @@
         </p:nvSpPr>
         <p:spPr>
           <a:xfrm>
-            <a:off x="1424866" y="4342810"/>
+            <a:off x="1115378" y="4342810"/>
             <a:ext cx="4572000" cy="877163"/>
           </a:xfrm>
           <a:prstGeom prst="rect">
@@ -10274,14 +10366,14 @@
           <p:nvPr>
             <p:extLst>
               <p:ext uri="{D42A27DB-BD31-4B8C-83A1-F6EECF244321}">
-                <p14:modId xmlns:p14="http://schemas.microsoft.com/office/powerpoint/2010/main" val="12957711"/>
+                <p14:modId xmlns:p14="http://schemas.microsoft.com/office/powerpoint/2010/main" val="1315886408"/>
               </p:ext>
             </p:extLst>
           </p:nvPr>
         </p:nvGraphicFramePr>
         <p:xfrm>
-          <a:off x="5495453" y="1843220"/>
-          <a:ext cx="3267084" cy="1977339"/>
+          <a:off x="5559905" y="1912002"/>
+          <a:ext cx="3267084" cy="2259816"/>
         </p:xfrm>
         <a:graphic>
           <a:graphicData uri="http://schemas.openxmlformats.org/drawingml/2006/table">
@@ -11763,6 +11855,213 @@
                 <a:extLst>
                   <a:ext uri="{0D108BD9-81ED-4DB2-BD59-A6C34878D82A}">
                     <a16:rowId xmlns:a16="http://schemas.microsoft.com/office/drawing/2014/main" val="919202001"/>
+                  </a:ext>
+                </a:extLst>
+              </a:tr>
+              <a:tr h="282477">
+                <a:tc>
+                  <a:txBody>
+                    <a:bodyPr/>
+                    <a:lstStyle/>
+                    <a:p>
+                      <a:pPr algn="just">
+                        <a:spcAft>
+                          <a:spcPts val="600"/>
+                        </a:spcAft>
+                      </a:pPr>
+                      <a:r>
+                        <a:rPr lang="en-US" sz="1000" b="1" dirty="0">
+                          <a:effectLst/>
+                          <a:latin typeface="Times New Roman" panose="02020603050405020304" pitchFamily="18" charset="0"/>
+                          <a:ea typeface="Times New Roman" panose="02020603050405020304" pitchFamily="18" charset="0"/>
+                        </a:rPr>
+                        <a:t>Average time</a:t>
+                      </a:r>
+                      <a:endParaRPr lang="es-CO" sz="1000" dirty="0">
+                        <a:effectLst/>
+                        <a:latin typeface="Times New Roman" panose="02020603050405020304" pitchFamily="18" charset="0"/>
+                        <a:ea typeface="Times New Roman" panose="02020603050405020304" pitchFamily="18" charset="0"/>
+                      </a:endParaRPr>
+                    </a:p>
+                  </a:txBody>
+                  <a:tcPr marL="68580" marR="68580" marT="0" marB="0">
+                    <a:lnL w="6350" cap="flat" cmpd="sng" algn="ctr">
+                      <a:solidFill>
+                        <a:srgbClr val="000000"/>
+                      </a:solidFill>
+                      <a:prstDash val="solid"/>
+                      <a:round/>
+                      <a:headEnd type="none" w="med" len="med"/>
+                      <a:tailEnd type="none" w="med" len="med"/>
+                    </a:lnL>
+                    <a:lnR w="6350" cap="flat" cmpd="sng" algn="ctr">
+                      <a:solidFill>
+                        <a:srgbClr val="000000"/>
+                      </a:solidFill>
+                      <a:prstDash val="solid"/>
+                      <a:round/>
+                      <a:headEnd type="none" w="med" len="med"/>
+                      <a:tailEnd type="none" w="med" len="med"/>
+                    </a:lnR>
+                    <a:lnT w="6350" cap="flat" cmpd="sng" algn="ctr">
+                      <a:solidFill>
+                        <a:srgbClr val="000000"/>
+                      </a:solidFill>
+                      <a:prstDash val="solid"/>
+                      <a:round/>
+                      <a:headEnd type="none" w="med" len="med"/>
+                      <a:tailEnd type="none" w="med" len="med"/>
+                    </a:lnT>
+                    <a:lnB w="6350" cap="flat" cmpd="sng" algn="ctr">
+                      <a:solidFill>
+                        <a:srgbClr val="000000"/>
+                      </a:solidFill>
+                      <a:prstDash val="solid"/>
+                      <a:round/>
+                      <a:headEnd type="none" w="med" len="med"/>
+                      <a:tailEnd type="none" w="med" len="med"/>
+                    </a:lnB>
+                  </a:tcPr>
+                </a:tc>
+                <a:tc>
+                  <a:txBody>
+                    <a:bodyPr/>
+                    <a:lstStyle/>
+                    <a:p>
+                      <a:pPr algn="just">
+                        <a:spcAft>
+                          <a:spcPts val="600"/>
+                        </a:spcAft>
+                      </a:pPr>
+                      <a:r>
+                        <a:rPr lang="en-US" sz="1000">
+                          <a:effectLst/>
+                          <a:latin typeface="Times New Roman" panose="02020603050405020304" pitchFamily="18" charset="0"/>
+                          <a:ea typeface="Times New Roman" panose="02020603050405020304" pitchFamily="18" charset="0"/>
+                        </a:rPr>
+                        <a:t>4732.8 ms</a:t>
+                      </a:r>
+                      <a:endParaRPr lang="es-CO" sz="1000">
+                        <a:effectLst/>
+                        <a:latin typeface="Times New Roman" panose="02020603050405020304" pitchFamily="18" charset="0"/>
+                        <a:ea typeface="Times New Roman" panose="02020603050405020304" pitchFamily="18" charset="0"/>
+                      </a:endParaRPr>
+                    </a:p>
+                  </a:txBody>
+                  <a:tcPr marL="68580" marR="68580" marT="0" marB="0">
+                    <a:lnL w="6350" cap="flat" cmpd="sng" algn="ctr">
+                      <a:solidFill>
+                        <a:srgbClr val="000000"/>
+                      </a:solidFill>
+                      <a:prstDash val="solid"/>
+                      <a:round/>
+                      <a:headEnd type="none" w="med" len="med"/>
+                      <a:tailEnd type="none" w="med" len="med"/>
+                    </a:lnL>
+                    <a:lnR w="6350" cap="flat" cmpd="sng" algn="ctr">
+                      <a:solidFill>
+                        <a:srgbClr val="000000"/>
+                      </a:solidFill>
+                      <a:prstDash val="solid"/>
+                      <a:round/>
+                      <a:headEnd type="none" w="med" len="med"/>
+                      <a:tailEnd type="none" w="med" len="med"/>
+                    </a:lnR>
+                    <a:lnT w="6350" cap="flat" cmpd="sng" algn="ctr">
+                      <a:solidFill>
+                        <a:srgbClr val="000000"/>
+                      </a:solidFill>
+                      <a:prstDash val="solid"/>
+                      <a:round/>
+                      <a:headEnd type="none" w="med" len="med"/>
+                      <a:tailEnd type="none" w="med" len="med"/>
+                    </a:lnT>
+                    <a:lnB w="6350" cap="flat" cmpd="sng" algn="ctr">
+                      <a:solidFill>
+                        <a:srgbClr val="000000"/>
+                      </a:solidFill>
+                      <a:prstDash val="solid"/>
+                      <a:round/>
+                      <a:headEnd type="none" w="med" len="med"/>
+                      <a:tailEnd type="none" w="med" len="med"/>
+                    </a:lnB>
+                  </a:tcPr>
+                </a:tc>
+                <a:tc>
+                  <a:txBody>
+                    <a:bodyPr/>
+                    <a:lstStyle/>
+                    <a:p>
+                      <a:pPr algn="just">
+                        <a:spcAft>
+                          <a:spcPts val="600"/>
+                        </a:spcAft>
+                      </a:pPr>
+                      <a:r>
+                        <a:rPr lang="en-US" sz="1000" dirty="0">
+                          <a:effectLst/>
+                          <a:latin typeface="Times New Roman" panose="02020603050405020304" pitchFamily="18" charset="0"/>
+                          <a:ea typeface="Times New Roman" panose="02020603050405020304" pitchFamily="18" charset="0"/>
+                        </a:rPr>
+                        <a:t>495 </a:t>
+                      </a:r>
+                      <a:r>
+                        <a:rPr lang="en-US" sz="1000" dirty="0" err="1">
+                          <a:effectLst/>
+                          <a:latin typeface="Times New Roman" panose="02020603050405020304" pitchFamily="18" charset="0"/>
+                          <a:ea typeface="Times New Roman" panose="02020603050405020304" pitchFamily="18" charset="0"/>
+                        </a:rPr>
+                        <a:t>ms</a:t>
+                      </a:r>
+                      <a:endParaRPr lang="es-CO" sz="1000" dirty="0">
+                        <a:effectLst/>
+                        <a:latin typeface="Times New Roman" panose="02020603050405020304" pitchFamily="18" charset="0"/>
+                        <a:ea typeface="Times New Roman" panose="02020603050405020304" pitchFamily="18" charset="0"/>
+                      </a:endParaRPr>
+                    </a:p>
+                  </a:txBody>
+                  <a:tcPr marL="68580" marR="68580" marT="0" marB="0">
+                    <a:lnL w="6350" cap="flat" cmpd="sng" algn="ctr">
+                      <a:solidFill>
+                        <a:srgbClr val="000000"/>
+                      </a:solidFill>
+                      <a:prstDash val="solid"/>
+                      <a:round/>
+                      <a:headEnd type="none" w="med" len="med"/>
+                      <a:tailEnd type="none" w="med" len="med"/>
+                    </a:lnL>
+                    <a:lnR w="6350" cap="flat" cmpd="sng" algn="ctr">
+                      <a:solidFill>
+                        <a:srgbClr val="000000"/>
+                      </a:solidFill>
+                      <a:prstDash val="solid"/>
+                      <a:round/>
+                      <a:headEnd type="none" w="med" len="med"/>
+                      <a:tailEnd type="none" w="med" len="med"/>
+                    </a:lnR>
+                    <a:lnT w="6350" cap="flat" cmpd="sng" algn="ctr">
+                      <a:solidFill>
+                        <a:srgbClr val="000000"/>
+                      </a:solidFill>
+                      <a:prstDash val="solid"/>
+                      <a:round/>
+                      <a:headEnd type="none" w="med" len="med"/>
+                      <a:tailEnd type="none" w="med" len="med"/>
+                    </a:lnT>
+                    <a:lnB w="6350" cap="flat" cmpd="sng" algn="ctr">
+                      <a:solidFill>
+                        <a:srgbClr val="000000"/>
+                      </a:solidFill>
+                      <a:prstDash val="solid"/>
+                      <a:round/>
+                      <a:headEnd type="none" w="med" len="med"/>
+                      <a:tailEnd type="none" w="med" len="med"/>
+                    </a:lnB>
+                  </a:tcPr>
+                </a:tc>
+                <a:extLst>
+                  <a:ext uri="{0D108BD9-81ED-4DB2-BD59-A6C34878D82A}">
+                    <a16:rowId xmlns:a16="http://schemas.microsoft.com/office/drawing/2014/main" val="1194831068"/>
                   </a:ext>
                 </a:extLst>
               </a:tr>
@@ -11989,7 +12288,7 @@
         </p:nvSpPr>
         <p:spPr>
           <a:xfrm>
-            <a:off x="4736926" y="3893414"/>
+            <a:off x="4708791" y="4390275"/>
             <a:ext cx="4572000" cy="969496"/>
           </a:xfrm>
           <a:prstGeom prst="rect">
@@ -15418,7 +15717,7 @@
               </a:lnSpc>
             </a:pPr>
             <a:r>
-              <a:rPr lang="en-US" sz="2800" b="1" i="1" strike="noStrike" spc="-1">
+              <a:rPr lang="en-US" sz="2800" b="1" i="1" strike="noStrike" spc="-1" dirty="0">
                 <a:solidFill>
                   <a:srgbClr val="333F4F"/>
                 </a:solidFill>
@@ -15432,7 +15731,7 @@
               </a:rPr>
               <a:t>Time and Memory Consumption</a:t>
             </a:r>
-            <a:endParaRPr lang="en-US" sz="1800" b="0" strike="noStrike" spc="-1">
+            <a:endParaRPr lang="en-US" sz="1800" b="0" strike="noStrike" spc="-1" dirty="0">
               <a:solidFill>
                 <a:srgbClr val="000000"/>
               </a:solidFill>
@@ -15767,14 +16066,14 @@
           <p:nvPr>
             <p:extLst>
               <p:ext uri="{D42A27DB-BD31-4B8C-83A1-F6EECF244321}">
-                <p14:modId xmlns:p14="http://schemas.microsoft.com/office/powerpoint/2010/main" val="640357269"/>
+                <p14:modId xmlns:p14="http://schemas.microsoft.com/office/powerpoint/2010/main" val="452361592"/>
               </p:ext>
             </p:extLst>
           </p:nvPr>
         </p:nvGraphicFramePr>
         <p:xfrm>
-          <a:off x="5451301" y="2046207"/>
-          <a:ext cx="3143250" cy="1706880"/>
+          <a:off x="5451301" y="1924287"/>
+          <a:ext cx="3143250" cy="1950720"/>
         </p:xfrm>
         <a:graphic>
           <a:graphicData uri="http://schemas.openxmlformats.org/drawingml/2006/table">
@@ -16925,7 +17224,7 @@
                         </a:spcAft>
                       </a:pPr>
                       <a:r>
-                        <a:rPr lang="es-CO" sz="1000" b="0" i="0" u="none" strike="noStrike">
+                        <a:rPr lang="es-CO" sz="1000" b="0" i="0" u="none" strike="noStrike" dirty="0">
                           <a:solidFill>
                             <a:srgbClr val="000000"/>
                           </a:solidFill>
@@ -16934,7 +17233,7 @@
                         </a:rPr>
                         <a:t>23282 ms</a:t>
                       </a:r>
-                      <a:endParaRPr lang="es-CO">
+                      <a:endParaRPr lang="es-CO" dirty="0">
                         <a:effectLst/>
                       </a:endParaRPr>
                     </a:p>
@@ -16992,7 +17291,7 @@
                         </a:spcAft>
                       </a:pPr>
                       <a:r>
-                        <a:rPr lang="es-CO" sz="1000" b="0" i="0" u="none" strike="noStrike">
+                        <a:rPr lang="es-CO" sz="1000" b="0" i="0" u="none" strike="noStrike" dirty="0">
                           <a:solidFill>
                             <a:srgbClr val="000000"/>
                           </a:solidFill>
@@ -17001,7 +17300,7 @@
                         </a:rPr>
                         <a:t>46 ms</a:t>
                       </a:r>
-                      <a:endParaRPr lang="es-CO">
+                      <a:endParaRPr lang="es-CO" dirty="0">
                         <a:effectLst/>
                       </a:endParaRPr>
                     </a:p>
@@ -17256,6 +17555,251 @@
                 <a:extLst>
                   <a:ext uri="{0D108BD9-81ED-4DB2-BD59-A6C34878D82A}">
                     <a16:rowId xmlns:a16="http://schemas.microsoft.com/office/drawing/2014/main" val="3035663137"/>
+                  </a:ext>
+                </a:extLst>
+              </a:tr>
+              <a:tr h="0">
+                <a:tc>
+                  <a:txBody>
+                    <a:bodyPr/>
+                    <a:lstStyle/>
+                    <a:p>
+                      <a:pPr algn="just">
+                        <a:spcAft>
+                          <a:spcPts val="600"/>
+                        </a:spcAft>
+                      </a:pPr>
+                      <a:r>
+                        <a:rPr lang="en-US" sz="1000" b="1" dirty="0">
+                          <a:effectLst/>
+                          <a:latin typeface="Times New Roman" panose="02020603050405020304" pitchFamily="18" charset="0"/>
+                          <a:ea typeface="Times New Roman" panose="02020603050405020304" pitchFamily="18" charset="0"/>
+                        </a:rPr>
+                        <a:t>Average time</a:t>
+                      </a:r>
+                      <a:endParaRPr lang="es-CO" sz="1000" dirty="0">
+                        <a:effectLst/>
+                        <a:latin typeface="Times New Roman" panose="02020603050405020304" pitchFamily="18" charset="0"/>
+                        <a:ea typeface="Times New Roman" panose="02020603050405020304" pitchFamily="18" charset="0"/>
+                      </a:endParaRPr>
+                    </a:p>
+                  </a:txBody>
+                  <a:tcPr marL="68580" marR="68580" marT="0" marB="0">
+                    <a:lnL w="6350" cap="flat" cmpd="sng" algn="ctr">
+                      <a:solidFill>
+                        <a:srgbClr val="000000"/>
+                      </a:solidFill>
+                      <a:prstDash val="solid"/>
+                      <a:round/>
+                      <a:headEnd type="none" w="med" len="med"/>
+                      <a:tailEnd type="none" w="med" len="med"/>
+                    </a:lnL>
+                    <a:lnR w="6350" cap="flat" cmpd="sng" algn="ctr">
+                      <a:solidFill>
+                        <a:srgbClr val="000000"/>
+                      </a:solidFill>
+                      <a:prstDash val="solid"/>
+                      <a:round/>
+                      <a:headEnd type="none" w="med" len="med"/>
+                      <a:tailEnd type="none" w="med" len="med"/>
+                    </a:lnR>
+                    <a:lnT w="6350" cap="flat" cmpd="sng" algn="ctr">
+                      <a:solidFill>
+                        <a:srgbClr val="000000"/>
+                      </a:solidFill>
+                      <a:prstDash val="solid"/>
+                      <a:round/>
+                      <a:headEnd type="none" w="med" len="med"/>
+                      <a:tailEnd type="none" w="med" len="med"/>
+                    </a:lnT>
+                    <a:lnB w="6350" cap="flat" cmpd="sng" algn="ctr">
+                      <a:solidFill>
+                        <a:srgbClr val="000000"/>
+                      </a:solidFill>
+                      <a:prstDash val="solid"/>
+                      <a:round/>
+                      <a:headEnd type="none" w="med" len="med"/>
+                      <a:tailEnd type="none" w="med" len="med"/>
+                    </a:lnB>
+                  </a:tcPr>
+                </a:tc>
+                <a:tc>
+                  <a:txBody>
+                    <a:bodyPr/>
+                    <a:lstStyle/>
+                    <a:p>
+                      <a:pPr algn="just" rtl="0" fontAlgn="t">
+                        <a:spcBef>
+                          <a:spcPts val="0"/>
+                        </a:spcBef>
+                        <a:spcAft>
+                          <a:spcPts val="600"/>
+                        </a:spcAft>
+                      </a:pPr>
+                      <a:r>
+                        <a:rPr lang="en-US" sz="1000" b="0" i="0" u="none" strike="noStrike" kern="1200" dirty="0">
+                          <a:solidFill>
+                            <a:srgbClr val="000000"/>
+                          </a:solidFill>
+                          <a:effectLst/>
+                          <a:latin typeface="Times New Roman" panose="02020603050405020304" pitchFamily="18" charset="0"/>
+                          <a:ea typeface="+mn-ea"/>
+                          <a:cs typeface="+mn-cs"/>
+                        </a:rPr>
+                        <a:t>4732.8 </a:t>
+                      </a:r>
+                      <a:r>
+                        <a:rPr lang="en-US" sz="1000" b="0" i="0" u="none" strike="noStrike" kern="1200" dirty="0" err="1">
+                          <a:solidFill>
+                            <a:srgbClr val="000000"/>
+                          </a:solidFill>
+                          <a:effectLst/>
+                          <a:latin typeface="Times New Roman" panose="02020603050405020304" pitchFamily="18" charset="0"/>
+                          <a:ea typeface="+mn-ea"/>
+                          <a:cs typeface="+mn-cs"/>
+                        </a:rPr>
+                        <a:t>ms</a:t>
+                      </a:r>
+                      <a:endParaRPr lang="es-CO" sz="1000" b="0" i="0" u="none" strike="noStrike" kern="1200" dirty="0">
+                        <a:solidFill>
+                          <a:srgbClr val="000000"/>
+                        </a:solidFill>
+                        <a:effectLst/>
+                        <a:latin typeface="Times New Roman" panose="02020603050405020304" pitchFamily="18" charset="0"/>
+                        <a:ea typeface="+mn-ea"/>
+                        <a:cs typeface="+mn-cs"/>
+                      </a:endParaRPr>
+                    </a:p>
+                  </a:txBody>
+                  <a:tcPr marL="68580" marR="68580">
+                    <a:lnL w="6350" cap="flat" cmpd="sng" algn="ctr">
+                      <a:solidFill>
+                        <a:srgbClr val="000000"/>
+                      </a:solidFill>
+                      <a:prstDash val="solid"/>
+                      <a:round/>
+                      <a:headEnd type="none" w="med" len="med"/>
+                      <a:tailEnd type="none" w="med" len="med"/>
+                    </a:lnL>
+                    <a:lnR w="6350" cap="flat" cmpd="sng" algn="ctr">
+                      <a:solidFill>
+                        <a:srgbClr val="000000"/>
+                      </a:solidFill>
+                      <a:prstDash val="solid"/>
+                      <a:round/>
+                      <a:headEnd type="none" w="med" len="med"/>
+                      <a:tailEnd type="none" w="med" len="med"/>
+                    </a:lnR>
+                    <a:lnT w="6350" cap="flat" cmpd="sng" algn="ctr">
+                      <a:solidFill>
+                        <a:srgbClr val="000000"/>
+                      </a:solidFill>
+                      <a:prstDash val="solid"/>
+                      <a:round/>
+                      <a:headEnd type="none" w="med" len="med"/>
+                      <a:tailEnd type="none" w="med" len="med"/>
+                    </a:lnT>
+                    <a:lnB w="6350" cap="flat" cmpd="sng" algn="ctr">
+                      <a:solidFill>
+                        <a:srgbClr val="000000"/>
+                      </a:solidFill>
+                      <a:prstDash val="solid"/>
+                      <a:round/>
+                      <a:headEnd type="none" w="med" len="med"/>
+                      <a:tailEnd type="none" w="med" len="med"/>
+                    </a:lnB>
+                  </a:tcPr>
+                </a:tc>
+                <a:tc>
+                  <a:txBody>
+                    <a:bodyPr/>
+                    <a:lstStyle/>
+                    <a:p>
+                      <a:pPr algn="just" rtl="0" fontAlgn="t">
+                        <a:spcBef>
+                          <a:spcPts val="0"/>
+                        </a:spcBef>
+                        <a:spcAft>
+                          <a:spcPts val="600"/>
+                        </a:spcAft>
+                      </a:pPr>
+                      <a:r>
+                        <a:rPr lang="en-US" sz="1000" b="0" i="0" u="none" strike="noStrike" kern="1200" dirty="0">
+                          <a:solidFill>
+                            <a:srgbClr val="000000"/>
+                          </a:solidFill>
+                          <a:effectLst/>
+                          <a:latin typeface="Times New Roman" panose="02020603050405020304" pitchFamily="18" charset="0"/>
+                          <a:ea typeface="+mn-ea"/>
+                          <a:cs typeface="+mn-cs"/>
+                        </a:rPr>
+                        <a:t>10308.2 </a:t>
+                      </a:r>
+                      <a:r>
+                        <a:rPr lang="en-US" sz="1000" b="0" i="0" u="none" strike="noStrike" kern="1200" dirty="0" err="1">
+                          <a:solidFill>
+                            <a:srgbClr val="000000"/>
+                          </a:solidFill>
+                          <a:effectLst/>
+                          <a:latin typeface="Times New Roman" panose="02020603050405020304" pitchFamily="18" charset="0"/>
+                          <a:ea typeface="+mn-ea"/>
+                          <a:cs typeface="+mn-cs"/>
+                        </a:rPr>
+                        <a:t>ms</a:t>
+                      </a:r>
+                      <a:endParaRPr lang="es-CO" sz="1000" b="0" i="0" u="none" strike="noStrike" kern="1200" dirty="0">
+                        <a:solidFill>
+                          <a:srgbClr val="000000"/>
+                        </a:solidFill>
+                        <a:effectLst/>
+                        <a:latin typeface="Times New Roman" panose="02020603050405020304" pitchFamily="18" charset="0"/>
+                        <a:ea typeface="+mn-ea"/>
+                        <a:cs typeface="+mn-cs"/>
+                      </a:endParaRPr>
+                    </a:p>
+                  </a:txBody>
+                  <a:tcPr marL="68580" marR="68580">
+                    <a:lnL w="6350" cap="flat" cmpd="sng" algn="ctr">
+                      <a:solidFill>
+                        <a:srgbClr val="000000"/>
+                      </a:solidFill>
+                      <a:prstDash val="solid"/>
+                      <a:round/>
+                      <a:headEnd type="none" w="med" len="med"/>
+                      <a:tailEnd type="none" w="med" len="med"/>
+                    </a:lnL>
+                    <a:lnR w="6350" cap="flat" cmpd="sng" algn="ctr">
+                      <a:solidFill>
+                        <a:srgbClr val="000000"/>
+                      </a:solidFill>
+                      <a:prstDash val="solid"/>
+                      <a:round/>
+                      <a:headEnd type="none" w="med" len="med"/>
+                      <a:tailEnd type="none" w="med" len="med"/>
+                    </a:lnR>
+                    <a:lnT w="6350" cap="flat" cmpd="sng" algn="ctr">
+                      <a:solidFill>
+                        <a:srgbClr val="000000"/>
+                      </a:solidFill>
+                      <a:prstDash val="solid"/>
+                      <a:round/>
+                      <a:headEnd type="none" w="med" len="med"/>
+                      <a:tailEnd type="none" w="med" len="med"/>
+                    </a:lnT>
+                    <a:lnB w="6350" cap="flat" cmpd="sng" algn="ctr">
+                      <a:solidFill>
+                        <a:srgbClr val="000000"/>
+                      </a:solidFill>
+                      <a:prstDash val="solid"/>
+                      <a:round/>
+                      <a:headEnd type="none" w="med" len="med"/>
+                      <a:tailEnd type="none" w="med" len="med"/>
+                    </a:lnB>
+                  </a:tcPr>
+                </a:tc>
+                <a:extLst>
+                  <a:ext uri="{0D108BD9-81ED-4DB2-BD59-A6C34878D82A}">
+                    <a16:rowId xmlns:a16="http://schemas.microsoft.com/office/drawing/2014/main" val="3806088465"/>
                   </a:ext>
                 </a:extLst>
               </a:tr>
